--- a/Vehicle_repayment_prediction.pptx
+++ b/Vehicle_repayment_prediction.pptx
@@ -5,7 +5,7 @@
     <p:sldMasterId id="2147483648" r:id="rId1"/>
   </p:sldMasterIdLst>
   <p:notesMasterIdLst>
-    <p:notesMasterId r:id="rId27"/>
+    <p:notesMasterId r:id="rId28"/>
   </p:notesMasterIdLst>
   <p:sldIdLst>
     <p:sldId id="258" r:id="rId2"/>
@@ -28,11 +28,12 @@
     <p:sldId id="331" r:id="rId19"/>
     <p:sldId id="332" r:id="rId20"/>
     <p:sldId id="334" r:id="rId21"/>
-    <p:sldId id="333" r:id="rId22"/>
-    <p:sldId id="339" r:id="rId23"/>
-    <p:sldId id="335" r:id="rId24"/>
-    <p:sldId id="336" r:id="rId25"/>
-    <p:sldId id="256" r:id="rId26"/>
+    <p:sldId id="340" r:id="rId22"/>
+    <p:sldId id="333" r:id="rId23"/>
+    <p:sldId id="339" r:id="rId24"/>
+    <p:sldId id="335" r:id="rId25"/>
+    <p:sldId id="336" r:id="rId26"/>
+    <p:sldId id="256" r:id="rId27"/>
   </p:sldIdLst>
   <p:sldSz cx="12192000" cy="6858000"/>
   <p:notesSz cx="6858000" cy="9144000"/>
@@ -1445,85 +1446,6 @@
             <a:endParaRPr lang="en-US" altLang="ko-KR" dirty="0"/>
           </a:p>
           <a:p>
-            <a:r>
-              <a:rPr lang="ko-KR" altLang="en-US" dirty="0"/>
-              <a:t>옵티마이저 </a:t>
-            </a:r>
-            <a:r>
-              <a:rPr lang="en-US" altLang="ko-KR" dirty="0"/>
-              <a:t>: </a:t>
-            </a:r>
-            <a:r>
-              <a:rPr lang="ko-KR" altLang="en-US" dirty="0"/>
-              <a:t>아담  러닝레이트 </a:t>
-            </a:r>
-            <a:r>
-              <a:rPr lang="en-US" altLang="ko-KR" dirty="0"/>
-              <a:t>0.01</a:t>
-            </a:r>
-          </a:p>
-          <a:p>
-            <a:r>
-              <a:rPr lang="en-US" altLang="ko-KR" dirty="0"/>
-              <a:t>Loss : binary cross entropy , </a:t>
-            </a:r>
-            <a:r>
-              <a:rPr lang="ko-KR" altLang="en-US" dirty="0"/>
-              <a:t>아웃함수 </a:t>
-            </a:r>
-            <a:r>
-              <a:rPr lang="en-US" altLang="ko-KR" dirty="0"/>
-              <a:t>sigmoid </a:t>
-            </a:r>
-          </a:p>
-          <a:p>
-            <a:r>
-              <a:rPr lang="ko-KR" altLang="en-US" dirty="0"/>
-              <a:t>배치 사이즈 </a:t>
-            </a:r>
-            <a:r>
-              <a:rPr lang="en-US" altLang="ko-KR" dirty="0"/>
-              <a:t>: 50 : 1</a:t>
-            </a:r>
-            <a:r>
-              <a:rPr lang="ko-KR" altLang="en-US" dirty="0"/>
-              <a:t>배치당 </a:t>
-            </a:r>
-            <a:r>
-              <a:rPr lang="en-US" altLang="ko-KR" dirty="0"/>
-              <a:t>2400 </a:t>
-            </a:r>
-            <a:r>
-              <a:rPr lang="ko-KR" altLang="en-US" dirty="0"/>
-              <a:t>데이터 </a:t>
-            </a:r>
-            <a:endParaRPr lang="en-US" altLang="ko-KR" dirty="0"/>
-          </a:p>
-          <a:p>
-            <a:r>
-              <a:rPr lang="ko-KR" altLang="en-US" dirty="0"/>
-              <a:t>드랍아웃 </a:t>
-            </a:r>
-            <a:r>
-              <a:rPr lang="en-US" altLang="ko-KR" dirty="0"/>
-              <a:t>0.3 </a:t>
-            </a:r>
-          </a:p>
-          <a:p>
-            <a:r>
-              <a:rPr lang="en-US" altLang="ko-KR" dirty="0"/>
-              <a:t>Loss epoch </a:t>
-            </a:r>
-            <a:r>
-              <a:rPr lang="ko-KR" altLang="en-US" dirty="0"/>
-              <a:t>그래프가  튀는 이유 </a:t>
-            </a:r>
-            <a:r>
-              <a:rPr lang="en-US" altLang="ko-KR"/>
-              <a:t>dropout </a:t>
-            </a:r>
-          </a:p>
-          <a:p>
             <a:endParaRPr lang="ko-KR" altLang="en-US" dirty="0"/>
           </a:p>
         </p:txBody>
@@ -1547,14 +1469,14 @@
               <a:rPr lang="ko-KR" altLang="en-US" smtClean="0"/>
               <a:t>21</a:t>
             </a:fld>
-            <a:endParaRPr lang="ko-KR" altLang="en-US" dirty="0"/>
+            <a:endParaRPr lang="ko-KR" altLang="en-US"/>
           </a:p>
         </p:txBody>
       </p:sp>
     </p:spTree>
     <p:extLst>
       <p:ext uri="{BB962C8B-B14F-4D97-AF65-F5344CB8AC3E}">
-        <p14:creationId xmlns:p14="http://schemas.microsoft.com/office/powerpoint/2010/main" val="5836"/>
+        <p14:creationId xmlns:p14="http://schemas.microsoft.com/office/powerpoint/2010/main" val="3210008481"/>
       </p:ext>
     </p:extLst>
   </p:cSld>
@@ -1702,6 +1624,85 @@
             <a:endParaRPr lang="en-US" altLang="ko-KR" dirty="0"/>
           </a:p>
           <a:p>
+            <a:r>
+              <a:rPr lang="ko-KR" altLang="en-US" dirty="0"/>
+              <a:t>옵티마이저 </a:t>
+            </a:r>
+            <a:r>
+              <a:rPr lang="en-US" altLang="ko-KR" dirty="0"/>
+              <a:t>: </a:t>
+            </a:r>
+            <a:r>
+              <a:rPr lang="ko-KR" altLang="en-US" dirty="0"/>
+              <a:t>아담  러닝레이트 </a:t>
+            </a:r>
+            <a:r>
+              <a:rPr lang="en-US" altLang="ko-KR" dirty="0"/>
+              <a:t>0.01</a:t>
+            </a:r>
+          </a:p>
+          <a:p>
+            <a:r>
+              <a:rPr lang="en-US" altLang="ko-KR" dirty="0"/>
+              <a:t>Loss : binary cross entropy , </a:t>
+            </a:r>
+            <a:r>
+              <a:rPr lang="ko-KR" altLang="en-US" dirty="0"/>
+              <a:t>아웃함수 </a:t>
+            </a:r>
+            <a:r>
+              <a:rPr lang="en-US" altLang="ko-KR" dirty="0"/>
+              <a:t>sigmoid </a:t>
+            </a:r>
+          </a:p>
+          <a:p>
+            <a:r>
+              <a:rPr lang="ko-KR" altLang="en-US" dirty="0"/>
+              <a:t>배치 사이즈 </a:t>
+            </a:r>
+            <a:r>
+              <a:rPr lang="en-US" altLang="ko-KR" dirty="0"/>
+              <a:t>: 50 : 1</a:t>
+            </a:r>
+            <a:r>
+              <a:rPr lang="ko-KR" altLang="en-US" dirty="0"/>
+              <a:t>배치당 </a:t>
+            </a:r>
+            <a:r>
+              <a:rPr lang="en-US" altLang="ko-KR" dirty="0"/>
+              <a:t>2400 </a:t>
+            </a:r>
+            <a:r>
+              <a:rPr lang="ko-KR" altLang="en-US" dirty="0"/>
+              <a:t>데이터 </a:t>
+            </a:r>
+            <a:endParaRPr lang="en-US" altLang="ko-KR" dirty="0"/>
+          </a:p>
+          <a:p>
+            <a:r>
+              <a:rPr lang="ko-KR" altLang="en-US" dirty="0"/>
+              <a:t>드랍아웃 </a:t>
+            </a:r>
+            <a:r>
+              <a:rPr lang="en-US" altLang="ko-KR" dirty="0"/>
+              <a:t>0.3 </a:t>
+            </a:r>
+          </a:p>
+          <a:p>
+            <a:r>
+              <a:rPr lang="en-US" altLang="ko-KR" dirty="0"/>
+              <a:t>Loss epoch </a:t>
+            </a:r>
+            <a:r>
+              <a:rPr lang="ko-KR" altLang="en-US" dirty="0"/>
+              <a:t>그래프가  튀는 이유 </a:t>
+            </a:r>
+            <a:r>
+              <a:rPr lang="en-US" altLang="ko-KR"/>
+              <a:t>dropout </a:t>
+            </a:r>
+          </a:p>
+          <a:p>
             <a:endParaRPr lang="ko-KR" altLang="en-US" dirty="0"/>
           </a:p>
         </p:txBody>
@@ -1725,14 +1726,14 @@
               <a:rPr lang="ko-KR" altLang="en-US" smtClean="0"/>
               <a:t>22</a:t>
             </a:fld>
-            <a:endParaRPr lang="ko-KR" altLang="en-US"/>
+            <a:endParaRPr lang="ko-KR" altLang="en-US" dirty="0"/>
           </a:p>
         </p:txBody>
       </p:sp>
     </p:spTree>
     <p:extLst>
       <p:ext uri="{BB962C8B-B14F-4D97-AF65-F5344CB8AC3E}">
-        <p14:creationId xmlns:p14="http://schemas.microsoft.com/office/powerpoint/2010/main" val="130692847"/>
+        <p14:creationId xmlns:p14="http://schemas.microsoft.com/office/powerpoint/2010/main" val="5836"/>
       </p:ext>
     </p:extLst>
   </p:cSld>
@@ -1816,14 +1817,14 @@
               <a:rPr lang="ko-KR" altLang="en-US" smtClean="0"/>
               <a:t>23</a:t>
             </a:fld>
-            <a:endParaRPr lang="ko-KR" altLang="en-US" dirty="0"/>
+            <a:endParaRPr lang="ko-KR" altLang="en-US"/>
           </a:p>
         </p:txBody>
       </p:sp>
     </p:spTree>
     <p:extLst>
       <p:ext uri="{BB962C8B-B14F-4D97-AF65-F5344CB8AC3E}">
-        <p14:creationId xmlns:p14="http://schemas.microsoft.com/office/powerpoint/2010/main" val="4223309441"/>
+        <p14:creationId xmlns:p14="http://schemas.microsoft.com/office/powerpoint/2010/main" val="130692847"/>
       </p:ext>
     </p:extLst>
   </p:cSld>
@@ -1906,6 +1907,97 @@
             <a:fld id="{6317FD38-8584-4E75-9D50-6D8147E5DE12}" type="slidenum">
               <a:rPr lang="ko-KR" altLang="en-US" smtClean="0"/>
               <a:t>24</a:t>
+            </a:fld>
+            <a:endParaRPr lang="ko-KR" altLang="en-US" dirty="0"/>
+          </a:p>
+        </p:txBody>
+      </p:sp>
+    </p:spTree>
+    <p:extLst>
+      <p:ext uri="{BB962C8B-B14F-4D97-AF65-F5344CB8AC3E}">
+        <p14:creationId xmlns:p14="http://schemas.microsoft.com/office/powerpoint/2010/main" val="4223309441"/>
+      </p:ext>
+    </p:extLst>
+  </p:cSld>
+  <p:clrMapOvr>
+    <a:masterClrMapping/>
+  </p:clrMapOvr>
+</p:notes>
+</file>
+
+<file path=ppt/notesSlides/notesSlide23.xml><?xml version="1.0" encoding="utf-8"?>
+<p:notes xmlns:a="http://schemas.openxmlformats.org/drawingml/2006/main" xmlns:r="http://schemas.openxmlformats.org/officeDocument/2006/relationships" xmlns:p="http://schemas.openxmlformats.org/presentationml/2006/main">
+  <p:cSld>
+    <p:spTree>
+      <p:nvGrpSpPr>
+        <p:cNvPr id="1" name=""/>
+        <p:cNvGrpSpPr/>
+        <p:nvPr/>
+      </p:nvGrpSpPr>
+      <p:grpSpPr>
+        <a:xfrm>
+          <a:off x="0" y="0"/>
+          <a:ext cx="0" cy="0"/>
+          <a:chOff x="0" y="0"/>
+          <a:chExt cx="0" cy="0"/>
+        </a:xfrm>
+      </p:grpSpPr>
+      <p:sp>
+        <p:nvSpPr>
+          <p:cNvPr id="2" name="슬라이드 이미지 개체 틀 1"/>
+          <p:cNvSpPr>
+            <a:spLocks noGrp="1" noRot="1" noChangeAspect="1"/>
+          </p:cNvSpPr>
+          <p:nvPr>
+            <p:ph type="sldImg"/>
+          </p:nvPr>
+        </p:nvSpPr>
+        <p:spPr/>
+      </p:sp>
+      <p:sp>
+        <p:nvSpPr>
+          <p:cNvPr id="3" name="슬라이드 노트 개체 틀 2"/>
+          <p:cNvSpPr>
+            <a:spLocks noGrp="1"/>
+          </p:cNvSpPr>
+          <p:nvPr>
+            <p:ph type="body" idx="1"/>
+          </p:nvPr>
+        </p:nvSpPr>
+        <p:spPr/>
+        <p:txBody>
+          <a:bodyPr/>
+          <a:lstStyle/>
+          <a:p>
+            <a:r>
+              <a:rPr lang="ko-KR" altLang="en-US" dirty="0"/>
+              <a:t>타겟 데이터 설명</a:t>
+            </a:r>
+            <a:endParaRPr lang="en-US" altLang="ko-KR" dirty="0"/>
+          </a:p>
+          <a:p>
+            <a:endParaRPr lang="ko-KR" altLang="en-US" dirty="0"/>
+          </a:p>
+        </p:txBody>
+      </p:sp>
+      <p:sp>
+        <p:nvSpPr>
+          <p:cNvPr id="4" name="슬라이드 번호 개체 틀 3"/>
+          <p:cNvSpPr>
+            <a:spLocks noGrp="1"/>
+          </p:cNvSpPr>
+          <p:nvPr>
+            <p:ph type="sldNum" sz="quarter" idx="5"/>
+          </p:nvPr>
+        </p:nvSpPr>
+        <p:spPr/>
+        <p:txBody>
+          <a:bodyPr/>
+          <a:lstStyle/>
+          <a:p>
+            <a:fld id="{6317FD38-8584-4E75-9D50-6D8147E5DE12}" type="slidenum">
+              <a:rPr lang="ko-KR" altLang="en-US" smtClean="0"/>
+              <a:t>25</a:t>
             </a:fld>
             <a:endParaRPr lang="ko-KR" altLang="en-US" dirty="0"/>
           </a:p>
@@ -11177,10 +11269,10 @@
       </p:grpSpPr>
       <p:grpSp>
         <p:nvGrpSpPr>
-          <p:cNvPr id="55" name="그룹 54">
-            <a:extLst>
-              <a:ext uri="{FF2B5EF4-FFF2-40B4-BE49-F238E27FC236}">
-                <a16:creationId xmlns:a16="http://schemas.microsoft.com/office/drawing/2014/main" id="{5E6A00D7-2CD3-443F-9505-B8A207144C5B}"/>
+          <p:cNvPr id="48" name="그룹 47">
+            <a:extLst>
+              <a:ext uri="{FF2B5EF4-FFF2-40B4-BE49-F238E27FC236}">
+                <a16:creationId xmlns:a16="http://schemas.microsoft.com/office/drawing/2014/main" id="{84574D59-DAE8-4581-A7B8-C81F227CF173}"/>
               </a:ext>
             </a:extLst>
           </p:cNvPr>
@@ -11189,18 +11281,18 @@
         </p:nvGrpSpPr>
         <p:grpSpPr>
           <a:xfrm flipH="1">
-            <a:off x="3511551" y="1916973"/>
-            <a:ext cx="1503778" cy="879848"/>
-            <a:chOff x="10515600" y="4269272"/>
-            <a:chExt cx="1505274" cy="919814"/>
+            <a:off x="2897251" y="1740569"/>
+            <a:ext cx="2473749" cy="1064503"/>
+            <a:chOff x="9649635" y="4269272"/>
+            <a:chExt cx="2476210" cy="987542"/>
           </a:xfrm>
         </p:grpSpPr>
         <p:cxnSp>
           <p:nvCxnSpPr>
-            <p:cNvPr id="56" name="직선 연결선 55">
+            <p:cNvPr id="49" name="직선 연결선 48">
               <a:extLst>
                 <a:ext uri="{FF2B5EF4-FFF2-40B4-BE49-F238E27FC236}">
-                  <a16:creationId xmlns:a16="http://schemas.microsoft.com/office/drawing/2014/main" id="{EFC17270-9040-42D1-B783-229CB5668D54}"/>
+                  <a16:creationId xmlns:a16="http://schemas.microsoft.com/office/drawing/2014/main" id="{955C31E8-6BDD-4789-BBB4-45E07894C999}"/>
                 </a:ext>
               </a:extLst>
             </p:cNvPr>
@@ -11212,7 +11304,7 @@
           <p:spPr>
             <a:xfrm flipH="1" flipV="1">
               <a:off x="11331241" y="4269272"/>
-              <a:ext cx="689633" cy="919814"/>
+              <a:ext cx="794604" cy="987542"/>
             </a:xfrm>
             <a:prstGeom prst="line">
               <a:avLst/>
@@ -11240,10 +11332,10 @@
         </p:cxnSp>
         <p:cxnSp>
           <p:nvCxnSpPr>
-            <p:cNvPr id="57" name="직선 연결선 56">
+            <p:cNvPr id="51" name="직선 연결선 50">
               <a:extLst>
                 <a:ext uri="{FF2B5EF4-FFF2-40B4-BE49-F238E27FC236}">
-                  <a16:creationId xmlns:a16="http://schemas.microsoft.com/office/drawing/2014/main" id="{34909A08-05DC-4F89-95B3-56295C665BA3}"/>
+                  <a16:creationId xmlns:a16="http://schemas.microsoft.com/office/drawing/2014/main" id="{602EA813-B2B4-49F1-B004-E37485FA05F7}"/>
                 </a:ext>
               </a:extLst>
             </p:cNvPr>
@@ -11253,9 +11345,9 @@
             <p:nvPr/>
           </p:nvCxnSpPr>
           <p:spPr>
-            <a:xfrm flipH="1">
-              <a:off x="10515600" y="4269272"/>
-              <a:ext cx="815641" cy="0"/>
+            <a:xfrm flipH="1" flipV="1">
+              <a:off x="9649635" y="4269272"/>
+              <a:ext cx="1681605" cy="0"/>
             </a:xfrm>
             <a:prstGeom prst="line">
               <a:avLst/>
@@ -11296,10 +11388,10 @@
         </p:nvGrpSpPr>
         <p:grpSpPr>
           <a:xfrm flipH="1" flipV="1">
-            <a:off x="3459917" y="4664284"/>
-            <a:ext cx="1503778" cy="879848"/>
-            <a:chOff x="10515600" y="4269272"/>
-            <a:chExt cx="1505274" cy="919814"/>
+            <a:off x="2893779" y="4842520"/>
+            <a:ext cx="2473749" cy="1064503"/>
+            <a:chOff x="9649635" y="4269272"/>
+            <a:chExt cx="2476210" cy="987542"/>
           </a:xfrm>
         </p:grpSpPr>
         <p:cxnSp>
@@ -11319,7 +11411,7 @@
           <p:spPr>
             <a:xfrm flipH="1" flipV="1">
               <a:off x="11331241" y="4269272"/>
-              <a:ext cx="689633" cy="919814"/>
+              <a:ext cx="794604" cy="987542"/>
             </a:xfrm>
             <a:prstGeom prst="line">
               <a:avLst/>
@@ -11360,9 +11452,9 @@
             <p:nvPr/>
           </p:nvCxnSpPr>
           <p:spPr>
-            <a:xfrm flipH="1">
-              <a:off x="10515600" y="4269272"/>
-              <a:ext cx="815641" cy="0"/>
+            <a:xfrm flipH="1" flipV="1">
+              <a:off x="9649635" y="4269272"/>
+              <a:ext cx="1681605" cy="0"/>
             </a:xfrm>
             <a:prstGeom prst="line">
               <a:avLst/>
@@ -11713,128 +11805,6 @@
       </p:sp>
       <p:sp>
         <p:nvSpPr>
-          <p:cNvPr id="20" name="TextBox 19">
-            <a:extLst>
-              <a:ext uri="{FF2B5EF4-FFF2-40B4-BE49-F238E27FC236}">
-                <a16:creationId xmlns:a16="http://schemas.microsoft.com/office/drawing/2014/main" id="{C700EAA1-0E21-4D64-9B52-197889DCB97C}"/>
-              </a:ext>
-            </a:extLst>
-          </p:cNvPr>
-          <p:cNvSpPr txBox="1"/>
-          <p:nvPr/>
-        </p:nvSpPr>
-        <p:spPr>
-          <a:xfrm>
-            <a:off x="7598832" y="1778530"/>
-            <a:ext cx="3948656" cy="307777"/>
-          </a:xfrm>
-          <a:prstGeom prst="rect">
-            <a:avLst/>
-          </a:prstGeom>
-          <a:noFill/>
-        </p:spPr>
-        <p:txBody>
-          <a:bodyPr wrap="square">
-            <a:spAutoFit/>
-          </a:bodyPr>
-          <a:lstStyle/>
-          <a:p>
-            <a:r>
-              <a:rPr lang="en-US" altLang="ko-KR" sz="1400" dirty="0">
-                <a:solidFill>
-                  <a:srgbClr val="393384"/>
-                </a:solidFill>
-                <a:latin typeface="Gothic A1 Light" pitchFamily="2" charset="-127"/>
-                <a:ea typeface="Gothic A1 Light" pitchFamily="2" charset="-127"/>
-                <a:cs typeface="Gothic A1 Light" pitchFamily="2" charset="-127"/>
-              </a:rPr>
-              <a:t>(</a:t>
-            </a:r>
-            <a:r>
-              <a:rPr lang="en-US" altLang="ko-KR" sz="1400" dirty="0" err="1">
-                <a:solidFill>
-                  <a:srgbClr val="393384"/>
-                </a:solidFill>
-                <a:effectLst/>
-                <a:latin typeface="Gothic A1 Light" pitchFamily="2" charset="-127"/>
-                <a:ea typeface="Gothic A1 Light" pitchFamily="2" charset="-127"/>
-                <a:cs typeface="Gothic A1 Light" pitchFamily="2" charset="-127"/>
-              </a:rPr>
-              <a:t>ExtraTrees</a:t>
-            </a:r>
-            <a:r>
-              <a:rPr lang="en-US" altLang="ko-KR" sz="1400" dirty="0">
-                <a:solidFill>
-                  <a:srgbClr val="393384"/>
-                </a:solidFill>
-                <a:effectLst/>
-                <a:latin typeface="Gothic A1 Light" pitchFamily="2" charset="-127"/>
-                <a:ea typeface="Gothic A1 Light" pitchFamily="2" charset="-127"/>
-                <a:cs typeface="Gothic A1 Light" pitchFamily="2" charset="-127"/>
-              </a:rPr>
-              <a:t>, </a:t>
-            </a:r>
-            <a:r>
-              <a:rPr lang="en-US" altLang="ko-KR" sz="1400" dirty="0" err="1">
-                <a:solidFill>
-                  <a:srgbClr val="393384"/>
-                </a:solidFill>
-                <a:effectLst/>
-                <a:latin typeface="Gothic A1 Light" pitchFamily="2" charset="-127"/>
-                <a:ea typeface="Gothic A1 Light" pitchFamily="2" charset="-127"/>
-                <a:cs typeface="Gothic A1 Light" pitchFamily="2" charset="-127"/>
-              </a:rPr>
-              <a:t>RandomForest</a:t>
-            </a:r>
-            <a:r>
-              <a:rPr lang="en-US" altLang="ko-KR" sz="1400" dirty="0">
-                <a:solidFill>
-                  <a:srgbClr val="393384"/>
-                </a:solidFill>
-                <a:effectLst/>
-                <a:latin typeface="Gothic A1 Light" pitchFamily="2" charset="-127"/>
-                <a:ea typeface="Gothic A1 Light" pitchFamily="2" charset="-127"/>
-                <a:cs typeface="Gothic A1 Light" pitchFamily="2" charset="-127"/>
-              </a:rPr>
-              <a:t>, </a:t>
-            </a:r>
-            <a:r>
-              <a:rPr lang="en-US" altLang="ko-KR" sz="1400" dirty="0" err="1">
-                <a:solidFill>
-                  <a:srgbClr val="393384"/>
-                </a:solidFill>
-                <a:effectLst/>
-                <a:latin typeface="Gothic A1 Light" pitchFamily="2" charset="-127"/>
-                <a:ea typeface="Gothic A1 Light" pitchFamily="2" charset="-127"/>
-                <a:cs typeface="Gothic A1 Light" pitchFamily="2" charset="-127"/>
-              </a:rPr>
-              <a:t>DecisionTree</a:t>
-            </a:r>
-            <a:r>
-              <a:rPr lang="en-US" altLang="ko-KR" sz="1400" dirty="0">
-                <a:solidFill>
-                  <a:srgbClr val="393384"/>
-                </a:solidFill>
-                <a:effectLst/>
-                <a:latin typeface="Gothic A1 Light" pitchFamily="2" charset="-127"/>
-                <a:ea typeface="Gothic A1 Light" pitchFamily="2" charset="-127"/>
-                <a:cs typeface="Gothic A1 Light" pitchFamily="2" charset="-127"/>
-              </a:rPr>
-              <a:t>)</a:t>
-            </a:r>
-            <a:endParaRPr lang="en-US" altLang="ko-KR" sz="1400" dirty="0">
-              <a:solidFill>
-                <a:srgbClr val="393384"/>
-              </a:solidFill>
-              <a:latin typeface="Gothic A1 Light" pitchFamily="2" charset="-127"/>
-              <a:ea typeface="Gothic A1 Light" pitchFamily="2" charset="-127"/>
-              <a:cs typeface="Gothic A1 Light" pitchFamily="2" charset="-127"/>
-            </a:endParaRPr>
-          </a:p>
-        </p:txBody>
-      </p:sp>
-      <p:sp>
-        <p:nvSpPr>
           <p:cNvPr id="3" name="순서도: 연결자 2">
             <a:extLst>
               <a:ext uri="{FF2B5EF4-FFF2-40B4-BE49-F238E27FC236}">
@@ -11981,327 +11951,836 @@
           </a:fontRef>
         </p:style>
       </p:cxnSp>
+      <p:grpSp>
+        <p:nvGrpSpPr>
+          <p:cNvPr id="14" name="그룹 13">
+            <a:extLst>
+              <a:ext uri="{FF2B5EF4-FFF2-40B4-BE49-F238E27FC236}">
+                <a16:creationId xmlns:a16="http://schemas.microsoft.com/office/drawing/2014/main" id="{DBEA2F87-A0D5-4C8B-8D73-6C5446F5BF8C}"/>
+              </a:ext>
+            </a:extLst>
+          </p:cNvPr>
+          <p:cNvGrpSpPr/>
+          <p:nvPr/>
+        </p:nvGrpSpPr>
+        <p:grpSpPr>
+          <a:xfrm>
+            <a:off x="4947596" y="1496528"/>
+            <a:ext cx="2697686" cy="513230"/>
+            <a:chOff x="4947596" y="1670264"/>
+            <a:chExt cx="2697686" cy="513230"/>
+          </a:xfrm>
+        </p:grpSpPr>
+        <p:sp>
+          <p:nvSpPr>
+            <p:cNvPr id="34" name="직사각형 33">
+              <a:extLst>
+                <a:ext uri="{FF2B5EF4-FFF2-40B4-BE49-F238E27FC236}">
+                  <a16:creationId xmlns:a16="http://schemas.microsoft.com/office/drawing/2014/main" id="{3C9AC7D8-62AB-41D1-99B3-70CC8117E94B}"/>
+                </a:ext>
+              </a:extLst>
+            </p:cNvPr>
+            <p:cNvSpPr/>
+            <p:nvPr/>
+          </p:nvSpPr>
+          <p:spPr>
+            <a:xfrm>
+              <a:off x="4947596" y="1670264"/>
+              <a:ext cx="2697686" cy="513230"/>
+            </a:xfrm>
+            <a:prstGeom prst="rect">
+              <a:avLst/>
+            </a:prstGeom>
+            <a:solidFill>
+              <a:srgbClr val="75A4E7"/>
+            </a:solidFill>
+            <a:ln>
+              <a:noFill/>
+            </a:ln>
+          </p:spPr>
+          <p:style>
+            <a:lnRef idx="2">
+              <a:schemeClr val="accent1">
+                <a:shade val="50000"/>
+              </a:schemeClr>
+            </a:lnRef>
+            <a:fillRef idx="1">
+              <a:schemeClr val="accent1"/>
+            </a:fillRef>
+            <a:effectRef idx="0">
+              <a:schemeClr val="accent1"/>
+            </a:effectRef>
+            <a:fontRef idx="minor">
+              <a:schemeClr val="lt1"/>
+            </a:fontRef>
+          </p:style>
+          <p:txBody>
+            <a:bodyPr rtlCol="0" anchor="ctr"/>
+            <a:lstStyle/>
+            <a:p>
+              <a:pPr algn="ctr"/>
+              <a:endParaRPr lang="ko-KR" altLang="en-US"/>
+            </a:p>
+          </p:txBody>
+        </p:sp>
+        <p:sp>
+          <p:nvSpPr>
+            <p:cNvPr id="38" name="TextBox 37">
+              <a:extLst>
+                <a:ext uri="{FF2B5EF4-FFF2-40B4-BE49-F238E27FC236}">
+                  <a16:creationId xmlns:a16="http://schemas.microsoft.com/office/drawing/2014/main" id="{EB296268-6D7B-4F11-9364-754DCC9F8E0B}"/>
+                </a:ext>
+              </a:extLst>
+            </p:cNvPr>
+            <p:cNvSpPr txBox="1"/>
+            <p:nvPr/>
+          </p:nvSpPr>
+          <p:spPr>
+            <a:xfrm>
+              <a:off x="4947596" y="1727027"/>
+              <a:ext cx="2685740" cy="400110"/>
+            </a:xfrm>
+            <a:prstGeom prst="rect">
+              <a:avLst/>
+            </a:prstGeom>
+            <a:noFill/>
+          </p:spPr>
+          <p:txBody>
+            <a:bodyPr wrap="square">
+              <a:spAutoFit/>
+            </a:bodyPr>
+            <a:lstStyle/>
+            <a:p>
+              <a:pPr algn="ctr"/>
+              <a:r>
+                <a:rPr lang="en-US" altLang="ko-KR" sz="2000" dirty="0">
+                  <a:solidFill>
+                    <a:srgbClr val="393384"/>
+                  </a:solidFill>
+                  <a:effectLst/>
+                  <a:latin typeface="Gothic A1 Black" pitchFamily="2" charset="-127"/>
+                  <a:ea typeface="Gothic A1 Black" pitchFamily="2" charset="-127"/>
+                  <a:cs typeface="Gothic A1 Black" pitchFamily="2" charset="-127"/>
+                </a:rPr>
+                <a:t>Stacking </a:t>
+              </a:r>
+            </a:p>
+          </p:txBody>
+        </p:sp>
+      </p:grpSp>
+      <p:grpSp>
+        <p:nvGrpSpPr>
+          <p:cNvPr id="13" name="그룹 12">
+            <a:extLst>
+              <a:ext uri="{FF2B5EF4-FFF2-40B4-BE49-F238E27FC236}">
+                <a16:creationId xmlns:a16="http://schemas.microsoft.com/office/drawing/2014/main" id="{69DE9A6A-D7CD-47EC-9575-C911A55A6149}"/>
+              </a:ext>
+            </a:extLst>
+          </p:cNvPr>
+          <p:cNvGrpSpPr/>
+          <p:nvPr/>
+        </p:nvGrpSpPr>
+        <p:grpSpPr>
+          <a:xfrm>
+            <a:off x="4947596" y="2095667"/>
+            <a:ext cx="2697685" cy="513230"/>
+            <a:chOff x="4947596" y="2273139"/>
+            <a:chExt cx="2697685" cy="513230"/>
+          </a:xfrm>
+        </p:grpSpPr>
+        <p:sp>
+          <p:nvSpPr>
+            <p:cNvPr id="4" name="직사각형 3">
+              <a:extLst>
+                <a:ext uri="{FF2B5EF4-FFF2-40B4-BE49-F238E27FC236}">
+                  <a16:creationId xmlns:a16="http://schemas.microsoft.com/office/drawing/2014/main" id="{AFE91C2E-2C41-403C-9DEF-4A3554A84CBB}"/>
+                </a:ext>
+              </a:extLst>
+            </p:cNvPr>
+            <p:cNvSpPr/>
+            <p:nvPr/>
+          </p:nvSpPr>
+          <p:spPr>
+            <a:xfrm>
+              <a:off x="4947596" y="2273139"/>
+              <a:ext cx="2697685" cy="513230"/>
+            </a:xfrm>
+            <a:prstGeom prst="rect">
+              <a:avLst/>
+            </a:prstGeom>
+            <a:solidFill>
+              <a:srgbClr val="7BA0E8"/>
+            </a:solidFill>
+            <a:ln>
+              <a:noFill/>
+            </a:ln>
+          </p:spPr>
+          <p:style>
+            <a:lnRef idx="2">
+              <a:schemeClr val="accent1">
+                <a:shade val="50000"/>
+              </a:schemeClr>
+            </a:lnRef>
+            <a:fillRef idx="1">
+              <a:schemeClr val="accent1"/>
+            </a:fillRef>
+            <a:effectRef idx="0">
+              <a:schemeClr val="accent1"/>
+            </a:effectRef>
+            <a:fontRef idx="minor">
+              <a:schemeClr val="lt1"/>
+            </a:fontRef>
+          </p:style>
+          <p:txBody>
+            <a:bodyPr rtlCol="0" anchor="ctr"/>
+            <a:lstStyle/>
+            <a:p>
+              <a:pPr algn="ctr"/>
+              <a:endParaRPr lang="ko-KR" altLang="en-US"/>
+            </a:p>
+          </p:txBody>
+        </p:sp>
+        <p:sp>
+          <p:nvSpPr>
+            <p:cNvPr id="39" name="TextBox 38">
+              <a:extLst>
+                <a:ext uri="{FF2B5EF4-FFF2-40B4-BE49-F238E27FC236}">
+                  <a16:creationId xmlns:a16="http://schemas.microsoft.com/office/drawing/2014/main" id="{68B0D369-4CC9-4EC3-BE9C-FAC50C38CB71}"/>
+                </a:ext>
+              </a:extLst>
+            </p:cNvPr>
+            <p:cNvSpPr txBox="1"/>
+            <p:nvPr/>
+          </p:nvSpPr>
+          <p:spPr>
+            <a:xfrm>
+              <a:off x="4952895" y="2336310"/>
+              <a:ext cx="2675141" cy="400110"/>
+            </a:xfrm>
+            <a:prstGeom prst="rect">
+              <a:avLst/>
+            </a:prstGeom>
+            <a:noFill/>
+          </p:spPr>
+          <p:txBody>
+            <a:bodyPr wrap="square">
+              <a:spAutoFit/>
+            </a:bodyPr>
+            <a:lstStyle/>
+            <a:p>
+              <a:pPr algn="ctr"/>
+              <a:r>
+                <a:rPr lang="en-US" altLang="ko-KR" sz="2000" dirty="0">
+                  <a:solidFill>
+                    <a:srgbClr val="393384"/>
+                  </a:solidFill>
+                  <a:effectLst/>
+                  <a:latin typeface="Gothic A1 Black" pitchFamily="2" charset="-127"/>
+                  <a:ea typeface="Gothic A1 Black" pitchFamily="2" charset="-127"/>
+                  <a:cs typeface="Gothic A1 Black" pitchFamily="2" charset="-127"/>
+                </a:rPr>
+                <a:t>SVM</a:t>
+              </a:r>
+            </a:p>
+          </p:txBody>
+        </p:sp>
+      </p:grpSp>
+      <p:grpSp>
+        <p:nvGrpSpPr>
+          <p:cNvPr id="12" name="그룹 11">
+            <a:extLst>
+              <a:ext uri="{FF2B5EF4-FFF2-40B4-BE49-F238E27FC236}">
+                <a16:creationId xmlns:a16="http://schemas.microsoft.com/office/drawing/2014/main" id="{9F2E2726-2327-4843-88CC-4A5A976114E0}"/>
+              </a:ext>
+            </a:extLst>
+          </p:cNvPr>
+          <p:cNvGrpSpPr/>
+          <p:nvPr/>
+        </p:nvGrpSpPr>
+        <p:grpSpPr>
+          <a:xfrm>
+            <a:off x="4947596" y="2694806"/>
+            <a:ext cx="2698372" cy="513230"/>
+            <a:chOff x="4947596" y="2876014"/>
+            <a:chExt cx="2698372" cy="513230"/>
+          </a:xfrm>
+        </p:grpSpPr>
+        <p:sp>
+          <p:nvSpPr>
+            <p:cNvPr id="32" name="직사각형 31">
+              <a:extLst>
+                <a:ext uri="{FF2B5EF4-FFF2-40B4-BE49-F238E27FC236}">
+                  <a16:creationId xmlns:a16="http://schemas.microsoft.com/office/drawing/2014/main" id="{9EE24BC1-EE1A-404B-982C-3B533CB2F6C9}"/>
+                </a:ext>
+              </a:extLst>
+            </p:cNvPr>
+            <p:cNvSpPr/>
+            <p:nvPr/>
+          </p:nvSpPr>
+          <p:spPr>
+            <a:xfrm>
+              <a:off x="4947596" y="2876014"/>
+              <a:ext cx="2697685" cy="513230"/>
+            </a:xfrm>
+            <a:prstGeom prst="rect">
+              <a:avLst/>
+            </a:prstGeom>
+            <a:solidFill>
+              <a:srgbClr val="CAD9F6"/>
+            </a:solidFill>
+            <a:ln>
+              <a:noFill/>
+            </a:ln>
+          </p:spPr>
+          <p:style>
+            <a:lnRef idx="2">
+              <a:schemeClr val="accent1">
+                <a:shade val="50000"/>
+              </a:schemeClr>
+            </a:lnRef>
+            <a:fillRef idx="1">
+              <a:schemeClr val="accent1"/>
+            </a:fillRef>
+            <a:effectRef idx="0">
+              <a:schemeClr val="accent1"/>
+            </a:effectRef>
+            <a:fontRef idx="minor">
+              <a:schemeClr val="lt1"/>
+            </a:fontRef>
+          </p:style>
+          <p:txBody>
+            <a:bodyPr rtlCol="0" anchor="ctr"/>
+            <a:lstStyle/>
+            <a:p>
+              <a:pPr algn="ctr"/>
+              <a:endParaRPr lang="ko-KR" altLang="en-US"/>
+            </a:p>
+          </p:txBody>
+        </p:sp>
+        <p:sp>
+          <p:nvSpPr>
+            <p:cNvPr id="41" name="TextBox 40">
+              <a:extLst>
+                <a:ext uri="{FF2B5EF4-FFF2-40B4-BE49-F238E27FC236}">
+                  <a16:creationId xmlns:a16="http://schemas.microsoft.com/office/drawing/2014/main" id="{89BAE1CD-8A7F-41DD-AA83-5C361F9A6775}"/>
+                </a:ext>
+              </a:extLst>
+            </p:cNvPr>
+            <p:cNvSpPr txBox="1"/>
+            <p:nvPr/>
+          </p:nvSpPr>
+          <p:spPr>
+            <a:xfrm>
+              <a:off x="4948284" y="2936085"/>
+              <a:ext cx="2697684" cy="400110"/>
+            </a:xfrm>
+            <a:prstGeom prst="rect">
+              <a:avLst/>
+            </a:prstGeom>
+            <a:noFill/>
+          </p:spPr>
+          <p:txBody>
+            <a:bodyPr wrap="square">
+              <a:spAutoFit/>
+            </a:bodyPr>
+            <a:lstStyle/>
+            <a:p>
+              <a:pPr algn="ctr"/>
+              <a:r>
+                <a:rPr lang="en-US" altLang="ko-KR" sz="2000" dirty="0">
+                  <a:solidFill>
+                    <a:srgbClr val="393384"/>
+                  </a:solidFill>
+                  <a:effectLst/>
+                  <a:latin typeface="Gothic A1 Black" pitchFamily="2" charset="-127"/>
+                  <a:ea typeface="Gothic A1 Black" pitchFamily="2" charset="-127"/>
+                  <a:cs typeface="Gothic A1 Black" pitchFamily="2" charset="-127"/>
+                </a:rPr>
+                <a:t>XG-Boost</a:t>
+              </a:r>
+            </a:p>
+          </p:txBody>
+        </p:sp>
+      </p:grpSp>
+      <p:grpSp>
+        <p:nvGrpSpPr>
+          <p:cNvPr id="11" name="그룹 10">
+            <a:extLst>
+              <a:ext uri="{FF2B5EF4-FFF2-40B4-BE49-F238E27FC236}">
+                <a16:creationId xmlns:a16="http://schemas.microsoft.com/office/drawing/2014/main" id="{715BCADE-B6AA-46C4-A449-636A701BB41D}"/>
+              </a:ext>
+            </a:extLst>
+          </p:cNvPr>
+          <p:cNvGrpSpPr/>
+          <p:nvPr/>
+        </p:nvGrpSpPr>
+        <p:grpSpPr>
+          <a:xfrm>
+            <a:off x="4933100" y="3293945"/>
+            <a:ext cx="2712181" cy="513230"/>
+            <a:chOff x="4933100" y="3478889"/>
+            <a:chExt cx="2712181" cy="513230"/>
+          </a:xfrm>
+        </p:grpSpPr>
+        <p:sp>
+          <p:nvSpPr>
+            <p:cNvPr id="35" name="직사각형 34">
+              <a:extLst>
+                <a:ext uri="{FF2B5EF4-FFF2-40B4-BE49-F238E27FC236}">
+                  <a16:creationId xmlns:a16="http://schemas.microsoft.com/office/drawing/2014/main" id="{2C4962EC-4F3B-48CE-BF66-9C15727A4A32}"/>
+                </a:ext>
+              </a:extLst>
+            </p:cNvPr>
+            <p:cNvSpPr/>
+            <p:nvPr/>
+          </p:nvSpPr>
+          <p:spPr>
+            <a:xfrm>
+              <a:off x="4947596" y="3478889"/>
+              <a:ext cx="2697685" cy="513230"/>
+            </a:xfrm>
+            <a:prstGeom prst="rect">
+              <a:avLst/>
+            </a:prstGeom>
+            <a:solidFill>
+              <a:srgbClr val="D4E0F8"/>
+            </a:solidFill>
+            <a:ln>
+              <a:noFill/>
+            </a:ln>
+          </p:spPr>
+          <p:style>
+            <a:lnRef idx="2">
+              <a:schemeClr val="accent1">
+                <a:shade val="50000"/>
+              </a:schemeClr>
+            </a:lnRef>
+            <a:fillRef idx="1">
+              <a:schemeClr val="accent1"/>
+            </a:fillRef>
+            <a:effectRef idx="0">
+              <a:schemeClr val="accent1"/>
+            </a:effectRef>
+            <a:fontRef idx="minor">
+              <a:schemeClr val="lt1"/>
+            </a:fontRef>
+          </p:style>
+          <p:txBody>
+            <a:bodyPr rtlCol="0" anchor="ctr"/>
+            <a:lstStyle/>
+            <a:p>
+              <a:pPr algn="ctr"/>
+              <a:endParaRPr lang="ko-KR" altLang="en-US"/>
+            </a:p>
+          </p:txBody>
+        </p:sp>
+        <p:sp>
+          <p:nvSpPr>
+            <p:cNvPr id="42" name="TextBox 41">
+              <a:extLst>
+                <a:ext uri="{FF2B5EF4-FFF2-40B4-BE49-F238E27FC236}">
+                  <a16:creationId xmlns:a16="http://schemas.microsoft.com/office/drawing/2014/main" id="{3AAC9CCC-7593-4F96-B7BC-AF9C6E43A85D}"/>
+                </a:ext>
+              </a:extLst>
+            </p:cNvPr>
+            <p:cNvSpPr txBox="1"/>
+            <p:nvPr/>
+          </p:nvSpPr>
+          <p:spPr>
+            <a:xfrm>
+              <a:off x="4933100" y="3520261"/>
+              <a:ext cx="2705482" cy="400110"/>
+            </a:xfrm>
+            <a:prstGeom prst="rect">
+              <a:avLst/>
+            </a:prstGeom>
+            <a:noFill/>
+          </p:spPr>
+          <p:txBody>
+            <a:bodyPr wrap="square">
+              <a:spAutoFit/>
+            </a:bodyPr>
+            <a:lstStyle/>
+            <a:p>
+              <a:pPr algn="ctr"/>
+              <a:r>
+                <a:rPr lang="en-US" altLang="ko-KR" sz="2000" dirty="0">
+                  <a:solidFill>
+                    <a:srgbClr val="393384"/>
+                  </a:solidFill>
+                  <a:effectLst/>
+                  <a:latin typeface="Gothic A1 Black" pitchFamily="2" charset="-127"/>
+                  <a:ea typeface="Gothic A1 Black" pitchFamily="2" charset="-127"/>
+                  <a:cs typeface="Gothic A1 Black" pitchFamily="2" charset="-127"/>
+                </a:rPr>
+                <a:t>Random Forest</a:t>
+              </a:r>
+            </a:p>
+          </p:txBody>
+        </p:sp>
+      </p:grpSp>
+      <p:grpSp>
+        <p:nvGrpSpPr>
+          <p:cNvPr id="6" name="그룹 5">
+            <a:extLst>
+              <a:ext uri="{FF2B5EF4-FFF2-40B4-BE49-F238E27FC236}">
+                <a16:creationId xmlns:a16="http://schemas.microsoft.com/office/drawing/2014/main" id="{D75FE8D0-B1B7-423C-8CF3-1D56160C0A1C}"/>
+              </a:ext>
+            </a:extLst>
+          </p:cNvPr>
+          <p:cNvGrpSpPr/>
+          <p:nvPr/>
+        </p:nvGrpSpPr>
+        <p:grpSpPr>
+          <a:xfrm>
+            <a:off x="4936939" y="4492223"/>
+            <a:ext cx="2708342" cy="513230"/>
+            <a:chOff x="4936939" y="4646213"/>
+            <a:chExt cx="2708342" cy="513230"/>
+          </a:xfrm>
+        </p:grpSpPr>
+        <p:sp>
+          <p:nvSpPr>
+            <p:cNvPr id="36" name="직사각형 35">
+              <a:extLst>
+                <a:ext uri="{FF2B5EF4-FFF2-40B4-BE49-F238E27FC236}">
+                  <a16:creationId xmlns:a16="http://schemas.microsoft.com/office/drawing/2014/main" id="{4318D8C3-FB13-4753-8A7E-29351293DB02}"/>
+                </a:ext>
+              </a:extLst>
+            </p:cNvPr>
+            <p:cNvSpPr/>
+            <p:nvPr/>
+          </p:nvSpPr>
+          <p:spPr>
+            <a:xfrm>
+              <a:off x="4947596" y="4646213"/>
+              <a:ext cx="2697685" cy="513230"/>
+            </a:xfrm>
+            <a:prstGeom prst="rect">
+              <a:avLst/>
+            </a:prstGeom>
+            <a:solidFill>
+              <a:schemeClr val="tx2">
+                <a:lumMod val="20000"/>
+                <a:lumOff val="80000"/>
+              </a:schemeClr>
+            </a:solidFill>
+            <a:ln>
+              <a:noFill/>
+            </a:ln>
+          </p:spPr>
+          <p:style>
+            <a:lnRef idx="2">
+              <a:schemeClr val="accent1">
+                <a:shade val="50000"/>
+              </a:schemeClr>
+            </a:lnRef>
+            <a:fillRef idx="1">
+              <a:schemeClr val="accent1"/>
+            </a:fillRef>
+            <a:effectRef idx="0">
+              <a:schemeClr val="accent1"/>
+            </a:effectRef>
+            <a:fontRef idx="minor">
+              <a:schemeClr val="lt1"/>
+            </a:fontRef>
+          </p:style>
+          <p:txBody>
+            <a:bodyPr rtlCol="0" anchor="ctr"/>
+            <a:lstStyle/>
+            <a:p>
+              <a:pPr algn="ctr"/>
+              <a:endParaRPr lang="ko-KR" altLang="en-US"/>
+            </a:p>
+          </p:txBody>
+        </p:sp>
+        <p:sp>
+          <p:nvSpPr>
+            <p:cNvPr id="43" name="TextBox 42">
+              <a:extLst>
+                <a:ext uri="{FF2B5EF4-FFF2-40B4-BE49-F238E27FC236}">
+                  <a16:creationId xmlns:a16="http://schemas.microsoft.com/office/drawing/2014/main" id="{E0EC6FE3-51EF-446E-B4EA-D07447A759A7}"/>
+                </a:ext>
+              </a:extLst>
+            </p:cNvPr>
+            <p:cNvSpPr txBox="1"/>
+            <p:nvPr/>
+          </p:nvSpPr>
+          <p:spPr>
+            <a:xfrm>
+              <a:off x="4936939" y="4706002"/>
+              <a:ext cx="2697804" cy="400110"/>
+            </a:xfrm>
+            <a:prstGeom prst="rect">
+              <a:avLst/>
+            </a:prstGeom>
+            <a:noFill/>
+          </p:spPr>
+          <p:txBody>
+            <a:bodyPr wrap="square">
+              <a:spAutoFit/>
+            </a:bodyPr>
+            <a:lstStyle/>
+            <a:p>
+              <a:pPr algn="ctr"/>
+              <a:r>
+                <a:rPr lang="en-US" altLang="ko-KR" sz="2000" dirty="0">
+                  <a:solidFill>
+                    <a:srgbClr val="393384"/>
+                  </a:solidFill>
+                  <a:effectLst/>
+                  <a:latin typeface="Gothic A1 Black" pitchFamily="2" charset="-127"/>
+                  <a:ea typeface="Gothic A1 Black" pitchFamily="2" charset="-127"/>
+                  <a:cs typeface="Gothic A1 Black" pitchFamily="2" charset="-127"/>
+                </a:rPr>
+                <a:t>Logistic Regression</a:t>
+              </a:r>
+            </a:p>
+          </p:txBody>
+        </p:sp>
+      </p:grpSp>
+      <p:grpSp>
+        <p:nvGrpSpPr>
+          <p:cNvPr id="10" name="그룹 9">
+            <a:extLst>
+              <a:ext uri="{FF2B5EF4-FFF2-40B4-BE49-F238E27FC236}">
+                <a16:creationId xmlns:a16="http://schemas.microsoft.com/office/drawing/2014/main" id="{0DEB1799-274A-466A-9D4B-EC4967CF1527}"/>
+              </a:ext>
+            </a:extLst>
+          </p:cNvPr>
+          <p:cNvGrpSpPr/>
+          <p:nvPr/>
+        </p:nvGrpSpPr>
+        <p:grpSpPr>
+          <a:xfrm>
+            <a:off x="4937822" y="3893084"/>
+            <a:ext cx="2697685" cy="513230"/>
+            <a:chOff x="4937822" y="4052810"/>
+            <a:chExt cx="2697685" cy="513230"/>
+          </a:xfrm>
+        </p:grpSpPr>
+        <p:sp>
+          <p:nvSpPr>
+            <p:cNvPr id="47" name="직사각형 46">
+              <a:extLst>
+                <a:ext uri="{FF2B5EF4-FFF2-40B4-BE49-F238E27FC236}">
+                  <a16:creationId xmlns:a16="http://schemas.microsoft.com/office/drawing/2014/main" id="{EEAF6C64-1A98-432F-BF4A-8B29CF1EABA1}"/>
+                </a:ext>
+              </a:extLst>
+            </p:cNvPr>
+            <p:cNvSpPr/>
+            <p:nvPr/>
+          </p:nvSpPr>
+          <p:spPr>
+            <a:xfrm>
+              <a:off x="4937822" y="4052810"/>
+              <a:ext cx="2697685" cy="513230"/>
+            </a:xfrm>
+            <a:prstGeom prst="rect">
+              <a:avLst/>
+            </a:prstGeom>
+            <a:solidFill>
+              <a:srgbClr val="E9EFFB"/>
+            </a:solidFill>
+            <a:ln>
+              <a:noFill/>
+            </a:ln>
+          </p:spPr>
+          <p:style>
+            <a:lnRef idx="2">
+              <a:schemeClr val="accent1">
+                <a:shade val="50000"/>
+              </a:schemeClr>
+            </a:lnRef>
+            <a:fillRef idx="1">
+              <a:schemeClr val="accent1"/>
+            </a:fillRef>
+            <a:effectRef idx="0">
+              <a:schemeClr val="accent1"/>
+            </a:effectRef>
+            <a:fontRef idx="minor">
+              <a:schemeClr val="lt1"/>
+            </a:fontRef>
+          </p:style>
+          <p:txBody>
+            <a:bodyPr rtlCol="0" anchor="ctr"/>
+            <a:lstStyle/>
+            <a:p>
+              <a:pPr algn="ctr"/>
+              <a:endParaRPr lang="ko-KR" altLang="en-US"/>
+            </a:p>
+          </p:txBody>
+        </p:sp>
+        <p:sp>
+          <p:nvSpPr>
+            <p:cNvPr id="54" name="TextBox 53">
+              <a:extLst>
+                <a:ext uri="{FF2B5EF4-FFF2-40B4-BE49-F238E27FC236}">
+                  <a16:creationId xmlns:a16="http://schemas.microsoft.com/office/drawing/2014/main" id="{3103FBE4-23D2-4C00-B275-275917A4290C}"/>
+                </a:ext>
+              </a:extLst>
+            </p:cNvPr>
+            <p:cNvSpPr txBox="1"/>
+            <p:nvPr/>
+          </p:nvSpPr>
+          <p:spPr>
+            <a:xfrm>
+              <a:off x="4963695" y="4107043"/>
+              <a:ext cx="2664341" cy="400110"/>
+            </a:xfrm>
+            <a:prstGeom prst="rect">
+              <a:avLst/>
+            </a:prstGeom>
+            <a:noFill/>
+          </p:spPr>
+          <p:txBody>
+            <a:bodyPr wrap="square">
+              <a:spAutoFit/>
+            </a:bodyPr>
+            <a:lstStyle/>
+            <a:p>
+              <a:pPr algn="ctr"/>
+              <a:r>
+                <a:rPr lang="en-US" altLang="ko-KR" sz="2000" dirty="0">
+                  <a:solidFill>
+                    <a:srgbClr val="393384"/>
+                  </a:solidFill>
+                  <a:effectLst/>
+                  <a:latin typeface="Gothic A1 Black" pitchFamily="2" charset="-127"/>
+                  <a:ea typeface="Gothic A1 Black" pitchFamily="2" charset="-127"/>
+                  <a:cs typeface="Gothic A1 Black" pitchFamily="2" charset="-127"/>
+                </a:rPr>
+                <a:t>Gradient Boosting</a:t>
+              </a:r>
+            </a:p>
+          </p:txBody>
+        </p:sp>
+      </p:grpSp>
+      <p:grpSp>
+        <p:nvGrpSpPr>
+          <p:cNvPr id="2" name="그룹 1">
+            <a:extLst>
+              <a:ext uri="{FF2B5EF4-FFF2-40B4-BE49-F238E27FC236}">
+                <a16:creationId xmlns:a16="http://schemas.microsoft.com/office/drawing/2014/main" id="{0173AF4F-456B-4033-9781-14977F535B31}"/>
+              </a:ext>
+            </a:extLst>
+          </p:cNvPr>
+          <p:cNvGrpSpPr/>
+          <p:nvPr/>
+        </p:nvGrpSpPr>
+        <p:grpSpPr>
+          <a:xfrm>
+            <a:off x="4928679" y="5690504"/>
+            <a:ext cx="2706064" cy="513230"/>
+            <a:chOff x="4928679" y="5864240"/>
+            <a:chExt cx="2706064" cy="513230"/>
+          </a:xfrm>
+        </p:grpSpPr>
+        <p:sp>
+          <p:nvSpPr>
+            <p:cNvPr id="53" name="직사각형 52">
+              <a:extLst>
+                <a:ext uri="{FF2B5EF4-FFF2-40B4-BE49-F238E27FC236}">
+                  <a16:creationId xmlns:a16="http://schemas.microsoft.com/office/drawing/2014/main" id="{614F1A20-6E95-437E-8D67-55D0472C3B93}"/>
+                </a:ext>
+              </a:extLst>
+            </p:cNvPr>
+            <p:cNvSpPr/>
+            <p:nvPr/>
+          </p:nvSpPr>
+          <p:spPr>
+            <a:xfrm>
+              <a:off x="4937058" y="5864240"/>
+              <a:ext cx="2697685" cy="513230"/>
+            </a:xfrm>
+            <a:prstGeom prst="rect">
+              <a:avLst/>
+            </a:prstGeom>
+            <a:solidFill>
+              <a:schemeClr val="bg1">
+                <a:lumMod val="95000"/>
+              </a:schemeClr>
+            </a:solidFill>
+            <a:ln>
+              <a:noFill/>
+            </a:ln>
+          </p:spPr>
+          <p:style>
+            <a:lnRef idx="2">
+              <a:schemeClr val="accent1">
+                <a:shade val="50000"/>
+              </a:schemeClr>
+            </a:lnRef>
+            <a:fillRef idx="1">
+              <a:schemeClr val="accent1"/>
+            </a:fillRef>
+            <a:effectRef idx="0">
+              <a:schemeClr val="accent1"/>
+            </a:effectRef>
+            <a:fontRef idx="minor">
+              <a:schemeClr val="lt1"/>
+            </a:fontRef>
+          </p:style>
+          <p:txBody>
+            <a:bodyPr rtlCol="0" anchor="ctr"/>
+            <a:lstStyle/>
+            <a:p>
+              <a:pPr algn="ctr"/>
+              <a:endParaRPr lang="ko-KR" altLang="en-US"/>
+            </a:p>
+          </p:txBody>
+        </p:sp>
+        <p:sp>
+          <p:nvSpPr>
+            <p:cNvPr id="50" name="TextBox 49">
+              <a:extLst>
+                <a:ext uri="{FF2B5EF4-FFF2-40B4-BE49-F238E27FC236}">
+                  <a16:creationId xmlns:a16="http://schemas.microsoft.com/office/drawing/2014/main" id="{2B16D2CE-5FA8-4ADF-B8CD-1386C132F9D9}"/>
+                </a:ext>
+              </a:extLst>
+            </p:cNvPr>
+            <p:cNvSpPr txBox="1"/>
+            <p:nvPr/>
+          </p:nvSpPr>
+          <p:spPr>
+            <a:xfrm>
+              <a:off x="4928679" y="5920318"/>
+              <a:ext cx="2697684" cy="400110"/>
+            </a:xfrm>
+            <a:prstGeom prst="rect">
+              <a:avLst/>
+            </a:prstGeom>
+            <a:noFill/>
+          </p:spPr>
+          <p:txBody>
+            <a:bodyPr wrap="square">
+              <a:spAutoFit/>
+            </a:bodyPr>
+            <a:lstStyle/>
+            <a:p>
+              <a:pPr algn="ctr"/>
+              <a:r>
+                <a:rPr lang="en-US" altLang="ko-KR" sz="2000" dirty="0">
+                  <a:solidFill>
+                    <a:srgbClr val="393384"/>
+                  </a:solidFill>
+                  <a:effectLst/>
+                  <a:latin typeface="Gothic A1 Black" pitchFamily="2" charset="-127"/>
+                  <a:ea typeface="Gothic A1 Black" pitchFamily="2" charset="-127"/>
+                  <a:cs typeface="Gothic A1 Black" pitchFamily="2" charset="-127"/>
+                </a:rPr>
+                <a:t>ANN</a:t>
+              </a:r>
+            </a:p>
+          </p:txBody>
+        </p:sp>
+      </p:grpSp>
       <p:sp>
         <p:nvSpPr>
-          <p:cNvPr id="4" name="직사각형 3">
-            <a:extLst>
-              <a:ext uri="{FF2B5EF4-FFF2-40B4-BE49-F238E27FC236}">
-                <a16:creationId xmlns:a16="http://schemas.microsoft.com/office/drawing/2014/main" id="{AFE91C2E-2C41-403C-9DEF-4A3554A84CBB}"/>
-              </a:ext>
-            </a:extLst>
-          </p:cNvPr>
-          <p:cNvSpPr/>
-          <p:nvPr/>
-        </p:nvSpPr>
-        <p:spPr>
-          <a:xfrm>
-            <a:off x="4947596" y="2273139"/>
-            <a:ext cx="2697685" cy="513230"/>
-          </a:xfrm>
-          <a:prstGeom prst="rect">
-            <a:avLst/>
-          </a:prstGeom>
-          <a:solidFill>
-            <a:srgbClr val="7BA0E8"/>
-          </a:solidFill>
-          <a:ln>
-            <a:noFill/>
-          </a:ln>
-        </p:spPr>
-        <p:style>
-          <a:lnRef idx="2">
-            <a:schemeClr val="accent1">
-              <a:shade val="50000"/>
-            </a:schemeClr>
-          </a:lnRef>
-          <a:fillRef idx="1">
-            <a:schemeClr val="accent1"/>
-          </a:fillRef>
-          <a:effectRef idx="0">
-            <a:schemeClr val="accent1"/>
-          </a:effectRef>
-          <a:fontRef idx="minor">
-            <a:schemeClr val="lt1"/>
-          </a:fontRef>
-        </p:style>
-        <p:txBody>
-          <a:bodyPr rtlCol="0" anchor="ctr"/>
-          <a:lstStyle/>
-          <a:p>
-            <a:pPr algn="ctr"/>
-            <a:endParaRPr lang="ko-KR" altLang="en-US"/>
-          </a:p>
-        </p:txBody>
-      </p:sp>
-      <p:sp>
-        <p:nvSpPr>
-          <p:cNvPr id="32" name="직사각형 31">
-            <a:extLst>
-              <a:ext uri="{FF2B5EF4-FFF2-40B4-BE49-F238E27FC236}">
-                <a16:creationId xmlns:a16="http://schemas.microsoft.com/office/drawing/2014/main" id="{9EE24BC1-EE1A-404B-982C-3B533CB2F6C9}"/>
-              </a:ext>
-            </a:extLst>
-          </p:cNvPr>
-          <p:cNvSpPr/>
-          <p:nvPr/>
-        </p:nvSpPr>
-        <p:spPr>
-          <a:xfrm>
-            <a:off x="4947596" y="2876014"/>
-            <a:ext cx="2697685" cy="513230"/>
-          </a:xfrm>
-          <a:prstGeom prst="rect">
-            <a:avLst/>
-          </a:prstGeom>
-          <a:solidFill>
-            <a:srgbClr val="CAD9F6"/>
-          </a:solidFill>
-          <a:ln>
-            <a:noFill/>
-          </a:ln>
-        </p:spPr>
-        <p:style>
-          <a:lnRef idx="2">
-            <a:schemeClr val="accent1">
-              <a:shade val="50000"/>
-            </a:schemeClr>
-          </a:lnRef>
-          <a:fillRef idx="1">
-            <a:schemeClr val="accent1"/>
-          </a:fillRef>
-          <a:effectRef idx="0">
-            <a:schemeClr val="accent1"/>
-          </a:effectRef>
-          <a:fontRef idx="minor">
-            <a:schemeClr val="lt1"/>
-          </a:fontRef>
-        </p:style>
-        <p:txBody>
-          <a:bodyPr rtlCol="0" anchor="ctr"/>
-          <a:lstStyle/>
-          <a:p>
-            <a:pPr algn="ctr"/>
-            <a:endParaRPr lang="ko-KR" altLang="en-US"/>
-          </a:p>
-        </p:txBody>
-      </p:sp>
-      <p:sp>
-        <p:nvSpPr>
-          <p:cNvPr id="34" name="직사각형 33">
-            <a:extLst>
-              <a:ext uri="{FF2B5EF4-FFF2-40B4-BE49-F238E27FC236}">
-                <a16:creationId xmlns:a16="http://schemas.microsoft.com/office/drawing/2014/main" id="{3C9AC7D8-62AB-41D1-99B3-70CC8117E94B}"/>
-              </a:ext>
-            </a:extLst>
-          </p:cNvPr>
-          <p:cNvSpPr/>
-          <p:nvPr/>
-        </p:nvSpPr>
-        <p:spPr>
-          <a:xfrm>
-            <a:off x="4947596" y="1670264"/>
-            <a:ext cx="2697686" cy="513230"/>
-          </a:xfrm>
-          <a:prstGeom prst="rect">
-            <a:avLst/>
-          </a:prstGeom>
-          <a:solidFill>
-            <a:srgbClr val="75A4E7"/>
-          </a:solidFill>
-          <a:ln>
-            <a:noFill/>
-          </a:ln>
-        </p:spPr>
-        <p:style>
-          <a:lnRef idx="2">
-            <a:schemeClr val="accent1">
-              <a:shade val="50000"/>
-            </a:schemeClr>
-          </a:lnRef>
-          <a:fillRef idx="1">
-            <a:schemeClr val="accent1"/>
-          </a:fillRef>
-          <a:effectRef idx="0">
-            <a:schemeClr val="accent1"/>
-          </a:effectRef>
-          <a:fontRef idx="minor">
-            <a:schemeClr val="lt1"/>
-          </a:fontRef>
-        </p:style>
-        <p:txBody>
-          <a:bodyPr rtlCol="0" anchor="ctr"/>
-          <a:lstStyle/>
-          <a:p>
-            <a:pPr algn="ctr"/>
-            <a:endParaRPr lang="ko-KR" altLang="en-US"/>
-          </a:p>
-        </p:txBody>
-      </p:sp>
-      <p:sp>
-        <p:nvSpPr>
-          <p:cNvPr id="35" name="직사각형 34">
-            <a:extLst>
-              <a:ext uri="{FF2B5EF4-FFF2-40B4-BE49-F238E27FC236}">
-                <a16:creationId xmlns:a16="http://schemas.microsoft.com/office/drawing/2014/main" id="{2C4962EC-4F3B-48CE-BF66-9C15727A4A32}"/>
-              </a:ext>
-            </a:extLst>
-          </p:cNvPr>
-          <p:cNvSpPr/>
-          <p:nvPr/>
-        </p:nvSpPr>
-        <p:spPr>
-          <a:xfrm>
-            <a:off x="4947596" y="3478889"/>
-            <a:ext cx="2697685" cy="513230"/>
-          </a:xfrm>
-          <a:prstGeom prst="rect">
-            <a:avLst/>
-          </a:prstGeom>
-          <a:solidFill>
-            <a:srgbClr val="D4E0F8"/>
-          </a:solidFill>
-          <a:ln>
-            <a:noFill/>
-          </a:ln>
-        </p:spPr>
-        <p:style>
-          <a:lnRef idx="2">
-            <a:schemeClr val="accent1">
-              <a:shade val="50000"/>
-            </a:schemeClr>
-          </a:lnRef>
-          <a:fillRef idx="1">
-            <a:schemeClr val="accent1"/>
-          </a:fillRef>
-          <a:effectRef idx="0">
-            <a:schemeClr val="accent1"/>
-          </a:effectRef>
-          <a:fontRef idx="minor">
-            <a:schemeClr val="lt1"/>
-          </a:fontRef>
-        </p:style>
-        <p:txBody>
-          <a:bodyPr rtlCol="0" anchor="ctr"/>
-          <a:lstStyle/>
-          <a:p>
-            <a:pPr algn="ctr"/>
-            <a:endParaRPr lang="ko-KR" altLang="en-US"/>
-          </a:p>
-        </p:txBody>
-      </p:sp>
-      <p:sp>
-        <p:nvSpPr>
-          <p:cNvPr id="36" name="직사각형 35">
-            <a:extLst>
-              <a:ext uri="{FF2B5EF4-FFF2-40B4-BE49-F238E27FC236}">
-                <a16:creationId xmlns:a16="http://schemas.microsoft.com/office/drawing/2014/main" id="{4318D8C3-FB13-4753-8A7E-29351293DB02}"/>
-              </a:ext>
-            </a:extLst>
-          </p:cNvPr>
-          <p:cNvSpPr/>
-          <p:nvPr/>
-        </p:nvSpPr>
-        <p:spPr>
-          <a:xfrm>
-            <a:off x="4947596" y="4081764"/>
-            <a:ext cx="2697685" cy="513230"/>
-          </a:xfrm>
-          <a:prstGeom prst="rect">
-            <a:avLst/>
-          </a:prstGeom>
-          <a:solidFill>
-            <a:schemeClr val="tx2">
-              <a:lumMod val="20000"/>
-              <a:lumOff val="80000"/>
-            </a:schemeClr>
-          </a:solidFill>
-          <a:ln>
-            <a:noFill/>
-          </a:ln>
-        </p:spPr>
-        <p:style>
-          <a:lnRef idx="2">
-            <a:schemeClr val="accent1">
-              <a:shade val="50000"/>
-            </a:schemeClr>
-          </a:lnRef>
-          <a:fillRef idx="1">
-            <a:schemeClr val="accent1"/>
-          </a:fillRef>
-          <a:effectRef idx="0">
-            <a:schemeClr val="accent1"/>
-          </a:effectRef>
-          <a:fontRef idx="minor">
-            <a:schemeClr val="lt1"/>
-          </a:fontRef>
-        </p:style>
-        <p:txBody>
-          <a:bodyPr rtlCol="0" anchor="ctr"/>
-          <a:lstStyle/>
-          <a:p>
-            <a:pPr algn="ctr"/>
-            <a:endParaRPr lang="ko-KR" altLang="en-US"/>
-          </a:p>
-        </p:txBody>
-      </p:sp>
-      <p:sp>
-        <p:nvSpPr>
-          <p:cNvPr id="37" name="직사각형 36">
-            <a:extLst>
-              <a:ext uri="{FF2B5EF4-FFF2-40B4-BE49-F238E27FC236}">
-                <a16:creationId xmlns:a16="http://schemas.microsoft.com/office/drawing/2014/main" id="{A9745CFD-8BF3-4B7A-93F6-D75CB797F731}"/>
-              </a:ext>
-            </a:extLst>
-          </p:cNvPr>
-          <p:cNvSpPr/>
-          <p:nvPr/>
-        </p:nvSpPr>
-        <p:spPr>
-          <a:xfrm>
-            <a:off x="4947596" y="4684639"/>
-            <a:ext cx="2697685" cy="513230"/>
-          </a:xfrm>
-          <a:prstGeom prst="rect">
-            <a:avLst/>
-          </a:prstGeom>
-          <a:solidFill>
-            <a:schemeClr val="bg2"/>
-          </a:solidFill>
-          <a:ln>
-            <a:noFill/>
-          </a:ln>
-        </p:spPr>
-        <p:style>
-          <a:lnRef idx="2">
-            <a:schemeClr val="accent1">
-              <a:shade val="50000"/>
-            </a:schemeClr>
-          </a:lnRef>
-          <a:fillRef idx="1">
-            <a:schemeClr val="accent1"/>
-          </a:fillRef>
-          <a:effectRef idx="0">
-            <a:schemeClr val="accent1"/>
-          </a:effectRef>
-          <a:fontRef idx="minor">
-            <a:schemeClr val="lt1"/>
-          </a:fontRef>
-        </p:style>
-        <p:txBody>
-          <a:bodyPr rtlCol="0" anchor="ctr"/>
-          <a:lstStyle/>
-          <a:p>
-            <a:pPr algn="ctr"/>
-            <a:endParaRPr lang="ko-KR" altLang="en-US"/>
-          </a:p>
-        </p:txBody>
-      </p:sp>
-      <p:sp>
-        <p:nvSpPr>
-          <p:cNvPr id="38" name="TextBox 37">
-            <a:extLst>
-              <a:ext uri="{FF2B5EF4-FFF2-40B4-BE49-F238E27FC236}">
-                <a16:creationId xmlns:a16="http://schemas.microsoft.com/office/drawing/2014/main" id="{EB296268-6D7B-4F11-9364-754DCC9F8E0B}"/>
+          <p:cNvPr id="33" name="TextBox 32">
+            <a:extLst>
+              <a:ext uri="{FF2B5EF4-FFF2-40B4-BE49-F238E27FC236}">
+                <a16:creationId xmlns:a16="http://schemas.microsoft.com/office/drawing/2014/main" id="{1C08818D-88CD-4477-B250-A25DE685638F}"/>
               </a:ext>
             </a:extLst>
           </p:cNvPr>
@@ -12310,369 +12789,7 @@
         </p:nvSpPr>
         <p:spPr>
           <a:xfrm>
-            <a:off x="4947596" y="1727027"/>
-            <a:ext cx="2685740" cy="400110"/>
-          </a:xfrm>
-          <a:prstGeom prst="rect">
-            <a:avLst/>
-          </a:prstGeom>
-          <a:noFill/>
-        </p:spPr>
-        <p:txBody>
-          <a:bodyPr wrap="square">
-            <a:spAutoFit/>
-          </a:bodyPr>
-          <a:lstStyle/>
-          <a:p>
-            <a:pPr algn="ctr"/>
-            <a:r>
-              <a:rPr lang="en-US" altLang="ko-KR" sz="2000" dirty="0">
-                <a:solidFill>
-                  <a:srgbClr val="393384"/>
-                </a:solidFill>
-                <a:effectLst/>
-                <a:latin typeface="Gothic A1 Black" pitchFamily="2" charset="-127"/>
-                <a:ea typeface="Gothic A1 Black" pitchFamily="2" charset="-127"/>
-                <a:cs typeface="Gothic A1 Black" pitchFamily="2" charset="-127"/>
-              </a:rPr>
-              <a:t>Stacking </a:t>
-            </a:r>
-          </a:p>
-        </p:txBody>
-      </p:sp>
-      <p:sp>
-        <p:nvSpPr>
-          <p:cNvPr id="39" name="TextBox 38">
-            <a:extLst>
-              <a:ext uri="{FF2B5EF4-FFF2-40B4-BE49-F238E27FC236}">
-                <a16:creationId xmlns:a16="http://schemas.microsoft.com/office/drawing/2014/main" id="{68B0D369-4CC9-4EC3-BE9C-FAC50C38CB71}"/>
-              </a:ext>
-            </a:extLst>
-          </p:cNvPr>
-          <p:cNvSpPr txBox="1"/>
-          <p:nvPr/>
-        </p:nvSpPr>
-        <p:spPr>
-          <a:xfrm>
-            <a:off x="4952895" y="2336310"/>
-            <a:ext cx="2675141" cy="400110"/>
-          </a:xfrm>
-          <a:prstGeom prst="rect">
-            <a:avLst/>
-          </a:prstGeom>
-          <a:noFill/>
-        </p:spPr>
-        <p:txBody>
-          <a:bodyPr wrap="square">
-            <a:spAutoFit/>
-          </a:bodyPr>
-          <a:lstStyle/>
-          <a:p>
-            <a:pPr algn="ctr"/>
-            <a:r>
-              <a:rPr lang="en-US" altLang="ko-KR" sz="2000" dirty="0">
-                <a:solidFill>
-                  <a:srgbClr val="393384"/>
-                </a:solidFill>
-                <a:effectLst/>
-                <a:latin typeface="Gothic A1 Black" pitchFamily="2" charset="-127"/>
-                <a:ea typeface="Gothic A1 Black" pitchFamily="2" charset="-127"/>
-                <a:cs typeface="Gothic A1 Black" pitchFamily="2" charset="-127"/>
-              </a:rPr>
-              <a:t>SVM</a:t>
-            </a:r>
-          </a:p>
-        </p:txBody>
-      </p:sp>
-      <p:sp>
-        <p:nvSpPr>
-          <p:cNvPr id="41" name="TextBox 40">
-            <a:extLst>
-              <a:ext uri="{FF2B5EF4-FFF2-40B4-BE49-F238E27FC236}">
-                <a16:creationId xmlns:a16="http://schemas.microsoft.com/office/drawing/2014/main" id="{89BAE1CD-8A7F-41DD-AA83-5C361F9A6775}"/>
-              </a:ext>
-            </a:extLst>
-          </p:cNvPr>
-          <p:cNvSpPr txBox="1"/>
-          <p:nvPr/>
-        </p:nvSpPr>
-        <p:spPr>
-          <a:xfrm>
-            <a:off x="4948284" y="2936085"/>
-            <a:ext cx="2697684" cy="400110"/>
-          </a:xfrm>
-          <a:prstGeom prst="rect">
-            <a:avLst/>
-          </a:prstGeom>
-          <a:noFill/>
-        </p:spPr>
-        <p:txBody>
-          <a:bodyPr wrap="square">
-            <a:spAutoFit/>
-          </a:bodyPr>
-          <a:lstStyle/>
-          <a:p>
-            <a:pPr algn="ctr"/>
-            <a:r>
-              <a:rPr lang="en-US" altLang="ko-KR" sz="2000" dirty="0">
-                <a:solidFill>
-                  <a:srgbClr val="393384"/>
-                </a:solidFill>
-                <a:effectLst/>
-                <a:latin typeface="Gothic A1 Black" pitchFamily="2" charset="-127"/>
-                <a:ea typeface="Gothic A1 Black" pitchFamily="2" charset="-127"/>
-                <a:cs typeface="Gothic A1 Black" pitchFamily="2" charset="-127"/>
-              </a:rPr>
-              <a:t>XG-Boost</a:t>
-            </a:r>
-          </a:p>
-        </p:txBody>
-      </p:sp>
-      <p:sp>
-        <p:nvSpPr>
-          <p:cNvPr id="42" name="TextBox 41">
-            <a:extLst>
-              <a:ext uri="{FF2B5EF4-FFF2-40B4-BE49-F238E27FC236}">
-                <a16:creationId xmlns:a16="http://schemas.microsoft.com/office/drawing/2014/main" id="{3AAC9CCC-7593-4F96-B7BC-AF9C6E43A85D}"/>
-              </a:ext>
-            </a:extLst>
-          </p:cNvPr>
-          <p:cNvSpPr txBox="1"/>
-          <p:nvPr/>
-        </p:nvSpPr>
-        <p:spPr>
-          <a:xfrm>
-            <a:off x="4933100" y="3520261"/>
-            <a:ext cx="2705482" cy="400110"/>
-          </a:xfrm>
-          <a:prstGeom prst="rect">
-            <a:avLst/>
-          </a:prstGeom>
-          <a:noFill/>
-        </p:spPr>
-        <p:txBody>
-          <a:bodyPr wrap="square">
-            <a:spAutoFit/>
-          </a:bodyPr>
-          <a:lstStyle/>
-          <a:p>
-            <a:pPr algn="ctr"/>
-            <a:r>
-              <a:rPr lang="en-US" altLang="ko-KR" sz="2000" dirty="0">
-                <a:solidFill>
-                  <a:srgbClr val="393384"/>
-                </a:solidFill>
-                <a:effectLst/>
-                <a:latin typeface="Gothic A1 Black" pitchFamily="2" charset="-127"/>
-                <a:ea typeface="Gothic A1 Black" pitchFamily="2" charset="-127"/>
-                <a:cs typeface="Gothic A1 Black" pitchFamily="2" charset="-127"/>
-              </a:rPr>
-              <a:t>Random Forest</a:t>
-            </a:r>
-          </a:p>
-        </p:txBody>
-      </p:sp>
-      <p:sp>
-        <p:nvSpPr>
-          <p:cNvPr id="43" name="TextBox 42">
-            <a:extLst>
-              <a:ext uri="{FF2B5EF4-FFF2-40B4-BE49-F238E27FC236}">
-                <a16:creationId xmlns:a16="http://schemas.microsoft.com/office/drawing/2014/main" id="{E0EC6FE3-51EF-446E-B4EA-D07447A759A7}"/>
-              </a:ext>
-            </a:extLst>
-          </p:cNvPr>
-          <p:cNvSpPr txBox="1"/>
-          <p:nvPr/>
-        </p:nvSpPr>
-        <p:spPr>
-          <a:xfrm>
-            <a:off x="4936939" y="4735913"/>
-            <a:ext cx="2697804" cy="400110"/>
-          </a:xfrm>
-          <a:prstGeom prst="rect">
-            <a:avLst/>
-          </a:prstGeom>
-          <a:noFill/>
-        </p:spPr>
-        <p:txBody>
-          <a:bodyPr wrap="square">
-            <a:spAutoFit/>
-          </a:bodyPr>
-          <a:lstStyle/>
-          <a:p>
-            <a:pPr algn="ctr"/>
-            <a:r>
-              <a:rPr lang="en-US" altLang="ko-KR" sz="2000" dirty="0">
-                <a:solidFill>
-                  <a:srgbClr val="393384"/>
-                </a:solidFill>
-                <a:effectLst/>
-                <a:latin typeface="Gothic A1 Black" pitchFamily="2" charset="-127"/>
-                <a:ea typeface="Gothic A1 Black" pitchFamily="2" charset="-127"/>
-                <a:cs typeface="Gothic A1 Black" pitchFamily="2" charset="-127"/>
-              </a:rPr>
-              <a:t>Logistic Regression</a:t>
-            </a:r>
-          </a:p>
-        </p:txBody>
-      </p:sp>
-      <p:sp>
-        <p:nvSpPr>
-          <p:cNvPr id="53" name="직사각형 52">
-            <a:extLst>
-              <a:ext uri="{FF2B5EF4-FFF2-40B4-BE49-F238E27FC236}">
-                <a16:creationId xmlns:a16="http://schemas.microsoft.com/office/drawing/2014/main" id="{614F1A20-6E95-437E-8D67-55D0472C3B93}"/>
-              </a:ext>
-            </a:extLst>
-          </p:cNvPr>
-          <p:cNvSpPr/>
-          <p:nvPr/>
-        </p:nvSpPr>
-        <p:spPr>
-          <a:xfrm>
-            <a:off x="4947596" y="5287517"/>
-            <a:ext cx="2697685" cy="513230"/>
-          </a:xfrm>
-          <a:prstGeom prst="rect">
-            <a:avLst/>
-          </a:prstGeom>
-          <a:solidFill>
-            <a:schemeClr val="bg1">
-              <a:lumMod val="95000"/>
-            </a:schemeClr>
-          </a:solidFill>
-          <a:ln>
-            <a:noFill/>
-          </a:ln>
-        </p:spPr>
-        <p:style>
-          <a:lnRef idx="2">
-            <a:schemeClr val="accent1">
-              <a:shade val="50000"/>
-            </a:schemeClr>
-          </a:lnRef>
-          <a:fillRef idx="1">
-            <a:schemeClr val="accent1"/>
-          </a:fillRef>
-          <a:effectRef idx="0">
-            <a:schemeClr val="accent1"/>
-          </a:effectRef>
-          <a:fontRef idx="minor">
-            <a:schemeClr val="lt1"/>
-          </a:fontRef>
-        </p:style>
-        <p:txBody>
-          <a:bodyPr rtlCol="0" anchor="ctr"/>
-          <a:lstStyle/>
-          <a:p>
-            <a:pPr algn="ctr"/>
-            <a:endParaRPr lang="ko-KR" altLang="en-US"/>
-          </a:p>
-        </p:txBody>
-      </p:sp>
-      <p:sp>
-        <p:nvSpPr>
-          <p:cNvPr id="54" name="TextBox 53">
-            <a:extLst>
-              <a:ext uri="{FF2B5EF4-FFF2-40B4-BE49-F238E27FC236}">
-                <a16:creationId xmlns:a16="http://schemas.microsoft.com/office/drawing/2014/main" id="{3103FBE4-23D2-4C00-B275-275917A4290C}"/>
-              </a:ext>
-            </a:extLst>
-          </p:cNvPr>
-          <p:cNvSpPr txBox="1"/>
-          <p:nvPr/>
-        </p:nvSpPr>
-        <p:spPr>
-          <a:xfrm>
-            <a:off x="4963695" y="4136954"/>
-            <a:ext cx="2664341" cy="400110"/>
-          </a:xfrm>
-          <a:prstGeom prst="rect">
-            <a:avLst/>
-          </a:prstGeom>
-          <a:noFill/>
-        </p:spPr>
-        <p:txBody>
-          <a:bodyPr wrap="square">
-            <a:spAutoFit/>
-          </a:bodyPr>
-          <a:lstStyle/>
-          <a:p>
-            <a:pPr algn="ctr"/>
-            <a:r>
-              <a:rPr lang="en-US" altLang="ko-KR" sz="2000" dirty="0">
-                <a:solidFill>
-                  <a:srgbClr val="393384"/>
-                </a:solidFill>
-                <a:effectLst/>
-                <a:latin typeface="Gothic A1 Black" pitchFamily="2" charset="-127"/>
-                <a:ea typeface="Gothic A1 Black" pitchFamily="2" charset="-127"/>
-                <a:cs typeface="Gothic A1 Black" pitchFamily="2" charset="-127"/>
-              </a:rPr>
-              <a:t>Gradient Boosting</a:t>
-            </a:r>
-          </a:p>
-        </p:txBody>
-      </p:sp>
-      <p:sp>
-        <p:nvSpPr>
-          <p:cNvPr id="50" name="TextBox 49">
-            <a:extLst>
-              <a:ext uri="{FF2B5EF4-FFF2-40B4-BE49-F238E27FC236}">
-                <a16:creationId xmlns:a16="http://schemas.microsoft.com/office/drawing/2014/main" id="{2B16D2CE-5FA8-4ADF-B8CD-1386C132F9D9}"/>
-              </a:ext>
-            </a:extLst>
-          </p:cNvPr>
-          <p:cNvSpPr txBox="1"/>
-          <p:nvPr/>
-        </p:nvSpPr>
-        <p:spPr>
-          <a:xfrm>
-            <a:off x="4939217" y="5343595"/>
-            <a:ext cx="2697684" cy="400110"/>
-          </a:xfrm>
-          <a:prstGeom prst="rect">
-            <a:avLst/>
-          </a:prstGeom>
-          <a:noFill/>
-        </p:spPr>
-        <p:txBody>
-          <a:bodyPr wrap="square">
-            <a:spAutoFit/>
-          </a:bodyPr>
-          <a:lstStyle/>
-          <a:p>
-            <a:pPr algn="ctr"/>
-            <a:r>
-              <a:rPr lang="en-US" altLang="ko-KR" sz="2000" dirty="0">
-                <a:solidFill>
-                  <a:srgbClr val="393384"/>
-                </a:solidFill>
-                <a:effectLst/>
-                <a:latin typeface="Gothic A1 Black" pitchFamily="2" charset="-127"/>
-                <a:ea typeface="Gothic A1 Black" pitchFamily="2" charset="-127"/>
-                <a:cs typeface="Gothic A1 Black" pitchFamily="2" charset="-127"/>
-              </a:rPr>
-              <a:t>ANN</a:t>
-            </a:r>
-          </a:p>
-        </p:txBody>
-      </p:sp>
-      <p:sp>
-        <p:nvSpPr>
-          <p:cNvPr id="33" name="TextBox 32">
-            <a:extLst>
-              <a:ext uri="{FF2B5EF4-FFF2-40B4-BE49-F238E27FC236}">
-                <a16:creationId xmlns:a16="http://schemas.microsoft.com/office/drawing/2014/main" id="{1C08818D-88CD-4477-B250-A25DE685638F}"/>
-              </a:ext>
-            </a:extLst>
-          </p:cNvPr>
-          <p:cNvSpPr txBox="1"/>
-          <p:nvPr/>
-        </p:nvSpPr>
-        <p:spPr>
-          <a:xfrm>
-            <a:off x="3036507" y="5862995"/>
+            <a:off x="2980834" y="6245163"/>
             <a:ext cx="6630062" cy="307777"/>
           </a:xfrm>
           <a:prstGeom prst="rect">
@@ -12788,6 +12905,132 @@
           </a:p>
         </p:txBody>
       </p:sp>
+      <p:grpSp>
+        <p:nvGrpSpPr>
+          <p:cNvPr id="5" name="그룹 4">
+            <a:extLst>
+              <a:ext uri="{FF2B5EF4-FFF2-40B4-BE49-F238E27FC236}">
+                <a16:creationId xmlns:a16="http://schemas.microsoft.com/office/drawing/2014/main" id="{A6792E0F-9807-4D95-8CBD-292C4D5CCAFD}"/>
+              </a:ext>
+            </a:extLst>
+          </p:cNvPr>
+          <p:cNvGrpSpPr/>
+          <p:nvPr/>
+        </p:nvGrpSpPr>
+        <p:grpSpPr>
+          <a:xfrm>
+            <a:off x="4936999" y="5091362"/>
+            <a:ext cx="2708282" cy="513230"/>
+            <a:chOff x="4936999" y="5249088"/>
+            <a:chExt cx="2708282" cy="513230"/>
+          </a:xfrm>
+        </p:grpSpPr>
+        <p:sp>
+          <p:nvSpPr>
+            <p:cNvPr id="37" name="직사각형 36">
+              <a:extLst>
+                <a:ext uri="{FF2B5EF4-FFF2-40B4-BE49-F238E27FC236}">
+                  <a16:creationId xmlns:a16="http://schemas.microsoft.com/office/drawing/2014/main" id="{A9745CFD-8BF3-4B7A-93F6-D75CB797F731}"/>
+                </a:ext>
+              </a:extLst>
+            </p:cNvPr>
+            <p:cNvSpPr/>
+            <p:nvPr/>
+          </p:nvSpPr>
+          <p:spPr>
+            <a:xfrm>
+              <a:off x="4947596" y="5249088"/>
+              <a:ext cx="2697685" cy="513230"/>
+            </a:xfrm>
+            <a:prstGeom prst="rect">
+              <a:avLst/>
+            </a:prstGeom>
+            <a:solidFill>
+              <a:schemeClr val="bg2"/>
+            </a:solidFill>
+            <a:ln>
+              <a:noFill/>
+            </a:ln>
+          </p:spPr>
+          <p:style>
+            <a:lnRef idx="2">
+              <a:schemeClr val="accent1">
+                <a:shade val="50000"/>
+              </a:schemeClr>
+            </a:lnRef>
+            <a:fillRef idx="1">
+              <a:schemeClr val="accent1"/>
+            </a:fillRef>
+            <a:effectRef idx="0">
+              <a:schemeClr val="accent1"/>
+            </a:effectRef>
+            <a:fontRef idx="minor">
+              <a:schemeClr val="lt1"/>
+            </a:fontRef>
+          </p:style>
+          <p:txBody>
+            <a:bodyPr rtlCol="0" anchor="ctr"/>
+            <a:lstStyle/>
+            <a:p>
+              <a:pPr algn="ctr"/>
+              <a:endParaRPr lang="ko-KR" altLang="en-US"/>
+            </a:p>
+          </p:txBody>
+        </p:sp>
+        <p:sp>
+          <p:nvSpPr>
+            <p:cNvPr id="40" name="TextBox 39">
+              <a:extLst>
+                <a:ext uri="{FF2B5EF4-FFF2-40B4-BE49-F238E27FC236}">
+                  <a16:creationId xmlns:a16="http://schemas.microsoft.com/office/drawing/2014/main" id="{ACBD2047-FD33-42FC-A475-027DD67B8FAA}"/>
+                </a:ext>
+              </a:extLst>
+            </p:cNvPr>
+            <p:cNvSpPr txBox="1"/>
+            <p:nvPr/>
+          </p:nvSpPr>
+          <p:spPr>
+            <a:xfrm>
+              <a:off x="4936999" y="5289203"/>
+              <a:ext cx="2697684" cy="400110"/>
+            </a:xfrm>
+            <a:prstGeom prst="rect">
+              <a:avLst/>
+            </a:prstGeom>
+            <a:noFill/>
+          </p:spPr>
+          <p:txBody>
+            <a:bodyPr wrap="square">
+              <a:spAutoFit/>
+            </a:bodyPr>
+            <a:lstStyle/>
+            <a:p>
+              <a:pPr algn="ctr"/>
+              <a:r>
+                <a:rPr lang="en-US" altLang="ko-KR" sz="2000" dirty="0" err="1">
+                  <a:solidFill>
+                    <a:srgbClr val="393384"/>
+                  </a:solidFill>
+                  <a:effectLst/>
+                  <a:latin typeface="Gothic A1 Black" pitchFamily="2" charset="-127"/>
+                  <a:ea typeface="Gothic A1 Black" pitchFamily="2" charset="-127"/>
+                  <a:cs typeface="Gothic A1 Black" pitchFamily="2" charset="-127"/>
+                </a:rPr>
+                <a:t>Pycaret</a:t>
+              </a:r>
+              <a:endParaRPr lang="en-US" altLang="ko-KR" sz="2000" dirty="0">
+                <a:solidFill>
+                  <a:srgbClr val="393384"/>
+                </a:solidFill>
+                <a:effectLst/>
+                <a:latin typeface="Gothic A1 Black" pitchFamily="2" charset="-127"/>
+                <a:ea typeface="Gothic A1 Black" pitchFamily="2" charset="-127"/>
+                <a:cs typeface="Gothic A1 Black" pitchFamily="2" charset="-127"/>
+              </a:endParaRPr>
+            </a:p>
+          </p:txBody>
+        </p:sp>
+      </p:grpSp>
     </p:spTree>
     <p:extLst>
       <p:ext uri="{BB962C8B-B14F-4D97-AF65-F5344CB8AC3E}">
@@ -13276,6 +13519,128 @@
           </a:extLst>
         </p:spPr>
       </p:pic>
+      <p:sp>
+        <p:nvSpPr>
+          <p:cNvPr id="11" name="TextBox 10">
+            <a:extLst>
+              <a:ext uri="{FF2B5EF4-FFF2-40B4-BE49-F238E27FC236}">
+                <a16:creationId xmlns:a16="http://schemas.microsoft.com/office/drawing/2014/main" id="{C547C30F-C006-4F79-84FC-6E2911B28E4E}"/>
+              </a:ext>
+            </a:extLst>
+          </p:cNvPr>
+          <p:cNvSpPr txBox="1"/>
+          <p:nvPr/>
+        </p:nvSpPr>
+        <p:spPr>
+          <a:xfrm>
+            <a:off x="823128" y="1748966"/>
+            <a:ext cx="3948656" cy="307777"/>
+          </a:xfrm>
+          <a:prstGeom prst="rect">
+            <a:avLst/>
+          </a:prstGeom>
+          <a:noFill/>
+        </p:spPr>
+        <p:txBody>
+          <a:bodyPr wrap="square">
+            <a:spAutoFit/>
+          </a:bodyPr>
+          <a:lstStyle/>
+          <a:p>
+            <a:r>
+              <a:rPr lang="en-US" altLang="ko-KR" sz="1400" dirty="0">
+                <a:solidFill>
+                  <a:srgbClr val="393384"/>
+                </a:solidFill>
+                <a:latin typeface="Gothic A1 Light" pitchFamily="2" charset="-127"/>
+                <a:ea typeface="Gothic A1 Light" pitchFamily="2" charset="-127"/>
+                <a:cs typeface="Gothic A1 Light" pitchFamily="2" charset="-127"/>
+              </a:rPr>
+              <a:t>(</a:t>
+            </a:r>
+            <a:r>
+              <a:rPr lang="en-US" altLang="ko-KR" sz="1400" dirty="0" err="1">
+                <a:solidFill>
+                  <a:srgbClr val="393384"/>
+                </a:solidFill>
+                <a:effectLst/>
+                <a:latin typeface="Gothic A1 Light" pitchFamily="2" charset="-127"/>
+                <a:ea typeface="Gothic A1 Light" pitchFamily="2" charset="-127"/>
+                <a:cs typeface="Gothic A1 Light" pitchFamily="2" charset="-127"/>
+              </a:rPr>
+              <a:t>ExtraTrees</a:t>
+            </a:r>
+            <a:r>
+              <a:rPr lang="en-US" altLang="ko-KR" sz="1400" dirty="0">
+                <a:solidFill>
+                  <a:srgbClr val="393384"/>
+                </a:solidFill>
+                <a:effectLst/>
+                <a:latin typeface="Gothic A1 Light" pitchFamily="2" charset="-127"/>
+                <a:ea typeface="Gothic A1 Light" pitchFamily="2" charset="-127"/>
+                <a:cs typeface="Gothic A1 Light" pitchFamily="2" charset="-127"/>
+              </a:rPr>
+              <a:t>, </a:t>
+            </a:r>
+            <a:r>
+              <a:rPr lang="en-US" altLang="ko-KR" sz="1400" dirty="0" err="1">
+                <a:solidFill>
+                  <a:srgbClr val="393384"/>
+                </a:solidFill>
+                <a:effectLst/>
+                <a:latin typeface="Gothic A1 Light" pitchFamily="2" charset="-127"/>
+                <a:ea typeface="Gothic A1 Light" pitchFamily="2" charset="-127"/>
+                <a:cs typeface="Gothic A1 Light" pitchFamily="2" charset="-127"/>
+              </a:rPr>
+              <a:t>RandomForest</a:t>
+            </a:r>
+            <a:r>
+              <a:rPr lang="en-US" altLang="ko-KR" sz="1400" dirty="0">
+                <a:solidFill>
+                  <a:srgbClr val="393384"/>
+                </a:solidFill>
+                <a:effectLst/>
+                <a:latin typeface="Gothic A1 Light" pitchFamily="2" charset="-127"/>
+                <a:ea typeface="Gothic A1 Light" pitchFamily="2" charset="-127"/>
+                <a:cs typeface="Gothic A1 Light" pitchFamily="2" charset="-127"/>
+              </a:rPr>
+              <a:t>, </a:t>
+            </a:r>
+            <a:r>
+              <a:rPr lang="en-US" altLang="ko-KR" sz="1400" dirty="0" err="1">
+                <a:solidFill>
+                  <a:srgbClr val="393384"/>
+                </a:solidFill>
+                <a:effectLst/>
+                <a:latin typeface="Gothic A1 Light" pitchFamily="2" charset="-127"/>
+                <a:ea typeface="Gothic A1 Light" pitchFamily="2" charset="-127"/>
+                <a:cs typeface="Gothic A1 Light" pitchFamily="2" charset="-127"/>
+              </a:rPr>
+              <a:t>DecisionTree</a:t>
+            </a:r>
+            <a:r>
+              <a:rPr lang="en-US" altLang="ko-KR" sz="1400" dirty="0">
+                <a:solidFill>
+                  <a:srgbClr val="393384"/>
+                </a:solidFill>
+                <a:effectLst/>
+                <a:latin typeface="Gothic A1 Light" pitchFamily="2" charset="-127"/>
+                <a:ea typeface="Gothic A1 Light" pitchFamily="2" charset="-127"/>
+                <a:cs typeface="Gothic A1 Light" pitchFamily="2" charset="-127"/>
+              </a:rPr>
+              <a:t>)</a:t>
+            </a:r>
+            <a:endParaRPr lang="en-US" altLang="ko-KR" sz="1400" dirty="0">
+              <a:solidFill>
+                <a:srgbClr val="393384"/>
+              </a:solidFill>
+              <a:latin typeface="Gothic A1 Light" pitchFamily="2" charset="-127"/>
+              <a:ea typeface="Gothic A1 Light" pitchFamily="2" charset="-127"/>
+              <a:cs typeface="Gothic A1 Light" pitchFamily="2" charset="-127"/>
+            </a:endParaRPr>
+          </a:p>
+        </p:txBody>
+      </p:sp>
     </p:spTree>
     <p:extLst>
       <p:ext uri="{BB962C8B-B14F-4D97-AF65-F5344CB8AC3E}">
@@ -16569,12 +16934,396 @@
           </a:fontRef>
         </p:style>
       </p:cxnSp>
+      <p:sp>
+        <p:nvSpPr>
+          <p:cNvPr id="15" name="TextBox 14">
+            <a:extLst>
+              <a:ext uri="{FF2B5EF4-FFF2-40B4-BE49-F238E27FC236}">
+                <a16:creationId xmlns:a16="http://schemas.microsoft.com/office/drawing/2014/main" id="{BDAE683A-63E4-43A6-92AF-14DBC169F8AB}"/>
+              </a:ext>
+            </a:extLst>
+          </p:cNvPr>
+          <p:cNvSpPr txBox="1"/>
+          <p:nvPr/>
+        </p:nvSpPr>
+        <p:spPr>
+          <a:xfrm>
+            <a:off x="6362689" y="143383"/>
+            <a:ext cx="5528076" cy="553998"/>
+          </a:xfrm>
+          <a:prstGeom prst="rect">
+            <a:avLst/>
+          </a:prstGeom>
+          <a:noFill/>
+        </p:spPr>
+        <p:txBody>
+          <a:bodyPr wrap="square" rtlCol="0">
+            <a:spAutoFit/>
+          </a:bodyPr>
+          <a:lstStyle/>
+          <a:p>
+            <a:pPr algn="r"/>
+            <a:r>
+              <a:rPr lang="en-US" altLang="ko-KR" sz="1000" dirty="0">
+                <a:solidFill>
+                  <a:schemeClr val="bg1">
+                    <a:lumMod val="65000"/>
+                  </a:schemeClr>
+                </a:solidFill>
+                <a:latin typeface="Gothic A1 Medium" pitchFamily="2" charset="-127"/>
+                <a:ea typeface="Gothic A1 Medium" pitchFamily="2" charset="-127"/>
+                <a:cs typeface="Gothic A1 Medium" pitchFamily="2" charset="-127"/>
+              </a:rPr>
+              <a:t>01. Project Intro | 02. EDA &amp; Processing | </a:t>
+            </a:r>
+            <a:r>
+              <a:rPr lang="en-US" altLang="ko-KR" sz="1000" dirty="0">
+                <a:solidFill>
+                  <a:srgbClr val="2C6CD9"/>
+                </a:solidFill>
+                <a:latin typeface="Gothic A1 Medium" pitchFamily="2" charset="-127"/>
+                <a:ea typeface="Gothic A1 Medium" pitchFamily="2" charset="-127"/>
+                <a:cs typeface="Gothic A1 Medium" pitchFamily="2" charset="-127"/>
+              </a:rPr>
+              <a:t>03. Modeling </a:t>
+            </a:r>
+            <a:r>
+              <a:rPr lang="en-US" altLang="ko-KR" sz="1000" dirty="0">
+                <a:solidFill>
+                  <a:schemeClr val="bg1">
+                    <a:lumMod val="65000"/>
+                  </a:schemeClr>
+                </a:solidFill>
+                <a:latin typeface="Gothic A1 Medium" pitchFamily="2" charset="-127"/>
+                <a:ea typeface="Gothic A1 Medium" pitchFamily="2" charset="-127"/>
+                <a:cs typeface="Gothic A1 Medium" pitchFamily="2" charset="-127"/>
+              </a:rPr>
+              <a:t>| 04. Result &amp; Evaluation</a:t>
+            </a:r>
+            <a:endParaRPr lang="ko-KR" altLang="en-US" sz="1000" dirty="0">
+              <a:solidFill>
+                <a:schemeClr val="bg1">
+                  <a:lumMod val="65000"/>
+                </a:schemeClr>
+              </a:solidFill>
+              <a:latin typeface="Gothic A1 Medium" pitchFamily="2" charset="-127"/>
+              <a:ea typeface="Gothic A1 Medium" pitchFamily="2" charset="-127"/>
+              <a:cs typeface="Gothic A1 Medium" pitchFamily="2" charset="-127"/>
+            </a:endParaRPr>
+          </a:p>
+          <a:p>
+            <a:pPr algn="r"/>
+            <a:endParaRPr lang="ko-KR" altLang="en-US" sz="1000" dirty="0">
+              <a:solidFill>
+                <a:srgbClr val="2864D9"/>
+              </a:solidFill>
+              <a:latin typeface="Gothic A1 Medium" pitchFamily="2" charset="-127"/>
+              <a:ea typeface="Gothic A1 Medium" pitchFamily="2" charset="-127"/>
+              <a:cs typeface="Gothic A1 Medium" pitchFamily="2" charset="-127"/>
+            </a:endParaRPr>
+          </a:p>
+          <a:p>
+            <a:pPr algn="r"/>
+            <a:r>
+              <a:rPr lang="en-US" altLang="ko-KR" sz="1000" dirty="0">
+                <a:solidFill>
+                  <a:srgbClr val="2864D9"/>
+                </a:solidFill>
+                <a:latin typeface="Gothic A1 Medium" pitchFamily="2" charset="-127"/>
+                <a:ea typeface="Gothic A1 Medium" pitchFamily="2" charset="-127"/>
+                <a:cs typeface="Gothic A1 Medium" pitchFamily="2" charset="-127"/>
+              </a:rPr>
+              <a:t> </a:t>
+            </a:r>
+            <a:endParaRPr lang="ko-KR" altLang="en-US" sz="1000" dirty="0">
+              <a:solidFill>
+                <a:srgbClr val="393384"/>
+              </a:solidFill>
+              <a:latin typeface="Gothic A1 Black" pitchFamily="2" charset="-127"/>
+              <a:ea typeface="Gothic A1 Black" pitchFamily="2" charset="-127"/>
+              <a:cs typeface="Gothic A1 Black" pitchFamily="2" charset="-127"/>
+            </a:endParaRPr>
+          </a:p>
+        </p:txBody>
+      </p:sp>
+      <p:sp>
+        <p:nvSpPr>
+          <p:cNvPr id="17" name="TextBox 16">
+            <a:extLst>
+              <a:ext uri="{FF2B5EF4-FFF2-40B4-BE49-F238E27FC236}">
+                <a16:creationId xmlns:a16="http://schemas.microsoft.com/office/drawing/2014/main" id="{B90B98B9-7C46-4A56-AD92-3253DA3C5A36}"/>
+              </a:ext>
+            </a:extLst>
+          </p:cNvPr>
+          <p:cNvSpPr txBox="1"/>
+          <p:nvPr/>
+        </p:nvSpPr>
+        <p:spPr>
+          <a:xfrm>
+            <a:off x="768642" y="809573"/>
+            <a:ext cx="4461279" cy="954107"/>
+          </a:xfrm>
+          <a:prstGeom prst="rect">
+            <a:avLst/>
+          </a:prstGeom>
+          <a:noFill/>
+        </p:spPr>
+        <p:txBody>
+          <a:bodyPr wrap="square" rtlCol="0">
+            <a:spAutoFit/>
+          </a:bodyPr>
+          <a:lstStyle/>
+          <a:p>
+            <a:r>
+              <a:rPr lang="en-US" altLang="ko-KR" sz="2800" dirty="0">
+                <a:solidFill>
+                  <a:srgbClr val="393384"/>
+                </a:solidFill>
+                <a:latin typeface="Gothic A1 Black" pitchFamily="2" charset="-127"/>
+                <a:ea typeface="Gothic A1 Black" pitchFamily="2" charset="-127"/>
+                <a:cs typeface="Gothic A1 Black" pitchFamily="2" charset="-127"/>
+              </a:rPr>
+              <a:t>Model(ML)</a:t>
+            </a:r>
+          </a:p>
+          <a:p>
+            <a:r>
+              <a:rPr lang="en-US" altLang="ko-KR" sz="2800" dirty="0">
+                <a:solidFill>
+                  <a:srgbClr val="393384"/>
+                </a:solidFill>
+                <a:latin typeface="Gothic A1 Black" pitchFamily="2" charset="-127"/>
+                <a:ea typeface="Gothic A1 Black" pitchFamily="2" charset="-127"/>
+                <a:cs typeface="Gothic A1 Black" pitchFamily="2" charset="-127"/>
+              </a:rPr>
+              <a:t>7. </a:t>
+            </a:r>
+            <a:r>
+              <a:rPr lang="en-US" altLang="ko-KR" sz="2800" dirty="0" err="1">
+                <a:solidFill>
+                  <a:srgbClr val="393384"/>
+                </a:solidFill>
+                <a:latin typeface="Gothic A1 Black" pitchFamily="2" charset="-127"/>
+                <a:ea typeface="Gothic A1 Black" pitchFamily="2" charset="-127"/>
+                <a:cs typeface="Gothic A1 Black" pitchFamily="2" charset="-127"/>
+              </a:rPr>
+              <a:t>Pycaret</a:t>
+            </a:r>
+            <a:endParaRPr lang="ko-KR" altLang="en-US" sz="2800" dirty="0">
+              <a:solidFill>
+                <a:srgbClr val="393384"/>
+              </a:solidFill>
+              <a:latin typeface="Gothic A1 Black" pitchFamily="2" charset="-127"/>
+              <a:ea typeface="Gothic A1 Black" pitchFamily="2" charset="-127"/>
+              <a:cs typeface="Gothic A1 Black" pitchFamily="2" charset="-127"/>
+            </a:endParaRPr>
+          </a:p>
+        </p:txBody>
+      </p:sp>
+      <p:sp>
+        <p:nvSpPr>
+          <p:cNvPr id="13" name="TextBox 12">
+            <a:extLst>
+              <a:ext uri="{FF2B5EF4-FFF2-40B4-BE49-F238E27FC236}">
+                <a16:creationId xmlns:a16="http://schemas.microsoft.com/office/drawing/2014/main" id="{0AA53306-CE1E-4B63-AF0B-73D3E4E96CBB}"/>
+              </a:ext>
+            </a:extLst>
+          </p:cNvPr>
+          <p:cNvSpPr txBox="1"/>
+          <p:nvPr/>
+        </p:nvSpPr>
+        <p:spPr>
+          <a:xfrm>
+            <a:off x="2436985" y="1382751"/>
+            <a:ext cx="2040137" cy="307777"/>
+          </a:xfrm>
+          <a:prstGeom prst="rect">
+            <a:avLst/>
+          </a:prstGeom>
+          <a:noFill/>
+        </p:spPr>
+        <p:txBody>
+          <a:bodyPr wrap="square">
+            <a:spAutoFit/>
+          </a:bodyPr>
+          <a:lstStyle/>
+          <a:p>
+            <a:pPr algn="ctr"/>
+            <a:r>
+              <a:rPr lang="en-US" altLang="ko-KR" sz="1400" dirty="0">
+                <a:solidFill>
+                  <a:srgbClr val="393384"/>
+                </a:solidFill>
+                <a:latin typeface="Gothic A1 Light" pitchFamily="2" charset="-127"/>
+                <a:ea typeface="Gothic A1 Light" pitchFamily="2" charset="-127"/>
+                <a:cs typeface="Gothic A1 Light" pitchFamily="2" charset="-127"/>
+              </a:rPr>
+              <a:t>(Auto ML library)</a:t>
+            </a:r>
+          </a:p>
+        </p:txBody>
+      </p:sp>
       <p:grpSp>
         <p:nvGrpSpPr>
-          <p:cNvPr id="7" name="그룹 6">
-            <a:extLst>
-              <a:ext uri="{FF2B5EF4-FFF2-40B4-BE49-F238E27FC236}">
-                <a16:creationId xmlns:a16="http://schemas.microsoft.com/office/drawing/2014/main" id="{600907DF-F701-4968-AAAF-6D4865BBF032}"/>
+          <p:cNvPr id="10" name="그룹 9">
+            <a:extLst>
+              <a:ext uri="{FF2B5EF4-FFF2-40B4-BE49-F238E27FC236}">
+                <a16:creationId xmlns:a16="http://schemas.microsoft.com/office/drawing/2014/main" id="{C794C50F-A5EE-4690-8491-9A6AD2FA9772}"/>
+              </a:ext>
+            </a:extLst>
+          </p:cNvPr>
+          <p:cNvGrpSpPr/>
+          <p:nvPr/>
+        </p:nvGrpSpPr>
+        <p:grpSpPr>
+          <a:xfrm>
+            <a:off x="2535935" y="2079845"/>
+            <a:ext cx="7120130" cy="3411542"/>
+            <a:chOff x="2559533" y="1988405"/>
+            <a:chExt cx="7120130" cy="3411542"/>
+          </a:xfrm>
+        </p:grpSpPr>
+        <p:pic>
+          <p:nvPicPr>
+            <p:cNvPr id="5" name="그림 4">
+              <a:extLst>
+                <a:ext uri="{FF2B5EF4-FFF2-40B4-BE49-F238E27FC236}">
+                  <a16:creationId xmlns:a16="http://schemas.microsoft.com/office/drawing/2014/main" id="{81582994-9993-487A-B830-830C8287B187}"/>
+                </a:ext>
+              </a:extLst>
+            </p:cNvPr>
+            <p:cNvPicPr>
+              <a:picLocks noChangeAspect="1"/>
+            </p:cNvPicPr>
+            <p:nvPr/>
+          </p:nvPicPr>
+          <p:blipFill>
+            <a:blip r:embed="rId3"/>
+            <a:stretch>
+              <a:fillRect/>
+            </a:stretch>
+          </p:blipFill>
+          <p:spPr>
+            <a:xfrm>
+              <a:off x="2559533" y="1988405"/>
+              <a:ext cx="7120130" cy="3411542"/>
+            </a:xfrm>
+            <a:prstGeom prst="rect">
+              <a:avLst/>
+            </a:prstGeom>
+          </p:spPr>
+        </p:pic>
+        <p:sp>
+          <p:nvSpPr>
+            <p:cNvPr id="6" name="직사각형 5">
+              <a:extLst>
+                <a:ext uri="{FF2B5EF4-FFF2-40B4-BE49-F238E27FC236}">
+                  <a16:creationId xmlns:a16="http://schemas.microsoft.com/office/drawing/2014/main" id="{4F3E7B98-7E81-4566-80C4-0729BF6299FC}"/>
+                </a:ext>
+              </a:extLst>
+            </p:cNvPr>
+            <p:cNvSpPr/>
+            <p:nvPr/>
+          </p:nvSpPr>
+          <p:spPr>
+            <a:xfrm>
+              <a:off x="6464808" y="2548836"/>
+              <a:ext cx="512064" cy="285804"/>
+            </a:xfrm>
+            <a:prstGeom prst="rect">
+              <a:avLst/>
+            </a:prstGeom>
+            <a:noFill/>
+            <a:ln>
+              <a:solidFill>
+                <a:srgbClr val="C00000"/>
+              </a:solidFill>
+            </a:ln>
+          </p:spPr>
+          <p:style>
+            <a:lnRef idx="2">
+              <a:schemeClr val="accent1">
+                <a:shade val="50000"/>
+              </a:schemeClr>
+            </a:lnRef>
+            <a:fillRef idx="1">
+              <a:schemeClr val="accent1"/>
+            </a:fillRef>
+            <a:effectRef idx="0">
+              <a:schemeClr val="accent1"/>
+            </a:effectRef>
+            <a:fontRef idx="minor">
+              <a:schemeClr val="lt1"/>
+            </a:fontRef>
+          </p:style>
+          <p:txBody>
+            <a:bodyPr rtlCol="0" anchor="ctr"/>
+            <a:lstStyle/>
+            <a:p>
+              <a:pPr algn="ctr"/>
+              <a:endParaRPr lang="ko-KR" altLang="en-US"/>
+            </a:p>
+          </p:txBody>
+        </p:sp>
+        <p:sp>
+          <p:nvSpPr>
+            <p:cNvPr id="18" name="직사각형 17">
+              <a:extLst>
+                <a:ext uri="{FF2B5EF4-FFF2-40B4-BE49-F238E27FC236}">
+                  <a16:creationId xmlns:a16="http://schemas.microsoft.com/office/drawing/2014/main" id="{0C9AA138-FA7C-4EB5-B445-756F4B92B473}"/>
+                </a:ext>
+              </a:extLst>
+            </p:cNvPr>
+            <p:cNvSpPr/>
+            <p:nvPr/>
+          </p:nvSpPr>
+          <p:spPr>
+            <a:xfrm>
+              <a:off x="5410200" y="4822644"/>
+              <a:ext cx="512064" cy="285804"/>
+            </a:xfrm>
+            <a:prstGeom prst="rect">
+              <a:avLst/>
+            </a:prstGeom>
+            <a:noFill/>
+            <a:ln>
+              <a:solidFill>
+                <a:srgbClr val="C00000"/>
+              </a:solidFill>
+            </a:ln>
+          </p:spPr>
+          <p:style>
+            <a:lnRef idx="2">
+              <a:schemeClr val="accent1">
+                <a:shade val="50000"/>
+              </a:schemeClr>
+            </a:lnRef>
+            <a:fillRef idx="1">
+              <a:schemeClr val="accent1"/>
+            </a:fillRef>
+            <a:effectRef idx="0">
+              <a:schemeClr val="accent1"/>
+            </a:effectRef>
+            <a:fontRef idx="minor">
+              <a:schemeClr val="lt1"/>
+            </a:fontRef>
+          </p:style>
+          <p:txBody>
+            <a:bodyPr rtlCol="0" anchor="ctr"/>
+            <a:lstStyle/>
+            <a:p>
+              <a:pPr algn="ctr"/>
+              <a:endParaRPr lang="ko-KR" altLang="en-US"/>
+            </a:p>
+          </p:txBody>
+        </p:sp>
+      </p:grpSp>
+      <p:grpSp>
+        <p:nvGrpSpPr>
+          <p:cNvPr id="19" name="그룹 18">
+            <a:extLst>
+              <a:ext uri="{FF2B5EF4-FFF2-40B4-BE49-F238E27FC236}">
+                <a16:creationId xmlns:a16="http://schemas.microsoft.com/office/drawing/2014/main" id="{A7AFF44C-4E0E-4766-B3FB-68DFF268AA39}"/>
               </a:ext>
             </a:extLst>
           </p:cNvPr>
@@ -16591,10 +17340,10 @@
         </p:grpSpPr>
         <p:sp>
           <p:nvSpPr>
-            <p:cNvPr id="8" name="TextBox 7">
+            <p:cNvPr id="20" name="TextBox 19">
               <a:extLst>
                 <a:ext uri="{FF2B5EF4-FFF2-40B4-BE49-F238E27FC236}">
-                  <a16:creationId xmlns:a16="http://schemas.microsoft.com/office/drawing/2014/main" id="{1C9A690B-BA02-43DE-9937-25C14B47EBE9}"/>
+                  <a16:creationId xmlns:a16="http://schemas.microsoft.com/office/drawing/2014/main" id="{AAA64AA6-F61D-4FB4-B3C5-D262D2F89EB5}"/>
                 </a:ext>
               </a:extLst>
             </p:cNvPr>
@@ -16642,10 +17391,10 @@
         </p:sp>
         <p:cxnSp>
           <p:nvCxnSpPr>
-            <p:cNvPr id="9" name="직선 연결선 8">
+            <p:cNvPr id="21" name="직선 연결선 20">
               <a:extLst>
                 <a:ext uri="{FF2B5EF4-FFF2-40B4-BE49-F238E27FC236}">
-                  <a16:creationId xmlns:a16="http://schemas.microsoft.com/office/drawing/2014/main" id="{29BCB543-C340-456B-88E2-BEB8F170AE65}"/>
+                  <a16:creationId xmlns:a16="http://schemas.microsoft.com/office/drawing/2014/main" id="{C58203D9-C38D-49B2-9CA9-6E90B9B8D958}"/>
                 </a:ext>
               </a:extLst>
             </p:cNvPr>
@@ -16684,369 +17433,10 @@
           </p:style>
         </p:cxnSp>
       </p:grpSp>
-      <p:sp>
-        <p:nvSpPr>
-          <p:cNvPr id="15" name="TextBox 14">
-            <a:extLst>
-              <a:ext uri="{FF2B5EF4-FFF2-40B4-BE49-F238E27FC236}">
-                <a16:creationId xmlns:a16="http://schemas.microsoft.com/office/drawing/2014/main" id="{BDAE683A-63E4-43A6-92AF-14DBC169F8AB}"/>
-              </a:ext>
-            </a:extLst>
-          </p:cNvPr>
-          <p:cNvSpPr txBox="1"/>
-          <p:nvPr/>
-        </p:nvSpPr>
-        <p:spPr>
-          <a:xfrm>
-            <a:off x="6362689" y="143383"/>
-            <a:ext cx="5528076" cy="553998"/>
-          </a:xfrm>
-          <a:prstGeom prst="rect">
-            <a:avLst/>
-          </a:prstGeom>
-          <a:noFill/>
-        </p:spPr>
-        <p:txBody>
-          <a:bodyPr wrap="square" rtlCol="0">
-            <a:spAutoFit/>
-          </a:bodyPr>
-          <a:lstStyle/>
-          <a:p>
-            <a:pPr algn="r"/>
-            <a:r>
-              <a:rPr lang="en-US" altLang="ko-KR" sz="1000" dirty="0">
-                <a:solidFill>
-                  <a:schemeClr val="bg1">
-                    <a:lumMod val="65000"/>
-                  </a:schemeClr>
-                </a:solidFill>
-                <a:latin typeface="Gothic A1 Medium" pitchFamily="2" charset="-127"/>
-                <a:ea typeface="Gothic A1 Medium" pitchFamily="2" charset="-127"/>
-                <a:cs typeface="Gothic A1 Medium" pitchFamily="2" charset="-127"/>
-              </a:rPr>
-              <a:t>01. Project Intro | 02. EDA &amp; Processing | </a:t>
-            </a:r>
-            <a:r>
-              <a:rPr lang="en-US" altLang="ko-KR" sz="1000" dirty="0">
-                <a:solidFill>
-                  <a:srgbClr val="2C6CD9"/>
-                </a:solidFill>
-                <a:latin typeface="Gothic A1 Medium" pitchFamily="2" charset="-127"/>
-                <a:ea typeface="Gothic A1 Medium" pitchFamily="2" charset="-127"/>
-                <a:cs typeface="Gothic A1 Medium" pitchFamily="2" charset="-127"/>
-              </a:rPr>
-              <a:t>03. Modeling </a:t>
-            </a:r>
-            <a:r>
-              <a:rPr lang="en-US" altLang="ko-KR" sz="1000" dirty="0">
-                <a:solidFill>
-                  <a:schemeClr val="bg1">
-                    <a:lumMod val="65000"/>
-                  </a:schemeClr>
-                </a:solidFill>
-                <a:latin typeface="Gothic A1 Medium" pitchFamily="2" charset="-127"/>
-                <a:ea typeface="Gothic A1 Medium" pitchFamily="2" charset="-127"/>
-                <a:cs typeface="Gothic A1 Medium" pitchFamily="2" charset="-127"/>
-              </a:rPr>
-              <a:t>| 04. Result &amp; Evaluation</a:t>
-            </a:r>
-            <a:endParaRPr lang="ko-KR" altLang="en-US" sz="1000" dirty="0">
-              <a:solidFill>
-                <a:schemeClr val="bg1">
-                  <a:lumMod val="65000"/>
-                </a:schemeClr>
-              </a:solidFill>
-              <a:latin typeface="Gothic A1 Medium" pitchFamily="2" charset="-127"/>
-              <a:ea typeface="Gothic A1 Medium" pitchFamily="2" charset="-127"/>
-              <a:cs typeface="Gothic A1 Medium" pitchFamily="2" charset="-127"/>
-            </a:endParaRPr>
-          </a:p>
-          <a:p>
-            <a:pPr algn="r"/>
-            <a:endParaRPr lang="ko-KR" altLang="en-US" sz="1000" dirty="0">
-              <a:solidFill>
-                <a:srgbClr val="2864D9"/>
-              </a:solidFill>
-              <a:latin typeface="Gothic A1 Medium" pitchFamily="2" charset="-127"/>
-              <a:ea typeface="Gothic A1 Medium" pitchFamily="2" charset="-127"/>
-              <a:cs typeface="Gothic A1 Medium" pitchFamily="2" charset="-127"/>
-            </a:endParaRPr>
-          </a:p>
-          <a:p>
-            <a:pPr algn="r"/>
-            <a:r>
-              <a:rPr lang="en-US" altLang="ko-KR" sz="1000" dirty="0">
-                <a:solidFill>
-                  <a:srgbClr val="2864D9"/>
-                </a:solidFill>
-                <a:latin typeface="Gothic A1 Medium" pitchFamily="2" charset="-127"/>
-                <a:ea typeface="Gothic A1 Medium" pitchFamily="2" charset="-127"/>
-                <a:cs typeface="Gothic A1 Medium" pitchFamily="2" charset="-127"/>
-              </a:rPr>
-              <a:t> </a:t>
-            </a:r>
-            <a:endParaRPr lang="ko-KR" altLang="en-US" sz="1000" dirty="0">
-              <a:solidFill>
-                <a:srgbClr val="393384"/>
-              </a:solidFill>
-              <a:latin typeface="Gothic A1 Black" pitchFamily="2" charset="-127"/>
-              <a:ea typeface="Gothic A1 Black" pitchFamily="2" charset="-127"/>
-              <a:cs typeface="Gothic A1 Black" pitchFamily="2" charset="-127"/>
-            </a:endParaRPr>
-          </a:p>
-        </p:txBody>
-      </p:sp>
-      <p:sp>
-        <p:nvSpPr>
-          <p:cNvPr id="17" name="TextBox 16">
-            <a:extLst>
-              <a:ext uri="{FF2B5EF4-FFF2-40B4-BE49-F238E27FC236}">
-                <a16:creationId xmlns:a16="http://schemas.microsoft.com/office/drawing/2014/main" id="{B90B98B9-7C46-4A56-AD92-3253DA3C5A36}"/>
-              </a:ext>
-            </a:extLst>
-          </p:cNvPr>
-          <p:cNvSpPr txBox="1"/>
-          <p:nvPr/>
-        </p:nvSpPr>
-        <p:spPr>
-          <a:xfrm>
-            <a:off x="768642" y="809573"/>
-            <a:ext cx="4461279" cy="954107"/>
-          </a:xfrm>
-          <a:prstGeom prst="rect">
-            <a:avLst/>
-          </a:prstGeom>
-          <a:noFill/>
-        </p:spPr>
-        <p:txBody>
-          <a:bodyPr wrap="square" rtlCol="0">
-            <a:spAutoFit/>
-          </a:bodyPr>
-          <a:lstStyle/>
-          <a:p>
-            <a:r>
-              <a:rPr lang="en-US" altLang="ko-KR" sz="2800" dirty="0">
-                <a:solidFill>
-                  <a:srgbClr val="393384"/>
-                </a:solidFill>
-                <a:latin typeface="Gothic A1 Black" pitchFamily="2" charset="-127"/>
-                <a:ea typeface="Gothic A1 Black" pitchFamily="2" charset="-127"/>
-                <a:cs typeface="Gothic A1 Black" pitchFamily="2" charset="-127"/>
-              </a:rPr>
-              <a:t>Model(DL)</a:t>
-            </a:r>
-          </a:p>
-          <a:p>
-            <a:r>
-              <a:rPr lang="en-US" altLang="ko-KR" sz="2800" dirty="0">
-                <a:solidFill>
-                  <a:srgbClr val="393384"/>
-                </a:solidFill>
-                <a:latin typeface="Gothic A1 Black" pitchFamily="2" charset="-127"/>
-                <a:ea typeface="Gothic A1 Black" pitchFamily="2" charset="-127"/>
-                <a:cs typeface="Gothic A1 Black" pitchFamily="2" charset="-127"/>
-              </a:rPr>
-              <a:t>7. ANN</a:t>
-            </a:r>
-            <a:endParaRPr lang="ko-KR" altLang="en-US" sz="2800" dirty="0">
-              <a:solidFill>
-                <a:srgbClr val="393384"/>
-              </a:solidFill>
-              <a:latin typeface="Gothic A1 Black" pitchFamily="2" charset="-127"/>
-              <a:ea typeface="Gothic A1 Black" pitchFamily="2" charset="-127"/>
-              <a:cs typeface="Gothic A1 Black" pitchFamily="2" charset="-127"/>
-            </a:endParaRPr>
-          </a:p>
-        </p:txBody>
-      </p:sp>
-      <p:sp>
-        <p:nvSpPr>
-          <p:cNvPr id="11" name="TextBox 10">
-            <a:extLst>
-              <a:ext uri="{FF2B5EF4-FFF2-40B4-BE49-F238E27FC236}">
-                <a16:creationId xmlns:a16="http://schemas.microsoft.com/office/drawing/2014/main" id="{0CC57814-F347-4CEB-BA13-A171A739956E}"/>
-              </a:ext>
-            </a:extLst>
-          </p:cNvPr>
-          <p:cNvSpPr txBox="1"/>
-          <p:nvPr/>
-        </p:nvSpPr>
-        <p:spPr>
-          <a:xfrm>
-            <a:off x="5941995" y="5041229"/>
-            <a:ext cx="6148606" cy="307777"/>
-          </a:xfrm>
-          <a:prstGeom prst="rect">
-            <a:avLst/>
-          </a:prstGeom>
-          <a:noFill/>
-        </p:spPr>
-        <p:txBody>
-          <a:bodyPr wrap="square">
-            <a:spAutoFit/>
-          </a:bodyPr>
-          <a:lstStyle/>
-          <a:p>
-            <a:r>
-              <a:rPr lang="en-US" altLang="ko-KR" sz="1400" dirty="0">
-                <a:solidFill>
-                  <a:srgbClr val="393384"/>
-                </a:solidFill>
-                <a:latin typeface="Gothic A1 Light" pitchFamily="2" charset="-127"/>
-                <a:ea typeface="Gothic A1 Light" pitchFamily="2" charset="-127"/>
-                <a:cs typeface="Gothic A1 Light" pitchFamily="2" charset="-127"/>
-              </a:rPr>
-              <a:t>Loss Score (0.2792655825614929)</a:t>
-            </a:r>
-            <a:r>
-              <a:rPr lang="ko-KR" altLang="en-US" sz="1400" dirty="0">
-                <a:solidFill>
-                  <a:srgbClr val="393384"/>
-                </a:solidFill>
-                <a:latin typeface="Gothic A1 Light" pitchFamily="2" charset="-127"/>
-                <a:ea typeface="Gothic A1 Light" pitchFamily="2" charset="-127"/>
-                <a:cs typeface="Gothic A1 Light" pitchFamily="2" charset="-127"/>
-              </a:rPr>
-              <a:t>로 가장 낮은 </a:t>
-            </a:r>
-            <a:r>
-              <a:rPr lang="en-US" altLang="ko-KR" sz="1400" dirty="0">
-                <a:solidFill>
-                  <a:srgbClr val="393384"/>
-                </a:solidFill>
-                <a:latin typeface="Gothic A1 Light" pitchFamily="2" charset="-127"/>
-                <a:ea typeface="Gothic A1 Light" pitchFamily="2" charset="-127"/>
-                <a:cs typeface="Gothic A1 Light" pitchFamily="2" charset="-127"/>
-              </a:rPr>
-              <a:t>29 </a:t>
-            </a:r>
-            <a:r>
-              <a:rPr lang="ko-KR" altLang="en-US" sz="1400" dirty="0">
-                <a:solidFill>
-                  <a:srgbClr val="393384"/>
-                </a:solidFill>
-                <a:latin typeface="Gothic A1 Light" pitchFamily="2" charset="-127"/>
-                <a:ea typeface="Gothic A1 Light" pitchFamily="2" charset="-127"/>
-                <a:cs typeface="Gothic A1 Light" pitchFamily="2" charset="-127"/>
-              </a:rPr>
-              <a:t>번째 가중치를 사용</a:t>
-            </a:r>
-            <a:endParaRPr lang="en-US" altLang="ko-KR" sz="1400" dirty="0">
-              <a:solidFill>
-                <a:srgbClr val="393384"/>
-              </a:solidFill>
-              <a:latin typeface="Gothic A1 Light" pitchFamily="2" charset="-127"/>
-              <a:ea typeface="Gothic A1 Light" pitchFamily="2" charset="-127"/>
-              <a:cs typeface="Gothic A1 Light" pitchFamily="2" charset="-127"/>
-            </a:endParaRPr>
-          </a:p>
-        </p:txBody>
-      </p:sp>
-      <p:pic>
-        <p:nvPicPr>
-          <p:cNvPr id="4" name="Picture 3">
-            <a:extLst>
-              <a:ext uri="{FF2B5EF4-FFF2-40B4-BE49-F238E27FC236}">
-                <a16:creationId xmlns:a16="http://schemas.microsoft.com/office/drawing/2014/main" id="{765F7898-8C3F-C39E-2DDF-EAB75784CD9D}"/>
-              </a:ext>
-            </a:extLst>
-          </p:cNvPr>
-          <p:cNvPicPr>
-            <a:picLocks noChangeAspect="1"/>
-          </p:cNvPicPr>
-          <p:nvPr/>
-        </p:nvPicPr>
-        <p:blipFill>
-          <a:blip r:embed="rId3"/>
-          <a:stretch>
-            <a:fillRect/>
-          </a:stretch>
-        </p:blipFill>
-        <p:spPr>
-          <a:xfrm>
-            <a:off x="180608" y="2146492"/>
-            <a:ext cx="4461279" cy="2663591"/>
-          </a:xfrm>
-          <a:prstGeom prst="rect">
-            <a:avLst/>
-          </a:prstGeom>
-        </p:spPr>
-      </p:pic>
-      <p:pic>
-        <p:nvPicPr>
-          <p:cNvPr id="6" name="Picture 5" descr="Diagram&#10;&#10;Description automatically generated">
-            <a:extLst>
-              <a:ext uri="{FF2B5EF4-FFF2-40B4-BE49-F238E27FC236}">
-                <a16:creationId xmlns:a16="http://schemas.microsoft.com/office/drawing/2014/main" id="{972D6EA2-A9EC-D1E3-3C26-BD4D4923FBFD}"/>
-              </a:ext>
-            </a:extLst>
-          </p:cNvPr>
-          <p:cNvPicPr>
-            <a:picLocks noChangeAspect="1"/>
-          </p:cNvPicPr>
-          <p:nvPr/>
-        </p:nvPicPr>
-        <p:blipFill rotWithShape="1">
-          <a:blip r:embed="rId4">
-            <a:extLst>
-              <a:ext uri="{28A0092B-C50C-407E-A947-70E740481C1C}">
-                <a14:useLocalDpi xmlns:a14="http://schemas.microsoft.com/office/drawing/2010/main" val="0"/>
-              </a:ext>
-            </a:extLst>
-          </a:blip>
-          <a:srcRect l="50211" t="70267" r="4819" b="1"/>
-          <a:stretch/>
-        </p:blipFill>
-        <p:spPr>
-          <a:xfrm>
-            <a:off x="0" y="5041229"/>
-            <a:ext cx="3409320" cy="1132650"/>
-          </a:xfrm>
-          <a:prstGeom prst="rect">
-            <a:avLst/>
-          </a:prstGeom>
-        </p:spPr>
-      </p:pic>
-      <p:pic>
-        <p:nvPicPr>
-          <p:cNvPr id="10" name="Picture 9" descr="Chart, line chart, histogram&#10;&#10;Description automatically generated">
-            <a:extLst>
-              <a:ext uri="{FF2B5EF4-FFF2-40B4-BE49-F238E27FC236}">
-                <a16:creationId xmlns:a16="http://schemas.microsoft.com/office/drawing/2014/main" id="{4ADF0B26-A77B-2ABE-B9B3-317C445C31A2}"/>
-              </a:ext>
-            </a:extLst>
-          </p:cNvPr>
-          <p:cNvPicPr>
-            <a:picLocks noChangeAspect="1"/>
-          </p:cNvPicPr>
-          <p:nvPr/>
-        </p:nvPicPr>
-        <p:blipFill>
-          <a:blip r:embed="rId5">
-            <a:extLst>
-              <a:ext uri="{28A0092B-C50C-407E-A947-70E740481C1C}">
-                <a14:useLocalDpi xmlns:a14="http://schemas.microsoft.com/office/drawing/2010/main" val="0"/>
-              </a:ext>
-            </a:extLst>
-          </a:blip>
-          <a:stretch>
-            <a:fillRect/>
-          </a:stretch>
-        </p:blipFill>
-        <p:spPr>
-          <a:xfrm>
-            <a:off x="5154322" y="1147676"/>
-            <a:ext cx="6663249" cy="3701806"/>
-          </a:xfrm>
-          <a:prstGeom prst="rect">
-            <a:avLst/>
-          </a:prstGeom>
-        </p:spPr>
-      </p:pic>
     </p:spTree>
     <p:extLst>
       <p:ext uri="{BB962C8B-B14F-4D97-AF65-F5344CB8AC3E}">
-        <p14:creationId xmlns:p14="http://schemas.microsoft.com/office/powerpoint/2010/main" val="2883074217"/>
+        <p14:creationId xmlns:p14="http://schemas.microsoft.com/office/powerpoint/2010/main" val="1502149632"/>
       </p:ext>
     </p:extLst>
   </p:cSld>
@@ -17118,12 +17508,371 @@
           </a:fontRef>
         </p:style>
       </p:cxnSp>
+      <p:sp>
+        <p:nvSpPr>
+          <p:cNvPr id="15" name="TextBox 14">
+            <a:extLst>
+              <a:ext uri="{FF2B5EF4-FFF2-40B4-BE49-F238E27FC236}">
+                <a16:creationId xmlns:a16="http://schemas.microsoft.com/office/drawing/2014/main" id="{BDAE683A-63E4-43A6-92AF-14DBC169F8AB}"/>
+              </a:ext>
+            </a:extLst>
+          </p:cNvPr>
+          <p:cNvSpPr txBox="1"/>
+          <p:nvPr/>
+        </p:nvSpPr>
+        <p:spPr>
+          <a:xfrm>
+            <a:off x="6362689" y="143383"/>
+            <a:ext cx="5528076" cy="553998"/>
+          </a:xfrm>
+          <a:prstGeom prst="rect">
+            <a:avLst/>
+          </a:prstGeom>
+          <a:noFill/>
+        </p:spPr>
+        <p:txBody>
+          <a:bodyPr wrap="square" rtlCol="0">
+            <a:spAutoFit/>
+          </a:bodyPr>
+          <a:lstStyle/>
+          <a:p>
+            <a:pPr algn="r"/>
+            <a:r>
+              <a:rPr lang="en-US" altLang="ko-KR" sz="1000" dirty="0">
+                <a:solidFill>
+                  <a:schemeClr val="bg1">
+                    <a:lumMod val="65000"/>
+                  </a:schemeClr>
+                </a:solidFill>
+                <a:latin typeface="Gothic A1 Medium" pitchFamily="2" charset="-127"/>
+                <a:ea typeface="Gothic A1 Medium" pitchFamily="2" charset="-127"/>
+                <a:cs typeface="Gothic A1 Medium" pitchFamily="2" charset="-127"/>
+              </a:rPr>
+              <a:t>01. Project Intro | 02. EDA &amp; Processing | </a:t>
+            </a:r>
+            <a:r>
+              <a:rPr lang="en-US" altLang="ko-KR" sz="1000" dirty="0">
+                <a:solidFill>
+                  <a:srgbClr val="2C6CD9"/>
+                </a:solidFill>
+                <a:latin typeface="Gothic A1 Medium" pitchFamily="2" charset="-127"/>
+                <a:ea typeface="Gothic A1 Medium" pitchFamily="2" charset="-127"/>
+                <a:cs typeface="Gothic A1 Medium" pitchFamily="2" charset="-127"/>
+              </a:rPr>
+              <a:t>03. Modeling </a:t>
+            </a:r>
+            <a:r>
+              <a:rPr lang="en-US" altLang="ko-KR" sz="1000" dirty="0">
+                <a:solidFill>
+                  <a:schemeClr val="bg1">
+                    <a:lumMod val="65000"/>
+                  </a:schemeClr>
+                </a:solidFill>
+                <a:latin typeface="Gothic A1 Medium" pitchFamily="2" charset="-127"/>
+                <a:ea typeface="Gothic A1 Medium" pitchFamily="2" charset="-127"/>
+                <a:cs typeface="Gothic A1 Medium" pitchFamily="2" charset="-127"/>
+              </a:rPr>
+              <a:t>| 04. Result &amp; Evaluation</a:t>
+            </a:r>
+            <a:endParaRPr lang="ko-KR" altLang="en-US" sz="1000" dirty="0">
+              <a:solidFill>
+                <a:schemeClr val="bg1">
+                  <a:lumMod val="65000"/>
+                </a:schemeClr>
+              </a:solidFill>
+              <a:latin typeface="Gothic A1 Medium" pitchFamily="2" charset="-127"/>
+              <a:ea typeface="Gothic A1 Medium" pitchFamily="2" charset="-127"/>
+              <a:cs typeface="Gothic A1 Medium" pitchFamily="2" charset="-127"/>
+            </a:endParaRPr>
+          </a:p>
+          <a:p>
+            <a:pPr algn="r"/>
+            <a:endParaRPr lang="ko-KR" altLang="en-US" sz="1000" dirty="0">
+              <a:solidFill>
+                <a:srgbClr val="2864D9"/>
+              </a:solidFill>
+              <a:latin typeface="Gothic A1 Medium" pitchFamily="2" charset="-127"/>
+              <a:ea typeface="Gothic A1 Medium" pitchFamily="2" charset="-127"/>
+              <a:cs typeface="Gothic A1 Medium" pitchFamily="2" charset="-127"/>
+            </a:endParaRPr>
+          </a:p>
+          <a:p>
+            <a:pPr algn="r"/>
+            <a:r>
+              <a:rPr lang="en-US" altLang="ko-KR" sz="1000" dirty="0">
+                <a:solidFill>
+                  <a:srgbClr val="2864D9"/>
+                </a:solidFill>
+                <a:latin typeface="Gothic A1 Medium" pitchFamily="2" charset="-127"/>
+                <a:ea typeface="Gothic A1 Medium" pitchFamily="2" charset="-127"/>
+                <a:cs typeface="Gothic A1 Medium" pitchFamily="2" charset="-127"/>
+              </a:rPr>
+              <a:t> </a:t>
+            </a:r>
+            <a:endParaRPr lang="ko-KR" altLang="en-US" sz="1000" dirty="0">
+              <a:solidFill>
+                <a:srgbClr val="393384"/>
+              </a:solidFill>
+              <a:latin typeface="Gothic A1 Black" pitchFamily="2" charset="-127"/>
+              <a:ea typeface="Gothic A1 Black" pitchFamily="2" charset="-127"/>
+              <a:cs typeface="Gothic A1 Black" pitchFamily="2" charset="-127"/>
+            </a:endParaRPr>
+          </a:p>
+        </p:txBody>
+      </p:sp>
+      <p:sp>
+        <p:nvSpPr>
+          <p:cNvPr id="17" name="TextBox 16">
+            <a:extLst>
+              <a:ext uri="{FF2B5EF4-FFF2-40B4-BE49-F238E27FC236}">
+                <a16:creationId xmlns:a16="http://schemas.microsoft.com/office/drawing/2014/main" id="{B90B98B9-7C46-4A56-AD92-3253DA3C5A36}"/>
+              </a:ext>
+            </a:extLst>
+          </p:cNvPr>
+          <p:cNvSpPr txBox="1"/>
+          <p:nvPr/>
+        </p:nvSpPr>
+        <p:spPr>
+          <a:xfrm>
+            <a:off x="768642" y="809573"/>
+            <a:ext cx="4461279" cy="954107"/>
+          </a:xfrm>
+          <a:prstGeom prst="rect">
+            <a:avLst/>
+          </a:prstGeom>
+          <a:noFill/>
+        </p:spPr>
+        <p:txBody>
+          <a:bodyPr wrap="square" rtlCol="0">
+            <a:spAutoFit/>
+          </a:bodyPr>
+          <a:lstStyle/>
+          <a:p>
+            <a:r>
+              <a:rPr lang="en-US" altLang="ko-KR" sz="2800" dirty="0">
+                <a:solidFill>
+                  <a:srgbClr val="393384"/>
+                </a:solidFill>
+                <a:latin typeface="Gothic A1 Black" pitchFamily="2" charset="-127"/>
+                <a:ea typeface="Gothic A1 Black" pitchFamily="2" charset="-127"/>
+                <a:cs typeface="Gothic A1 Black" pitchFamily="2" charset="-127"/>
+              </a:rPr>
+              <a:t>Model(DL)</a:t>
+            </a:r>
+          </a:p>
+          <a:p>
+            <a:r>
+              <a:rPr lang="en-US" altLang="ko-KR" sz="2800" dirty="0">
+                <a:solidFill>
+                  <a:srgbClr val="393384"/>
+                </a:solidFill>
+                <a:latin typeface="Gothic A1 Black" pitchFamily="2" charset="-127"/>
+                <a:ea typeface="Gothic A1 Black" pitchFamily="2" charset="-127"/>
+                <a:cs typeface="Gothic A1 Black" pitchFamily="2" charset="-127"/>
+              </a:rPr>
+              <a:t>8. ANN</a:t>
+            </a:r>
+            <a:endParaRPr lang="ko-KR" altLang="en-US" sz="2800" dirty="0">
+              <a:solidFill>
+                <a:srgbClr val="393384"/>
+              </a:solidFill>
+              <a:latin typeface="Gothic A1 Black" pitchFamily="2" charset="-127"/>
+              <a:ea typeface="Gothic A1 Black" pitchFamily="2" charset="-127"/>
+              <a:cs typeface="Gothic A1 Black" pitchFamily="2" charset="-127"/>
+            </a:endParaRPr>
+          </a:p>
+        </p:txBody>
+      </p:sp>
+      <p:sp>
+        <p:nvSpPr>
+          <p:cNvPr id="11" name="TextBox 10">
+            <a:extLst>
+              <a:ext uri="{FF2B5EF4-FFF2-40B4-BE49-F238E27FC236}">
+                <a16:creationId xmlns:a16="http://schemas.microsoft.com/office/drawing/2014/main" id="{0CC57814-F347-4CEB-BA13-A171A739956E}"/>
+              </a:ext>
+            </a:extLst>
+          </p:cNvPr>
+          <p:cNvSpPr txBox="1"/>
+          <p:nvPr/>
+        </p:nvSpPr>
+        <p:spPr>
+          <a:xfrm>
+            <a:off x="5941995" y="5041229"/>
+            <a:ext cx="6148606" cy="307777"/>
+          </a:xfrm>
+          <a:prstGeom prst="rect">
+            <a:avLst/>
+          </a:prstGeom>
+          <a:noFill/>
+        </p:spPr>
+        <p:txBody>
+          <a:bodyPr wrap="square">
+            <a:spAutoFit/>
+          </a:bodyPr>
+          <a:lstStyle/>
+          <a:p>
+            <a:r>
+              <a:rPr lang="en-US" altLang="ko-KR" sz="1400" dirty="0">
+                <a:solidFill>
+                  <a:srgbClr val="393384"/>
+                </a:solidFill>
+                <a:latin typeface="Gothic A1 Light" pitchFamily="2" charset="-127"/>
+                <a:ea typeface="Gothic A1 Light" pitchFamily="2" charset="-127"/>
+                <a:cs typeface="Gothic A1 Light" pitchFamily="2" charset="-127"/>
+              </a:rPr>
+              <a:t>Loss Score (0.2792655825614929)</a:t>
+            </a:r>
+            <a:r>
+              <a:rPr lang="ko-KR" altLang="en-US" sz="1400" dirty="0">
+                <a:solidFill>
+                  <a:srgbClr val="393384"/>
+                </a:solidFill>
+                <a:latin typeface="Gothic A1 Light" pitchFamily="2" charset="-127"/>
+                <a:ea typeface="Gothic A1 Light" pitchFamily="2" charset="-127"/>
+                <a:cs typeface="Gothic A1 Light" pitchFamily="2" charset="-127"/>
+              </a:rPr>
+              <a:t>로 가장 낮은 </a:t>
+            </a:r>
+            <a:r>
+              <a:rPr lang="en-US" altLang="ko-KR" sz="1400" dirty="0">
+                <a:solidFill>
+                  <a:srgbClr val="393384"/>
+                </a:solidFill>
+                <a:latin typeface="Gothic A1 Light" pitchFamily="2" charset="-127"/>
+                <a:ea typeface="Gothic A1 Light" pitchFamily="2" charset="-127"/>
+                <a:cs typeface="Gothic A1 Light" pitchFamily="2" charset="-127"/>
+              </a:rPr>
+              <a:t>29 </a:t>
+            </a:r>
+            <a:r>
+              <a:rPr lang="ko-KR" altLang="en-US" sz="1400" dirty="0">
+                <a:solidFill>
+                  <a:srgbClr val="393384"/>
+                </a:solidFill>
+                <a:latin typeface="Gothic A1 Light" pitchFamily="2" charset="-127"/>
+                <a:ea typeface="Gothic A1 Light" pitchFamily="2" charset="-127"/>
+                <a:cs typeface="Gothic A1 Light" pitchFamily="2" charset="-127"/>
+              </a:rPr>
+              <a:t>번째 가중치를 사용</a:t>
+            </a:r>
+            <a:endParaRPr lang="en-US" altLang="ko-KR" sz="1400" dirty="0">
+              <a:solidFill>
+                <a:srgbClr val="393384"/>
+              </a:solidFill>
+              <a:latin typeface="Gothic A1 Light" pitchFamily="2" charset="-127"/>
+              <a:ea typeface="Gothic A1 Light" pitchFamily="2" charset="-127"/>
+              <a:cs typeface="Gothic A1 Light" pitchFamily="2" charset="-127"/>
+            </a:endParaRPr>
+          </a:p>
+        </p:txBody>
+      </p:sp>
+      <p:pic>
+        <p:nvPicPr>
+          <p:cNvPr id="4" name="Picture 3">
+            <a:extLst>
+              <a:ext uri="{FF2B5EF4-FFF2-40B4-BE49-F238E27FC236}">
+                <a16:creationId xmlns:a16="http://schemas.microsoft.com/office/drawing/2014/main" id="{765F7898-8C3F-C39E-2DDF-EAB75784CD9D}"/>
+              </a:ext>
+            </a:extLst>
+          </p:cNvPr>
+          <p:cNvPicPr>
+            <a:picLocks noChangeAspect="1"/>
+          </p:cNvPicPr>
+          <p:nvPr/>
+        </p:nvPicPr>
+        <p:blipFill>
+          <a:blip r:embed="rId3"/>
+          <a:stretch>
+            <a:fillRect/>
+          </a:stretch>
+        </p:blipFill>
+        <p:spPr>
+          <a:xfrm>
+            <a:off x="144032" y="2185891"/>
+            <a:ext cx="4461279" cy="2663591"/>
+          </a:xfrm>
+          <a:prstGeom prst="rect">
+            <a:avLst/>
+          </a:prstGeom>
+        </p:spPr>
+      </p:pic>
+      <p:pic>
+        <p:nvPicPr>
+          <p:cNvPr id="6" name="Picture 5" descr="Diagram&#10;&#10;Description automatically generated">
+            <a:extLst>
+              <a:ext uri="{FF2B5EF4-FFF2-40B4-BE49-F238E27FC236}">
+                <a16:creationId xmlns:a16="http://schemas.microsoft.com/office/drawing/2014/main" id="{972D6EA2-A9EC-D1E3-3C26-BD4D4923FBFD}"/>
+              </a:ext>
+            </a:extLst>
+          </p:cNvPr>
+          <p:cNvPicPr>
+            <a:picLocks noChangeAspect="1"/>
+          </p:cNvPicPr>
+          <p:nvPr/>
+        </p:nvPicPr>
+        <p:blipFill rotWithShape="1">
+          <a:blip r:embed="rId4">
+            <a:extLst>
+              <a:ext uri="{28A0092B-C50C-407E-A947-70E740481C1C}">
+                <a14:useLocalDpi xmlns:a14="http://schemas.microsoft.com/office/drawing/2010/main" val="0"/>
+              </a:ext>
+            </a:extLst>
+          </a:blip>
+          <a:srcRect l="50211" t="70267" r="4819" b="1"/>
+          <a:stretch/>
+        </p:blipFill>
+        <p:spPr>
+          <a:xfrm>
+            <a:off x="0" y="5192895"/>
+            <a:ext cx="3409320" cy="1132650"/>
+          </a:xfrm>
+          <a:prstGeom prst="rect">
+            <a:avLst/>
+          </a:prstGeom>
+        </p:spPr>
+      </p:pic>
+      <p:pic>
+        <p:nvPicPr>
+          <p:cNvPr id="10" name="Picture 9" descr="Chart, line chart, histogram&#10;&#10;Description automatically generated">
+            <a:extLst>
+              <a:ext uri="{FF2B5EF4-FFF2-40B4-BE49-F238E27FC236}">
+                <a16:creationId xmlns:a16="http://schemas.microsoft.com/office/drawing/2014/main" id="{4ADF0B26-A77B-2ABE-B9B3-317C445C31A2}"/>
+              </a:ext>
+            </a:extLst>
+          </p:cNvPr>
+          <p:cNvPicPr>
+            <a:picLocks noChangeAspect="1"/>
+          </p:cNvPicPr>
+          <p:nvPr/>
+        </p:nvPicPr>
+        <p:blipFill>
+          <a:blip r:embed="rId5">
+            <a:extLst>
+              <a:ext uri="{28A0092B-C50C-407E-A947-70E740481C1C}">
+                <a14:useLocalDpi xmlns:a14="http://schemas.microsoft.com/office/drawing/2010/main" val="0"/>
+              </a:ext>
+            </a:extLst>
+          </a:blip>
+          <a:stretch>
+            <a:fillRect/>
+          </a:stretch>
+        </p:blipFill>
+        <p:spPr>
+          <a:xfrm>
+            <a:off x="5154322" y="1147676"/>
+            <a:ext cx="6663249" cy="3701806"/>
+          </a:xfrm>
+          <a:prstGeom prst="rect">
+            <a:avLst/>
+          </a:prstGeom>
+        </p:spPr>
+      </p:pic>
       <p:grpSp>
         <p:nvGrpSpPr>
-          <p:cNvPr id="7" name="그룹 6">
-            <a:extLst>
-              <a:ext uri="{FF2B5EF4-FFF2-40B4-BE49-F238E27FC236}">
-                <a16:creationId xmlns:a16="http://schemas.microsoft.com/office/drawing/2014/main" id="{600907DF-F701-4968-AAAF-6D4865BBF032}"/>
+          <p:cNvPr id="12" name="그룹 11">
+            <a:extLst>
+              <a:ext uri="{FF2B5EF4-FFF2-40B4-BE49-F238E27FC236}">
+                <a16:creationId xmlns:a16="http://schemas.microsoft.com/office/drawing/2014/main" id="{415BB9CD-CD65-412F-B18E-968AEC44282F}"/>
               </a:ext>
             </a:extLst>
           </p:cNvPr>
@@ -17140,10 +17889,10 @@
         </p:grpSpPr>
         <p:sp>
           <p:nvSpPr>
-            <p:cNvPr id="8" name="TextBox 7">
+            <p:cNvPr id="13" name="TextBox 12">
               <a:extLst>
                 <a:ext uri="{FF2B5EF4-FFF2-40B4-BE49-F238E27FC236}">
-                  <a16:creationId xmlns:a16="http://schemas.microsoft.com/office/drawing/2014/main" id="{1C9A690B-BA02-43DE-9937-25C14B47EBE9}"/>
+                  <a16:creationId xmlns:a16="http://schemas.microsoft.com/office/drawing/2014/main" id="{DD007D58-5385-4DDD-A86A-F79552288914}"/>
                 </a:ext>
               </a:extLst>
             </p:cNvPr>
@@ -17191,10 +17940,10 @@
         </p:sp>
         <p:cxnSp>
           <p:nvCxnSpPr>
-            <p:cNvPr id="9" name="직선 연결선 8">
+            <p:cNvPr id="14" name="직선 연결선 13">
               <a:extLst>
                 <a:ext uri="{FF2B5EF4-FFF2-40B4-BE49-F238E27FC236}">
-                  <a16:creationId xmlns:a16="http://schemas.microsoft.com/office/drawing/2014/main" id="{29BCB543-C340-456B-88E2-BEB8F170AE65}"/>
+                  <a16:creationId xmlns:a16="http://schemas.microsoft.com/office/drawing/2014/main" id="{6306CE90-D48A-465B-8EEF-FA2E4C3B8798}"/>
                 </a:ext>
               </a:extLst>
             </p:cNvPr>
@@ -17233,6 +17982,81 @@
           </p:style>
         </p:cxnSp>
       </p:grpSp>
+    </p:spTree>
+    <p:extLst>
+      <p:ext uri="{BB962C8B-B14F-4D97-AF65-F5344CB8AC3E}">
+        <p14:creationId xmlns:p14="http://schemas.microsoft.com/office/powerpoint/2010/main" val="2883074217"/>
+      </p:ext>
+    </p:extLst>
+  </p:cSld>
+  <p:clrMapOvr>
+    <a:masterClrMapping/>
+  </p:clrMapOvr>
+</p:sld>
+</file>
+
+<file path=ppt/slides/slide23.xml><?xml version="1.0" encoding="utf-8"?>
+<p:sld xmlns:a="http://schemas.openxmlformats.org/drawingml/2006/main" xmlns:r="http://schemas.openxmlformats.org/officeDocument/2006/relationships" xmlns:p="http://schemas.openxmlformats.org/presentationml/2006/main">
+  <p:cSld>
+    <p:spTree>
+      <p:nvGrpSpPr>
+        <p:cNvPr id="1" name=""/>
+        <p:cNvGrpSpPr/>
+        <p:nvPr/>
+      </p:nvGrpSpPr>
+      <p:grpSpPr>
+        <a:xfrm>
+          <a:off x="0" y="0"/>
+          <a:ext cx="0" cy="0"/>
+          <a:chOff x="0" y="0"/>
+          <a:chExt cx="0" cy="0"/>
+        </a:xfrm>
+      </p:grpSpPr>
+      <p:cxnSp>
+        <p:nvCxnSpPr>
+          <p:cNvPr id="45" name="직선 연결선 44">
+            <a:extLst>
+              <a:ext uri="{FF2B5EF4-FFF2-40B4-BE49-F238E27FC236}">
+                <a16:creationId xmlns:a16="http://schemas.microsoft.com/office/drawing/2014/main" id="{49F285C2-F23F-48FC-BD92-C42466B970AA}"/>
+              </a:ext>
+            </a:extLst>
+          </p:cNvPr>
+          <p:cNvCxnSpPr>
+            <a:cxnSpLocks/>
+          </p:cNvCxnSpPr>
+          <p:nvPr/>
+        </p:nvCxnSpPr>
+        <p:spPr>
+          <a:xfrm>
+            <a:off x="409903" y="420413"/>
+            <a:ext cx="11419391" cy="0"/>
+          </a:xfrm>
+          <a:prstGeom prst="line">
+            <a:avLst/>
+          </a:prstGeom>
+          <a:ln>
+            <a:solidFill>
+              <a:schemeClr val="bg1">
+                <a:lumMod val="85000"/>
+              </a:schemeClr>
+            </a:solidFill>
+          </a:ln>
+        </p:spPr>
+        <p:style>
+          <a:lnRef idx="1">
+            <a:schemeClr val="accent1"/>
+          </a:lnRef>
+          <a:fillRef idx="0">
+            <a:schemeClr val="accent1"/>
+          </a:fillRef>
+          <a:effectRef idx="0">
+            <a:schemeClr val="accent1"/>
+          </a:effectRef>
+          <a:fontRef idx="minor">
+            <a:schemeClr val="tx1"/>
+          </a:fontRef>
+        </p:style>
+      </p:cxnSp>
       <p:sp>
         <p:nvSpPr>
           <p:cNvPr id="15" name="TextBox 14">
@@ -17634,6 +18458,121 @@
           </a:prstGeom>
         </p:spPr>
       </p:pic>
+      <p:grpSp>
+        <p:nvGrpSpPr>
+          <p:cNvPr id="16" name="그룹 15">
+            <a:extLst>
+              <a:ext uri="{FF2B5EF4-FFF2-40B4-BE49-F238E27FC236}">
+                <a16:creationId xmlns:a16="http://schemas.microsoft.com/office/drawing/2014/main" id="{5DB2F47C-D01E-4937-92B0-A60C02716F65}"/>
+              </a:ext>
+            </a:extLst>
+          </p:cNvPr>
+          <p:cNvGrpSpPr/>
+          <p:nvPr/>
+        </p:nvGrpSpPr>
+        <p:grpSpPr>
+          <a:xfrm>
+            <a:off x="11547488" y="6377470"/>
+            <a:ext cx="332126" cy="230832"/>
+            <a:chOff x="11393854" y="6459358"/>
+            <a:chExt cx="332126" cy="230832"/>
+          </a:xfrm>
+        </p:grpSpPr>
+        <p:sp>
+          <p:nvSpPr>
+            <p:cNvPr id="18" name="TextBox 17">
+              <a:extLst>
+                <a:ext uri="{FF2B5EF4-FFF2-40B4-BE49-F238E27FC236}">
+                  <a16:creationId xmlns:a16="http://schemas.microsoft.com/office/drawing/2014/main" id="{B1403A49-58F5-4CD3-9F9A-320CE9675FE9}"/>
+                </a:ext>
+              </a:extLst>
+            </p:cNvPr>
+            <p:cNvSpPr txBox="1"/>
+            <p:nvPr/>
+          </p:nvSpPr>
+          <p:spPr>
+            <a:xfrm>
+              <a:off x="11393854" y="6459358"/>
+              <a:ext cx="332126" cy="230832"/>
+            </a:xfrm>
+            <a:prstGeom prst="rect">
+              <a:avLst/>
+            </a:prstGeom>
+            <a:noFill/>
+          </p:spPr>
+          <p:txBody>
+            <a:bodyPr wrap="square" rtlCol="0">
+              <a:spAutoFit/>
+            </a:bodyPr>
+            <a:lstStyle/>
+            <a:p>
+              <a:pPr algn="r"/>
+              <a:r>
+                <a:rPr lang="en-US" altLang="ko-KR" sz="900" dirty="0">
+                  <a:solidFill>
+                    <a:srgbClr val="2864D9"/>
+                  </a:solidFill>
+                  <a:latin typeface="Gothic A1 Medium" pitchFamily="2" charset="-127"/>
+                  <a:ea typeface="Gothic A1 Medium" pitchFamily="2" charset="-127"/>
+                  <a:cs typeface="Gothic A1 Medium" pitchFamily="2" charset="-127"/>
+                </a:rPr>
+                <a:t>23</a:t>
+              </a:r>
+              <a:endParaRPr lang="ko-KR" altLang="en-US" sz="900" dirty="0">
+                <a:solidFill>
+                  <a:srgbClr val="2864D9"/>
+                </a:solidFill>
+                <a:latin typeface="Gothic A1 Medium" pitchFamily="2" charset="-127"/>
+                <a:ea typeface="Gothic A1 Medium" pitchFamily="2" charset="-127"/>
+                <a:cs typeface="Gothic A1 Medium" pitchFamily="2" charset="-127"/>
+              </a:endParaRPr>
+            </a:p>
+          </p:txBody>
+        </p:sp>
+        <p:cxnSp>
+          <p:nvCxnSpPr>
+            <p:cNvPr id="19" name="직선 연결선 18">
+              <a:extLst>
+                <a:ext uri="{FF2B5EF4-FFF2-40B4-BE49-F238E27FC236}">
+                  <a16:creationId xmlns:a16="http://schemas.microsoft.com/office/drawing/2014/main" id="{59FE7C97-3E44-47E6-B659-AA0E9395888C}"/>
+                </a:ext>
+              </a:extLst>
+            </p:cNvPr>
+            <p:cNvCxnSpPr>
+              <a:cxnSpLocks/>
+            </p:cNvCxnSpPr>
+            <p:nvPr/>
+          </p:nvCxnSpPr>
+          <p:spPr>
+            <a:xfrm>
+              <a:off x="11458912" y="6651477"/>
+              <a:ext cx="205025" cy="0"/>
+            </a:xfrm>
+            <a:prstGeom prst="line">
+              <a:avLst/>
+            </a:prstGeom>
+            <a:ln w="3175">
+              <a:solidFill>
+                <a:srgbClr val="2864D9"/>
+              </a:solidFill>
+            </a:ln>
+          </p:spPr>
+          <p:style>
+            <a:lnRef idx="1">
+              <a:schemeClr val="accent1"/>
+            </a:lnRef>
+            <a:fillRef idx="0">
+              <a:schemeClr val="accent1"/>
+            </a:fillRef>
+            <a:effectRef idx="0">
+              <a:schemeClr val="accent1"/>
+            </a:effectRef>
+            <a:fontRef idx="minor">
+              <a:schemeClr val="tx1"/>
+            </a:fontRef>
+          </p:style>
+        </p:cxnSp>
+      </p:grpSp>
     </p:spTree>
     <p:extLst>
       <p:ext uri="{BB962C8B-B14F-4D97-AF65-F5344CB8AC3E}">
@@ -17647,7 +18586,7 @@
 </p:sld>
 </file>
 
-<file path=ppt/slides/slide23.xml><?xml version="1.0" encoding="utf-8"?>
+<file path=ppt/slides/slide24.xml><?xml version="1.0" encoding="utf-8"?>
 <p:sld xmlns:a="http://schemas.openxmlformats.org/drawingml/2006/main" xmlns:r="http://schemas.openxmlformats.org/officeDocument/2006/relationships" xmlns:p="http://schemas.openxmlformats.org/presentationml/2006/main">
   <p:cSld>
     <p:spTree>
@@ -17760,12 +18699,737 @@
           </a:fontRef>
         </p:style>
       </p:cxnSp>
+      <p:sp>
+        <p:nvSpPr>
+          <p:cNvPr id="15" name="TextBox 14">
+            <a:extLst>
+              <a:ext uri="{FF2B5EF4-FFF2-40B4-BE49-F238E27FC236}">
+                <a16:creationId xmlns:a16="http://schemas.microsoft.com/office/drawing/2014/main" id="{BDAE683A-63E4-43A6-92AF-14DBC169F8AB}"/>
+              </a:ext>
+            </a:extLst>
+          </p:cNvPr>
+          <p:cNvSpPr txBox="1"/>
+          <p:nvPr/>
+        </p:nvSpPr>
+        <p:spPr>
+          <a:xfrm>
+            <a:off x="6362689" y="143383"/>
+            <a:ext cx="5528076" cy="553998"/>
+          </a:xfrm>
+          <a:prstGeom prst="rect">
+            <a:avLst/>
+          </a:prstGeom>
+          <a:noFill/>
+        </p:spPr>
+        <p:txBody>
+          <a:bodyPr wrap="square" rtlCol="0">
+            <a:spAutoFit/>
+          </a:bodyPr>
+          <a:lstStyle/>
+          <a:p>
+            <a:pPr algn="r"/>
+            <a:r>
+              <a:rPr lang="en-US" altLang="ko-KR" sz="1000" dirty="0">
+                <a:solidFill>
+                  <a:schemeClr val="bg1">
+                    <a:lumMod val="65000"/>
+                  </a:schemeClr>
+                </a:solidFill>
+                <a:latin typeface="Gothic A1 Medium" pitchFamily="2" charset="-127"/>
+                <a:ea typeface="Gothic A1 Medium" pitchFamily="2" charset="-127"/>
+                <a:cs typeface="Gothic A1 Medium" pitchFamily="2" charset="-127"/>
+              </a:rPr>
+              <a:t>01. Project Intro | 02. EDA &amp; Processing | </a:t>
+            </a:r>
+            <a:r>
+              <a:rPr lang="en-US" altLang="ko-KR" sz="1000" dirty="0">
+                <a:solidFill>
+                  <a:schemeClr val="bg2">
+                    <a:lumMod val="75000"/>
+                  </a:schemeClr>
+                </a:solidFill>
+                <a:latin typeface="Gothic A1 Medium" pitchFamily="2" charset="-127"/>
+                <a:ea typeface="Gothic A1 Medium" pitchFamily="2" charset="-127"/>
+                <a:cs typeface="Gothic A1 Medium" pitchFamily="2" charset="-127"/>
+              </a:rPr>
+              <a:t>03. Modeling </a:t>
+            </a:r>
+            <a:r>
+              <a:rPr lang="en-US" altLang="ko-KR" sz="1000" dirty="0">
+                <a:solidFill>
+                  <a:schemeClr val="bg1">
+                    <a:lumMod val="65000"/>
+                  </a:schemeClr>
+                </a:solidFill>
+                <a:latin typeface="Gothic A1 Medium" pitchFamily="2" charset="-127"/>
+                <a:ea typeface="Gothic A1 Medium" pitchFamily="2" charset="-127"/>
+                <a:cs typeface="Gothic A1 Medium" pitchFamily="2" charset="-127"/>
+              </a:rPr>
+              <a:t>| </a:t>
+            </a:r>
+            <a:r>
+              <a:rPr lang="en-US" altLang="ko-KR" sz="1000" dirty="0">
+                <a:solidFill>
+                  <a:srgbClr val="2C6CD9"/>
+                </a:solidFill>
+                <a:latin typeface="Gothic A1 Medium" pitchFamily="2" charset="-127"/>
+                <a:ea typeface="Gothic A1 Medium" pitchFamily="2" charset="-127"/>
+                <a:cs typeface="Gothic A1 Medium" pitchFamily="2" charset="-127"/>
+              </a:rPr>
+              <a:t>04. Result &amp; Evaluation</a:t>
+            </a:r>
+            <a:endParaRPr lang="ko-KR" altLang="en-US" sz="1000" dirty="0">
+              <a:solidFill>
+                <a:srgbClr val="2C6CD9"/>
+              </a:solidFill>
+              <a:latin typeface="Gothic A1 Medium" pitchFamily="2" charset="-127"/>
+              <a:ea typeface="Gothic A1 Medium" pitchFamily="2" charset="-127"/>
+              <a:cs typeface="Gothic A1 Medium" pitchFamily="2" charset="-127"/>
+            </a:endParaRPr>
+          </a:p>
+          <a:p>
+            <a:pPr algn="r"/>
+            <a:endParaRPr lang="ko-KR" altLang="en-US" sz="1000" dirty="0">
+              <a:solidFill>
+                <a:srgbClr val="2C6CD9"/>
+              </a:solidFill>
+              <a:latin typeface="Gothic A1 Medium" pitchFamily="2" charset="-127"/>
+              <a:ea typeface="Gothic A1 Medium" pitchFamily="2" charset="-127"/>
+              <a:cs typeface="Gothic A1 Medium" pitchFamily="2" charset="-127"/>
+            </a:endParaRPr>
+          </a:p>
+          <a:p>
+            <a:pPr algn="r"/>
+            <a:r>
+              <a:rPr lang="en-US" altLang="ko-KR" sz="1000" dirty="0">
+                <a:solidFill>
+                  <a:srgbClr val="2864D9"/>
+                </a:solidFill>
+                <a:latin typeface="Gothic A1 Medium" pitchFamily="2" charset="-127"/>
+                <a:ea typeface="Gothic A1 Medium" pitchFamily="2" charset="-127"/>
+                <a:cs typeface="Gothic A1 Medium" pitchFamily="2" charset="-127"/>
+              </a:rPr>
+              <a:t> </a:t>
+            </a:r>
+            <a:endParaRPr lang="ko-KR" altLang="en-US" sz="1000" dirty="0">
+              <a:solidFill>
+                <a:srgbClr val="393384"/>
+              </a:solidFill>
+              <a:latin typeface="Gothic A1 Black" pitchFamily="2" charset="-127"/>
+              <a:ea typeface="Gothic A1 Black" pitchFamily="2" charset="-127"/>
+              <a:cs typeface="Gothic A1 Black" pitchFamily="2" charset="-127"/>
+            </a:endParaRPr>
+          </a:p>
+        </p:txBody>
+      </p:sp>
+      <p:sp>
+        <p:nvSpPr>
+          <p:cNvPr id="11" name="TextBox 10">
+            <a:extLst>
+              <a:ext uri="{FF2B5EF4-FFF2-40B4-BE49-F238E27FC236}">
+                <a16:creationId xmlns:a16="http://schemas.microsoft.com/office/drawing/2014/main" id="{C8924400-3FB7-4EEB-BF3B-0C02BBEEBB26}"/>
+              </a:ext>
+            </a:extLst>
+          </p:cNvPr>
+          <p:cNvSpPr txBox="1"/>
+          <p:nvPr/>
+        </p:nvSpPr>
+        <p:spPr>
+          <a:xfrm>
+            <a:off x="768642" y="809573"/>
+            <a:ext cx="4461279" cy="523220"/>
+          </a:xfrm>
+          <a:prstGeom prst="rect">
+            <a:avLst/>
+          </a:prstGeom>
+          <a:noFill/>
+        </p:spPr>
+        <p:txBody>
+          <a:bodyPr wrap="square" rtlCol="0">
+            <a:spAutoFit/>
+          </a:bodyPr>
+          <a:lstStyle/>
+          <a:p>
+            <a:r>
+              <a:rPr lang="en-US" altLang="ko-KR" sz="2800" dirty="0">
+                <a:solidFill>
+                  <a:srgbClr val="393384"/>
+                </a:solidFill>
+                <a:latin typeface="Gothic A1 Black" pitchFamily="2" charset="-127"/>
+                <a:ea typeface="Gothic A1 Black" pitchFamily="2" charset="-127"/>
+                <a:cs typeface="Gothic A1 Black" pitchFamily="2" charset="-127"/>
+              </a:rPr>
+              <a:t>Result</a:t>
+            </a:r>
+            <a:endParaRPr lang="ko-KR" altLang="en-US" sz="2800" dirty="0">
+              <a:solidFill>
+                <a:srgbClr val="393384"/>
+              </a:solidFill>
+              <a:latin typeface="Gothic A1 Black" pitchFamily="2" charset="-127"/>
+              <a:ea typeface="Gothic A1 Black" pitchFamily="2" charset="-127"/>
+              <a:cs typeface="Gothic A1 Black" pitchFamily="2" charset="-127"/>
+            </a:endParaRPr>
+          </a:p>
+        </p:txBody>
+      </p:sp>
+      <p:sp>
+        <p:nvSpPr>
+          <p:cNvPr id="16" name="TextBox 15">
+            <a:extLst>
+              <a:ext uri="{FF2B5EF4-FFF2-40B4-BE49-F238E27FC236}">
+                <a16:creationId xmlns:a16="http://schemas.microsoft.com/office/drawing/2014/main" id="{A40D8864-DC3C-4A5B-BAE3-5DD026FC1898}"/>
+              </a:ext>
+            </a:extLst>
+          </p:cNvPr>
+          <p:cNvSpPr txBox="1"/>
+          <p:nvPr/>
+        </p:nvSpPr>
+        <p:spPr>
+          <a:xfrm>
+            <a:off x="1084303" y="1723938"/>
+            <a:ext cx="7114626" cy="338554"/>
+          </a:xfrm>
+          <a:prstGeom prst="rect">
+            <a:avLst/>
+          </a:prstGeom>
+          <a:noFill/>
+        </p:spPr>
+        <p:txBody>
+          <a:bodyPr wrap="square" rtlCol="0">
+            <a:spAutoFit/>
+          </a:bodyPr>
+          <a:lstStyle/>
+          <a:p>
+            <a:pPr marL="342900" indent="-342900">
+              <a:buFont typeface="Arial" panose="020B0604020202020204" pitchFamily="34" charset="0"/>
+              <a:buChar char="•"/>
+            </a:pPr>
+            <a:r>
+              <a:rPr lang="en-US" altLang="ko-KR" sz="1600" dirty="0">
+                <a:latin typeface="Gothic A1 Black" pitchFamily="2" charset="-127"/>
+                <a:ea typeface="Gothic A1 Black" pitchFamily="2" charset="-127"/>
+                <a:cs typeface="Gothic A1 Black" pitchFamily="2" charset="-127"/>
+              </a:rPr>
+              <a:t>Accuracy &amp; Recall </a:t>
+            </a:r>
+          </a:p>
+        </p:txBody>
+      </p:sp>
+      <p:sp>
+        <p:nvSpPr>
+          <p:cNvPr id="17" name="TextBox 16">
+            <a:extLst>
+              <a:ext uri="{FF2B5EF4-FFF2-40B4-BE49-F238E27FC236}">
+                <a16:creationId xmlns:a16="http://schemas.microsoft.com/office/drawing/2014/main" id="{D76E143F-1408-41E5-88AE-1710A6174A81}"/>
+              </a:ext>
+            </a:extLst>
+          </p:cNvPr>
+          <p:cNvSpPr txBox="1"/>
+          <p:nvPr/>
+        </p:nvSpPr>
+        <p:spPr>
+          <a:xfrm>
+            <a:off x="1274958" y="2077458"/>
+            <a:ext cx="9202542" cy="1815882"/>
+          </a:xfrm>
+          <a:prstGeom prst="rect">
+            <a:avLst/>
+          </a:prstGeom>
+          <a:noFill/>
+        </p:spPr>
+        <p:txBody>
+          <a:bodyPr wrap="square">
+            <a:spAutoFit/>
+          </a:bodyPr>
+          <a:lstStyle/>
+          <a:p>
+            <a:pPr marL="285750" indent="-285750">
+              <a:buFontTx/>
+              <a:buChar char="-"/>
+            </a:pPr>
+            <a:r>
+              <a:rPr lang="en-US" altLang="ko-KR" sz="1400" dirty="0">
+                <a:latin typeface="Gothic A1 Light" pitchFamily="2" charset="-127"/>
+                <a:ea typeface="Gothic A1 Light" pitchFamily="2" charset="-127"/>
+                <a:cs typeface="Gothic A1 Light" pitchFamily="2" charset="-127"/>
+              </a:rPr>
+              <a:t>Recall(</a:t>
+            </a:r>
+            <a:r>
+              <a:rPr lang="ko-KR" altLang="en-US" sz="1400" dirty="0" err="1">
+                <a:latin typeface="Gothic A1 Light" pitchFamily="2" charset="-127"/>
+                <a:ea typeface="Gothic A1 Light" pitchFamily="2" charset="-127"/>
+                <a:cs typeface="Gothic A1 Light" pitchFamily="2" charset="-127"/>
+              </a:rPr>
+              <a:t>재현율</a:t>
+            </a:r>
+            <a:r>
+              <a:rPr lang="en-US" altLang="ko-KR" sz="1400" dirty="0">
+                <a:latin typeface="Gothic A1 Light" pitchFamily="2" charset="-127"/>
+                <a:ea typeface="Gothic A1 Light" pitchFamily="2" charset="-127"/>
+                <a:cs typeface="Gothic A1 Light" pitchFamily="2" charset="-127"/>
+              </a:rPr>
+              <a:t>) </a:t>
+            </a:r>
+            <a:r>
+              <a:rPr lang="ko-KR" altLang="en-US" sz="1400" dirty="0">
+                <a:latin typeface="Gothic A1 Light" pitchFamily="2" charset="-127"/>
+                <a:ea typeface="Gothic A1 Light" pitchFamily="2" charset="-127"/>
+                <a:cs typeface="Gothic A1 Light" pitchFamily="2" charset="-127"/>
+              </a:rPr>
+              <a:t>지표는 모델이 양성인 것 중 양성으로 잘 맞춘 것에 대한 비율이므로 해당 지표가 가장 중요 </a:t>
+            </a:r>
+            <a:endParaRPr lang="en-US" altLang="ko-KR" sz="1400" dirty="0">
+              <a:latin typeface="Gothic A1 Light" pitchFamily="2" charset="-127"/>
+              <a:ea typeface="Gothic A1 Light" pitchFamily="2" charset="-127"/>
+              <a:cs typeface="Gothic A1 Light" pitchFamily="2" charset="-127"/>
+            </a:endParaRPr>
+          </a:p>
+          <a:p>
+            <a:r>
+              <a:rPr lang="en-US" altLang="ko-KR" sz="1400" dirty="0">
+                <a:latin typeface="Gothic A1 Light" pitchFamily="2" charset="-127"/>
+                <a:ea typeface="Gothic A1 Light" pitchFamily="2" charset="-127"/>
+                <a:cs typeface="Gothic A1 Light" pitchFamily="2" charset="-127"/>
+              </a:rPr>
+              <a:t>      (Recall: Test data</a:t>
+            </a:r>
+            <a:r>
+              <a:rPr lang="ko-KR" altLang="en-US" sz="1400" dirty="0">
+                <a:latin typeface="Gothic A1 Light" pitchFamily="2" charset="-127"/>
+                <a:ea typeface="Gothic A1 Light" pitchFamily="2" charset="-127"/>
+                <a:cs typeface="Gothic A1 Light" pitchFamily="2" charset="-127"/>
+              </a:rPr>
+              <a:t>기준 </a:t>
+            </a:r>
+            <a:r>
+              <a:rPr lang="en-US" altLang="ko-KR" sz="1400" dirty="0">
+                <a:latin typeface="Gothic A1 Light" pitchFamily="2" charset="-127"/>
+                <a:ea typeface="Gothic A1 Light" pitchFamily="2" charset="-127"/>
+                <a:cs typeface="Gothic A1 Light" pitchFamily="2" charset="-127"/>
+              </a:rPr>
+              <a:t>Class 1 </a:t>
+            </a:r>
+            <a:r>
+              <a:rPr lang="ko-KR" altLang="en-US" sz="1400" dirty="0">
+                <a:latin typeface="Gothic A1 Light" pitchFamily="2" charset="-127"/>
+                <a:ea typeface="Gothic A1 Light" pitchFamily="2" charset="-127"/>
+                <a:cs typeface="Gothic A1 Light" pitchFamily="2" charset="-127"/>
+              </a:rPr>
+              <a:t>중에 </a:t>
+            </a:r>
+            <a:r>
+              <a:rPr lang="en-US" altLang="ko-KR" sz="1400" dirty="0">
+                <a:latin typeface="Gothic A1 Light" pitchFamily="2" charset="-127"/>
+                <a:ea typeface="Gothic A1 Light" pitchFamily="2" charset="-127"/>
+                <a:cs typeface="Gothic A1 Light" pitchFamily="2" charset="-127"/>
+              </a:rPr>
+              <a:t>Class 1</a:t>
+            </a:r>
+            <a:r>
+              <a:rPr lang="ko-KR" altLang="en-US" sz="1400" dirty="0">
+                <a:latin typeface="Gothic A1 Light" pitchFamily="2" charset="-127"/>
+                <a:ea typeface="Gothic A1 Light" pitchFamily="2" charset="-127"/>
+                <a:cs typeface="Gothic A1 Light" pitchFamily="2" charset="-127"/>
+              </a:rPr>
+              <a:t>으로 잘 맞춘 비율 </a:t>
+            </a:r>
+            <a:r>
+              <a:rPr lang="en-US" altLang="ko-KR" sz="1400" dirty="0">
+                <a:latin typeface="Gothic A1 Light" pitchFamily="2" charset="-127"/>
+                <a:ea typeface="Gothic A1 Light" pitchFamily="2" charset="-127"/>
+                <a:cs typeface="Gothic A1 Light" pitchFamily="2" charset="-127"/>
+              </a:rPr>
+              <a:t>– </a:t>
+            </a:r>
+            <a:r>
+              <a:rPr lang="ko-KR" altLang="en-US" sz="1400" dirty="0">
+                <a:latin typeface="Gothic A1 Light" pitchFamily="2" charset="-127"/>
+                <a:ea typeface="Gothic A1 Light" pitchFamily="2" charset="-127"/>
+                <a:cs typeface="Gothic A1 Light" pitchFamily="2" charset="-127"/>
+              </a:rPr>
+              <a:t>높을 수록 좋은 모델</a:t>
+            </a:r>
+            <a:r>
+              <a:rPr lang="en-US" altLang="ko-KR" sz="1400" dirty="0">
+                <a:latin typeface="Gothic A1 Light" pitchFamily="2" charset="-127"/>
+                <a:ea typeface="Gothic A1 Light" pitchFamily="2" charset="-127"/>
+                <a:cs typeface="Gothic A1 Light" pitchFamily="2" charset="-127"/>
+              </a:rPr>
+              <a:t>) </a:t>
+            </a:r>
+          </a:p>
+          <a:p>
+            <a:r>
+              <a:rPr lang="en-US" altLang="ko-KR" sz="1400" dirty="0">
+                <a:latin typeface="Gothic A1 Light" pitchFamily="2" charset="-127"/>
+                <a:ea typeface="Gothic A1 Light" pitchFamily="2" charset="-127"/>
+                <a:cs typeface="Gothic A1 Light" pitchFamily="2" charset="-127"/>
+              </a:rPr>
+              <a:t> </a:t>
+            </a:r>
+          </a:p>
+          <a:p>
+            <a:pPr marL="285750" indent="-285750">
+              <a:buFontTx/>
+              <a:buChar char="-"/>
+            </a:pPr>
+            <a:r>
+              <a:rPr lang="en-US" altLang="ko-KR" sz="1400" dirty="0">
+                <a:latin typeface="Gothic A1 Light" pitchFamily="2" charset="-127"/>
+                <a:ea typeface="Gothic A1 Light" pitchFamily="2" charset="-127"/>
+                <a:cs typeface="Gothic A1 Light" pitchFamily="2" charset="-127"/>
+              </a:rPr>
+              <a:t>Accuracy</a:t>
+            </a:r>
+            <a:r>
+              <a:rPr lang="ko-KR" altLang="en-US" sz="1400" dirty="0">
+                <a:latin typeface="Gothic A1 Light" pitchFamily="2" charset="-127"/>
+                <a:ea typeface="Gothic A1 Light" pitchFamily="2" charset="-127"/>
+                <a:cs typeface="Gothic A1 Light" pitchFamily="2" charset="-127"/>
+              </a:rPr>
+              <a:t>의 경우 </a:t>
+            </a:r>
+            <a:r>
+              <a:rPr lang="en-US" altLang="ko-KR" sz="1400" dirty="0">
+                <a:latin typeface="Gothic A1 Light" pitchFamily="2" charset="-127"/>
+                <a:ea typeface="Gothic A1 Light" pitchFamily="2" charset="-127"/>
+                <a:cs typeface="Gothic A1 Light" pitchFamily="2" charset="-127"/>
+              </a:rPr>
+              <a:t>Random Forest</a:t>
+            </a:r>
+            <a:r>
+              <a:rPr lang="ko-KR" altLang="en-US" sz="1400" dirty="0">
+                <a:latin typeface="Gothic A1 Light" pitchFamily="2" charset="-127"/>
+                <a:ea typeface="Gothic A1 Light" pitchFamily="2" charset="-127"/>
+                <a:cs typeface="Gothic A1 Light" pitchFamily="2" charset="-127"/>
+              </a:rPr>
+              <a:t>가 </a:t>
+            </a:r>
+            <a:r>
+              <a:rPr lang="en-US" altLang="ko-KR" sz="1400" dirty="0">
+                <a:latin typeface="Gothic A1 Light" pitchFamily="2" charset="-127"/>
+                <a:ea typeface="Gothic A1 Light" pitchFamily="2" charset="-127"/>
+                <a:cs typeface="Gothic A1 Light" pitchFamily="2" charset="-127"/>
+              </a:rPr>
+              <a:t>0.927</a:t>
+            </a:r>
+            <a:r>
+              <a:rPr lang="ko-KR" altLang="en-US" sz="1400" dirty="0">
+                <a:latin typeface="Gothic A1 Light" pitchFamily="2" charset="-127"/>
+                <a:ea typeface="Gothic A1 Light" pitchFamily="2" charset="-127"/>
+                <a:cs typeface="Gothic A1 Light" pitchFamily="2" charset="-127"/>
+              </a:rPr>
+              <a:t>로 가장 높게 측정되었으나 </a:t>
+            </a:r>
+            <a:r>
+              <a:rPr lang="en-US" altLang="ko-KR" sz="1400" dirty="0">
+                <a:latin typeface="Gothic A1 Medium" pitchFamily="2" charset="-127"/>
+                <a:ea typeface="Gothic A1 Medium" pitchFamily="2" charset="-127"/>
+                <a:cs typeface="Gothic A1 Medium" pitchFamily="2" charset="-127"/>
+              </a:rPr>
+              <a:t>Recall</a:t>
+            </a:r>
+            <a:r>
+              <a:rPr lang="ko-KR" altLang="en-US" sz="1400" dirty="0">
+                <a:latin typeface="Gothic A1 Medium" pitchFamily="2" charset="-127"/>
+                <a:ea typeface="Gothic A1 Medium" pitchFamily="2" charset="-127"/>
+                <a:cs typeface="Gothic A1 Medium" pitchFamily="2" charset="-127"/>
+              </a:rPr>
+              <a:t>값은 </a:t>
+            </a:r>
+            <a:r>
+              <a:rPr lang="en-US" altLang="ko-KR" sz="1400" dirty="0">
+                <a:latin typeface="Gothic A1 Medium" pitchFamily="2" charset="-127"/>
+                <a:ea typeface="Gothic A1 Medium" pitchFamily="2" charset="-127"/>
+                <a:cs typeface="Gothic A1 Medium" pitchFamily="2" charset="-127"/>
+              </a:rPr>
+              <a:t>Logistic Regression</a:t>
+            </a:r>
+            <a:r>
+              <a:rPr lang="ko-KR" altLang="en-US" sz="1400" dirty="0">
+                <a:latin typeface="Gothic A1 Medium" pitchFamily="2" charset="-127"/>
+                <a:ea typeface="Gothic A1 Medium" pitchFamily="2" charset="-127"/>
+                <a:cs typeface="Gothic A1 Medium" pitchFamily="2" charset="-127"/>
+              </a:rPr>
+              <a:t>이 </a:t>
+            </a:r>
+            <a:r>
+              <a:rPr lang="en-US" altLang="ko-KR" sz="1400" dirty="0">
+                <a:latin typeface="Gothic A1 Medium" pitchFamily="2" charset="-127"/>
+                <a:ea typeface="Gothic A1 Medium" pitchFamily="2" charset="-127"/>
+                <a:cs typeface="Gothic A1 Medium" pitchFamily="2" charset="-127"/>
+              </a:rPr>
+              <a:t>0.6</a:t>
+            </a:r>
+            <a:r>
+              <a:rPr lang="ko-KR" altLang="en-US" sz="1400" dirty="0">
+                <a:latin typeface="Gothic A1 Medium" pitchFamily="2" charset="-127"/>
+                <a:ea typeface="Gothic A1 Medium" pitchFamily="2" charset="-127"/>
+                <a:cs typeface="Gothic A1 Medium" pitchFamily="2" charset="-127"/>
+              </a:rPr>
+              <a:t>으로 가장 높게 측정</a:t>
+            </a:r>
+            <a:r>
+              <a:rPr lang="ko-KR" altLang="en-US" sz="1400" dirty="0">
+                <a:latin typeface="Gothic A1 Light" pitchFamily="2" charset="-127"/>
+                <a:ea typeface="Gothic A1 Light" pitchFamily="2" charset="-127"/>
+                <a:cs typeface="Gothic A1 Light" pitchFamily="2" charset="-127"/>
+              </a:rPr>
+              <a:t>됨 </a:t>
+            </a:r>
+            <a:endParaRPr lang="en-US" altLang="ko-KR" sz="1400" dirty="0">
+              <a:latin typeface="Gothic A1 Light" pitchFamily="2" charset="-127"/>
+              <a:ea typeface="Gothic A1 Light" pitchFamily="2" charset="-127"/>
+              <a:cs typeface="Gothic A1 Light" pitchFamily="2" charset="-127"/>
+            </a:endParaRPr>
+          </a:p>
+          <a:p>
+            <a:endParaRPr lang="en-US" altLang="ko-KR" sz="1400" dirty="0">
+              <a:latin typeface="Gothic A1 Light" pitchFamily="2" charset="-127"/>
+              <a:ea typeface="Gothic A1 Light" pitchFamily="2" charset="-127"/>
+              <a:cs typeface="Gothic A1 Light" pitchFamily="2" charset="-127"/>
+            </a:endParaRPr>
+          </a:p>
+          <a:p>
+            <a:pPr marL="285750" indent="-285750">
+              <a:buFontTx/>
+              <a:buChar char="-"/>
+            </a:pPr>
+            <a:r>
+              <a:rPr lang="ko-KR" altLang="en-US" sz="1400" dirty="0">
+                <a:latin typeface="Gothic A1 Light" pitchFamily="2" charset="-127"/>
+                <a:ea typeface="Gothic A1 Light" pitchFamily="2" charset="-127"/>
+                <a:cs typeface="Gothic A1 Light" pitchFamily="2" charset="-127"/>
+              </a:rPr>
+              <a:t>그러나 </a:t>
+            </a:r>
+            <a:r>
+              <a:rPr lang="en-US" altLang="ko-KR" sz="1400" dirty="0">
+                <a:latin typeface="Gothic A1 Light" pitchFamily="2" charset="-127"/>
+                <a:ea typeface="Gothic A1 Light" pitchFamily="2" charset="-127"/>
+                <a:cs typeface="Gothic A1 Light" pitchFamily="2" charset="-127"/>
+              </a:rPr>
+              <a:t>Logistic Regression </a:t>
+            </a:r>
+            <a:r>
+              <a:rPr lang="ko-KR" altLang="en-US" sz="1400" dirty="0">
+                <a:latin typeface="Gothic A1 Light" pitchFamily="2" charset="-127"/>
+                <a:ea typeface="Gothic A1 Light" pitchFamily="2" charset="-127"/>
+                <a:cs typeface="Gothic A1 Light" pitchFamily="2" charset="-127"/>
+              </a:rPr>
+              <a:t>모델의 경우 </a:t>
+            </a:r>
+            <a:r>
+              <a:rPr lang="en-US" altLang="ko-KR" sz="1400" dirty="0">
+                <a:latin typeface="Gothic A1 Light" pitchFamily="2" charset="-127"/>
+                <a:ea typeface="Gothic A1 Light" pitchFamily="2" charset="-127"/>
+                <a:cs typeface="Gothic A1 Light" pitchFamily="2" charset="-127"/>
+              </a:rPr>
+              <a:t>accuracy</a:t>
+            </a:r>
+            <a:r>
+              <a:rPr lang="ko-KR" altLang="en-US" sz="1400" dirty="0">
+                <a:latin typeface="Gothic A1 Light" pitchFamily="2" charset="-127"/>
+                <a:ea typeface="Gothic A1 Light" pitchFamily="2" charset="-127"/>
+                <a:cs typeface="Gothic A1 Light" pitchFamily="2" charset="-127"/>
+              </a:rPr>
+              <a:t>가 </a:t>
+            </a:r>
+            <a:r>
+              <a:rPr lang="en-US" altLang="ko-KR" sz="1400" dirty="0">
+                <a:latin typeface="Gothic A1 Light" pitchFamily="2" charset="-127"/>
+                <a:ea typeface="Gothic A1 Light" pitchFamily="2" charset="-127"/>
+                <a:cs typeface="Gothic A1 Light" pitchFamily="2" charset="-127"/>
+              </a:rPr>
+              <a:t>0.64</a:t>
+            </a:r>
+            <a:r>
+              <a:rPr lang="ko-KR" altLang="en-US" sz="1400" dirty="0">
+                <a:latin typeface="Gothic A1 Light" pitchFamily="2" charset="-127"/>
+                <a:ea typeface="Gothic A1 Light" pitchFamily="2" charset="-127"/>
+                <a:cs typeface="Gothic A1 Light" pitchFamily="2" charset="-127"/>
+              </a:rPr>
+              <a:t>로 신뢰성이 높은 모델이라고 판단하기 어려움 </a:t>
+            </a:r>
+            <a:endParaRPr lang="en-US" altLang="ko-KR" sz="1400" dirty="0">
+              <a:latin typeface="Gothic A1 Light" pitchFamily="2" charset="-127"/>
+              <a:ea typeface="Gothic A1 Light" pitchFamily="2" charset="-127"/>
+              <a:cs typeface="Gothic A1 Light" pitchFamily="2" charset="-127"/>
+            </a:endParaRPr>
+          </a:p>
+          <a:p>
+            <a:endParaRPr lang="ko-KR" altLang="en-US" sz="1400" dirty="0">
+              <a:latin typeface="Gothic A1 Light" pitchFamily="2" charset="-127"/>
+              <a:ea typeface="Gothic A1 Light" pitchFamily="2" charset="-127"/>
+              <a:cs typeface="Gothic A1 Light" pitchFamily="2" charset="-127"/>
+            </a:endParaRPr>
+          </a:p>
+        </p:txBody>
+      </p:sp>
+      <p:sp>
+        <p:nvSpPr>
+          <p:cNvPr id="18" name="TextBox 17">
+            <a:extLst>
+              <a:ext uri="{FF2B5EF4-FFF2-40B4-BE49-F238E27FC236}">
+                <a16:creationId xmlns:a16="http://schemas.microsoft.com/office/drawing/2014/main" id="{F7BC2422-A3F2-4AAB-BFA7-AD2E14DF8018}"/>
+              </a:ext>
+            </a:extLst>
+          </p:cNvPr>
+          <p:cNvSpPr txBox="1"/>
+          <p:nvPr/>
+        </p:nvSpPr>
+        <p:spPr>
+          <a:xfrm>
+            <a:off x="1084303" y="3999587"/>
+            <a:ext cx="7114626" cy="338554"/>
+          </a:xfrm>
+          <a:prstGeom prst="rect">
+            <a:avLst/>
+          </a:prstGeom>
+          <a:noFill/>
+        </p:spPr>
+        <p:txBody>
+          <a:bodyPr wrap="square" rtlCol="0">
+            <a:spAutoFit/>
+          </a:bodyPr>
+          <a:lstStyle/>
+          <a:p>
+            <a:pPr marL="342900" indent="-342900">
+              <a:buFont typeface="Arial" panose="020B0604020202020204" pitchFamily="34" charset="0"/>
+              <a:buChar char="•"/>
+            </a:pPr>
+            <a:r>
+              <a:rPr lang="en-US" altLang="ko-KR" sz="1600" dirty="0">
+                <a:latin typeface="Gothic A1 Black" pitchFamily="2" charset="-127"/>
+                <a:ea typeface="Gothic A1 Black" pitchFamily="2" charset="-127"/>
+                <a:cs typeface="Gothic A1 Black" pitchFamily="2" charset="-127"/>
+              </a:rPr>
+              <a:t>Evaluation</a:t>
+            </a:r>
+          </a:p>
+        </p:txBody>
+      </p:sp>
+      <p:sp>
+        <p:nvSpPr>
+          <p:cNvPr id="19" name="TextBox 18">
+            <a:extLst>
+              <a:ext uri="{FF2B5EF4-FFF2-40B4-BE49-F238E27FC236}">
+                <a16:creationId xmlns:a16="http://schemas.microsoft.com/office/drawing/2014/main" id="{2B13E999-73DE-4B57-9859-C0F775008399}"/>
+              </a:ext>
+            </a:extLst>
+          </p:cNvPr>
+          <p:cNvSpPr txBox="1"/>
+          <p:nvPr/>
+        </p:nvSpPr>
+        <p:spPr>
+          <a:xfrm>
+            <a:off x="1274958" y="4374701"/>
+            <a:ext cx="9202542" cy="1169551"/>
+          </a:xfrm>
+          <a:prstGeom prst="rect">
+            <a:avLst/>
+          </a:prstGeom>
+          <a:noFill/>
+        </p:spPr>
+        <p:txBody>
+          <a:bodyPr wrap="square">
+            <a:spAutoFit/>
+          </a:bodyPr>
+          <a:lstStyle/>
+          <a:p>
+            <a:pPr marL="285750" indent="-285750">
+              <a:buFontTx/>
+              <a:buChar char="-"/>
+            </a:pPr>
+            <a:r>
+              <a:rPr lang="en-US" altLang="ko-KR" sz="1400" dirty="0">
+                <a:latin typeface="Gothic A1 Light" pitchFamily="2" charset="-127"/>
+                <a:ea typeface="Gothic A1 Light" pitchFamily="2" charset="-127"/>
+                <a:cs typeface="Gothic A1 Light" pitchFamily="2" charset="-127"/>
+              </a:rPr>
+              <a:t>EDA</a:t>
+            </a:r>
+            <a:r>
+              <a:rPr lang="ko-KR" altLang="en-US" sz="1400" dirty="0">
+                <a:latin typeface="Gothic A1 Light" pitchFamily="2" charset="-127"/>
+                <a:ea typeface="Gothic A1 Light" pitchFamily="2" charset="-127"/>
+                <a:cs typeface="Gothic A1 Light" pitchFamily="2" charset="-127"/>
+              </a:rPr>
+              <a:t>를 통해 살펴 봤듯이 대출 상환 이행 여부에 따라 각 속성의 특징이 뚜렷한 것이 아니라 전체적인 양상이 비슷하게 나타나 분류를 잘 해내지 못 하는 것으로 해석 가능</a:t>
+            </a:r>
+            <a:endParaRPr lang="en-US" altLang="ko-KR" sz="1400" dirty="0">
+              <a:latin typeface="Gothic A1 Light" pitchFamily="2" charset="-127"/>
+              <a:ea typeface="Gothic A1 Light" pitchFamily="2" charset="-127"/>
+              <a:cs typeface="Gothic A1 Light" pitchFamily="2" charset="-127"/>
+            </a:endParaRPr>
+          </a:p>
+          <a:p>
+            <a:endParaRPr lang="en-US" altLang="ko-KR" sz="1400" dirty="0">
+              <a:latin typeface="Gothic A1 Light" pitchFamily="2" charset="-127"/>
+              <a:ea typeface="Gothic A1 Light" pitchFamily="2" charset="-127"/>
+              <a:cs typeface="Gothic A1 Light" pitchFamily="2" charset="-127"/>
+            </a:endParaRPr>
+          </a:p>
+          <a:p>
+            <a:pPr marL="285750" indent="-285750">
+              <a:buFontTx/>
+              <a:buChar char="-"/>
+            </a:pPr>
+            <a:r>
+              <a:rPr lang="ko-KR" altLang="en-US" sz="1400" dirty="0">
+                <a:latin typeface="Gothic A1 Light" pitchFamily="2" charset="-127"/>
+                <a:ea typeface="Gothic A1 Light" pitchFamily="2" charset="-127"/>
+                <a:cs typeface="Gothic A1 Light" pitchFamily="2" charset="-127"/>
+              </a:rPr>
+              <a:t>따라서 정확한 예측 모델을 만들기 위해서는 현재 변수 외 다른 변수들이 추가되어야 할 것으로 보이며</a:t>
+            </a:r>
+            <a:r>
+              <a:rPr lang="en-US" altLang="ko-KR" sz="1400" dirty="0">
+                <a:latin typeface="Gothic A1 Light" pitchFamily="2" charset="-127"/>
+                <a:ea typeface="Gothic A1 Light" pitchFamily="2" charset="-127"/>
+                <a:cs typeface="Gothic A1 Light" pitchFamily="2" charset="-127"/>
+              </a:rPr>
+              <a:t>, </a:t>
+            </a:r>
+            <a:r>
+              <a:rPr lang="ko-KR" altLang="en-US" sz="1400" dirty="0">
+                <a:latin typeface="Gothic A1 Light" pitchFamily="2" charset="-127"/>
+                <a:ea typeface="Gothic A1 Light" pitchFamily="2" charset="-127"/>
+                <a:cs typeface="Gothic A1 Light" pitchFamily="2" charset="-127"/>
+              </a:rPr>
+              <a:t>그 외 다양한 방식으로 변수 선택</a:t>
+            </a:r>
+            <a:r>
+              <a:rPr lang="en-US" altLang="ko-KR" sz="1400" dirty="0">
+                <a:latin typeface="Gothic A1 Light" pitchFamily="2" charset="-127"/>
+                <a:ea typeface="Gothic A1 Light" pitchFamily="2" charset="-127"/>
+                <a:cs typeface="Gothic A1 Light" pitchFamily="2" charset="-127"/>
+              </a:rPr>
+              <a:t>·</a:t>
+            </a:r>
+            <a:r>
+              <a:rPr lang="ko-KR" altLang="en-US" sz="1400" dirty="0">
+                <a:latin typeface="Gothic A1 Light" pitchFamily="2" charset="-127"/>
+                <a:ea typeface="Gothic A1 Light" pitchFamily="2" charset="-127"/>
+                <a:cs typeface="Gothic A1 Light" pitchFamily="2" charset="-127"/>
+              </a:rPr>
+              <a:t>파생 변수 생성 및 데이터 전처리를 통해  성능을 향상 시켜야 할 것으로 보임</a:t>
+            </a:r>
+            <a:endParaRPr lang="en-US" altLang="ko-KR" sz="1400" dirty="0">
+              <a:latin typeface="Gothic A1 Light" pitchFamily="2" charset="-127"/>
+              <a:ea typeface="Gothic A1 Light" pitchFamily="2" charset="-127"/>
+              <a:cs typeface="Gothic A1 Light" pitchFamily="2" charset="-127"/>
+            </a:endParaRPr>
+          </a:p>
+        </p:txBody>
+      </p:sp>
       <p:grpSp>
         <p:nvGrpSpPr>
-          <p:cNvPr id="7" name="그룹 6">
-            <a:extLst>
-              <a:ext uri="{FF2B5EF4-FFF2-40B4-BE49-F238E27FC236}">
-                <a16:creationId xmlns:a16="http://schemas.microsoft.com/office/drawing/2014/main" id="{600907DF-F701-4968-AAAF-6D4865BBF032}"/>
+          <p:cNvPr id="23" name="그룹 22">
+            <a:extLst>
+              <a:ext uri="{FF2B5EF4-FFF2-40B4-BE49-F238E27FC236}">
+                <a16:creationId xmlns:a16="http://schemas.microsoft.com/office/drawing/2014/main" id="{50BE8F0D-0302-49AB-A526-2C9F2F1DAA22}"/>
               </a:ext>
             </a:extLst>
           </p:cNvPr>
@@ -17782,10 +19446,10 @@
         </p:grpSpPr>
         <p:sp>
           <p:nvSpPr>
-            <p:cNvPr id="8" name="TextBox 7">
+            <p:cNvPr id="24" name="TextBox 23">
               <a:extLst>
                 <a:ext uri="{FF2B5EF4-FFF2-40B4-BE49-F238E27FC236}">
-                  <a16:creationId xmlns:a16="http://schemas.microsoft.com/office/drawing/2014/main" id="{1C9A690B-BA02-43DE-9937-25C14B47EBE9}"/>
+                  <a16:creationId xmlns:a16="http://schemas.microsoft.com/office/drawing/2014/main" id="{0B572918-F4F2-4864-97CA-053DB1D579F3}"/>
                 </a:ext>
               </a:extLst>
             </p:cNvPr>
@@ -17818,7 +19482,7 @@
                   <a:ea typeface="Gothic A1 Medium" pitchFamily="2" charset="-127"/>
                   <a:cs typeface="Gothic A1 Medium" pitchFamily="2" charset="-127"/>
                 </a:rPr>
-                <a:t>23</a:t>
+                <a:t>24</a:t>
               </a:r>
               <a:endParaRPr lang="ko-KR" altLang="en-US" sz="900" dirty="0">
                 <a:solidFill>
@@ -17833,10 +19497,10 @@
         </p:sp>
         <p:cxnSp>
           <p:nvCxnSpPr>
-            <p:cNvPr id="9" name="직선 연결선 8">
+            <p:cNvPr id="25" name="직선 연결선 24">
               <a:extLst>
                 <a:ext uri="{FF2B5EF4-FFF2-40B4-BE49-F238E27FC236}">
-                  <a16:creationId xmlns:a16="http://schemas.microsoft.com/office/drawing/2014/main" id="{29BCB543-C340-456B-88E2-BEB8F170AE65}"/>
+                  <a16:creationId xmlns:a16="http://schemas.microsoft.com/office/drawing/2014/main" id="{B5BEEF4C-2F70-4F74-B8EC-E1D9E26F3474}"/>
                 </a:ext>
               </a:extLst>
             </p:cNvPr>
@@ -17875,731 +19539,6 @@
           </p:style>
         </p:cxnSp>
       </p:grpSp>
-      <p:sp>
-        <p:nvSpPr>
-          <p:cNvPr id="15" name="TextBox 14">
-            <a:extLst>
-              <a:ext uri="{FF2B5EF4-FFF2-40B4-BE49-F238E27FC236}">
-                <a16:creationId xmlns:a16="http://schemas.microsoft.com/office/drawing/2014/main" id="{BDAE683A-63E4-43A6-92AF-14DBC169F8AB}"/>
-              </a:ext>
-            </a:extLst>
-          </p:cNvPr>
-          <p:cNvSpPr txBox="1"/>
-          <p:nvPr/>
-        </p:nvSpPr>
-        <p:spPr>
-          <a:xfrm>
-            <a:off x="6362689" y="143383"/>
-            <a:ext cx="5528076" cy="553998"/>
-          </a:xfrm>
-          <a:prstGeom prst="rect">
-            <a:avLst/>
-          </a:prstGeom>
-          <a:noFill/>
-        </p:spPr>
-        <p:txBody>
-          <a:bodyPr wrap="square" rtlCol="0">
-            <a:spAutoFit/>
-          </a:bodyPr>
-          <a:lstStyle/>
-          <a:p>
-            <a:pPr algn="r"/>
-            <a:r>
-              <a:rPr lang="en-US" altLang="ko-KR" sz="1000" dirty="0">
-                <a:solidFill>
-                  <a:schemeClr val="bg1">
-                    <a:lumMod val="65000"/>
-                  </a:schemeClr>
-                </a:solidFill>
-                <a:latin typeface="Gothic A1 Medium" pitchFamily="2" charset="-127"/>
-                <a:ea typeface="Gothic A1 Medium" pitchFamily="2" charset="-127"/>
-                <a:cs typeface="Gothic A1 Medium" pitchFamily="2" charset="-127"/>
-              </a:rPr>
-              <a:t>01. Project Intro | 02. EDA &amp; Processing | </a:t>
-            </a:r>
-            <a:r>
-              <a:rPr lang="en-US" altLang="ko-KR" sz="1000" dirty="0">
-                <a:solidFill>
-                  <a:schemeClr val="bg2">
-                    <a:lumMod val="75000"/>
-                  </a:schemeClr>
-                </a:solidFill>
-                <a:latin typeface="Gothic A1 Medium" pitchFamily="2" charset="-127"/>
-                <a:ea typeface="Gothic A1 Medium" pitchFamily="2" charset="-127"/>
-                <a:cs typeface="Gothic A1 Medium" pitchFamily="2" charset="-127"/>
-              </a:rPr>
-              <a:t>03. Modeling </a:t>
-            </a:r>
-            <a:r>
-              <a:rPr lang="en-US" altLang="ko-KR" sz="1000" dirty="0">
-                <a:solidFill>
-                  <a:schemeClr val="bg1">
-                    <a:lumMod val="65000"/>
-                  </a:schemeClr>
-                </a:solidFill>
-                <a:latin typeface="Gothic A1 Medium" pitchFamily="2" charset="-127"/>
-                <a:ea typeface="Gothic A1 Medium" pitchFamily="2" charset="-127"/>
-                <a:cs typeface="Gothic A1 Medium" pitchFamily="2" charset="-127"/>
-              </a:rPr>
-              <a:t>| </a:t>
-            </a:r>
-            <a:r>
-              <a:rPr lang="en-US" altLang="ko-KR" sz="1000" dirty="0">
-                <a:solidFill>
-                  <a:srgbClr val="2C6CD9"/>
-                </a:solidFill>
-                <a:latin typeface="Gothic A1 Medium" pitchFamily="2" charset="-127"/>
-                <a:ea typeface="Gothic A1 Medium" pitchFamily="2" charset="-127"/>
-                <a:cs typeface="Gothic A1 Medium" pitchFamily="2" charset="-127"/>
-              </a:rPr>
-              <a:t>04. Result &amp; Evaluation</a:t>
-            </a:r>
-            <a:endParaRPr lang="ko-KR" altLang="en-US" sz="1000" dirty="0">
-              <a:solidFill>
-                <a:srgbClr val="2C6CD9"/>
-              </a:solidFill>
-              <a:latin typeface="Gothic A1 Medium" pitchFamily="2" charset="-127"/>
-              <a:ea typeface="Gothic A1 Medium" pitchFamily="2" charset="-127"/>
-              <a:cs typeface="Gothic A1 Medium" pitchFamily="2" charset="-127"/>
-            </a:endParaRPr>
-          </a:p>
-          <a:p>
-            <a:pPr algn="r"/>
-            <a:endParaRPr lang="ko-KR" altLang="en-US" sz="1000" dirty="0">
-              <a:solidFill>
-                <a:srgbClr val="2C6CD9"/>
-              </a:solidFill>
-              <a:latin typeface="Gothic A1 Medium" pitchFamily="2" charset="-127"/>
-              <a:ea typeface="Gothic A1 Medium" pitchFamily="2" charset="-127"/>
-              <a:cs typeface="Gothic A1 Medium" pitchFamily="2" charset="-127"/>
-            </a:endParaRPr>
-          </a:p>
-          <a:p>
-            <a:pPr algn="r"/>
-            <a:r>
-              <a:rPr lang="en-US" altLang="ko-KR" sz="1000" dirty="0">
-                <a:solidFill>
-                  <a:srgbClr val="2864D9"/>
-                </a:solidFill>
-                <a:latin typeface="Gothic A1 Medium" pitchFamily="2" charset="-127"/>
-                <a:ea typeface="Gothic A1 Medium" pitchFamily="2" charset="-127"/>
-                <a:cs typeface="Gothic A1 Medium" pitchFamily="2" charset="-127"/>
-              </a:rPr>
-              <a:t> </a:t>
-            </a:r>
-            <a:endParaRPr lang="ko-KR" altLang="en-US" sz="1000" dirty="0">
-              <a:solidFill>
-                <a:srgbClr val="393384"/>
-              </a:solidFill>
-              <a:latin typeface="Gothic A1 Black" pitchFamily="2" charset="-127"/>
-              <a:ea typeface="Gothic A1 Black" pitchFamily="2" charset="-127"/>
-              <a:cs typeface="Gothic A1 Black" pitchFamily="2" charset="-127"/>
-            </a:endParaRPr>
-          </a:p>
-        </p:txBody>
-      </p:sp>
-      <p:sp>
-        <p:nvSpPr>
-          <p:cNvPr id="11" name="TextBox 10">
-            <a:extLst>
-              <a:ext uri="{FF2B5EF4-FFF2-40B4-BE49-F238E27FC236}">
-                <a16:creationId xmlns:a16="http://schemas.microsoft.com/office/drawing/2014/main" id="{C8924400-3FB7-4EEB-BF3B-0C02BBEEBB26}"/>
-              </a:ext>
-            </a:extLst>
-          </p:cNvPr>
-          <p:cNvSpPr txBox="1"/>
-          <p:nvPr/>
-        </p:nvSpPr>
-        <p:spPr>
-          <a:xfrm>
-            <a:off x="768642" y="809573"/>
-            <a:ext cx="4461279" cy="523220"/>
-          </a:xfrm>
-          <a:prstGeom prst="rect">
-            <a:avLst/>
-          </a:prstGeom>
-          <a:noFill/>
-        </p:spPr>
-        <p:txBody>
-          <a:bodyPr wrap="square" rtlCol="0">
-            <a:spAutoFit/>
-          </a:bodyPr>
-          <a:lstStyle/>
-          <a:p>
-            <a:r>
-              <a:rPr lang="en-US" altLang="ko-KR" sz="2800" dirty="0">
-                <a:solidFill>
-                  <a:srgbClr val="393384"/>
-                </a:solidFill>
-                <a:latin typeface="Gothic A1 Black" pitchFamily="2" charset="-127"/>
-                <a:ea typeface="Gothic A1 Black" pitchFamily="2" charset="-127"/>
-                <a:cs typeface="Gothic A1 Black" pitchFamily="2" charset="-127"/>
-              </a:rPr>
-              <a:t>Result</a:t>
-            </a:r>
-            <a:endParaRPr lang="ko-KR" altLang="en-US" sz="2800" dirty="0">
-              <a:solidFill>
-                <a:srgbClr val="393384"/>
-              </a:solidFill>
-              <a:latin typeface="Gothic A1 Black" pitchFamily="2" charset="-127"/>
-              <a:ea typeface="Gothic A1 Black" pitchFamily="2" charset="-127"/>
-              <a:cs typeface="Gothic A1 Black" pitchFamily="2" charset="-127"/>
-            </a:endParaRPr>
-          </a:p>
-        </p:txBody>
-      </p:sp>
-      <p:sp>
-        <p:nvSpPr>
-          <p:cNvPr id="16" name="TextBox 15">
-            <a:extLst>
-              <a:ext uri="{FF2B5EF4-FFF2-40B4-BE49-F238E27FC236}">
-                <a16:creationId xmlns:a16="http://schemas.microsoft.com/office/drawing/2014/main" id="{A40D8864-DC3C-4A5B-BAE3-5DD026FC1898}"/>
-              </a:ext>
-            </a:extLst>
-          </p:cNvPr>
-          <p:cNvSpPr txBox="1"/>
-          <p:nvPr/>
-        </p:nvSpPr>
-        <p:spPr>
-          <a:xfrm>
-            <a:off x="1084303" y="1723938"/>
-            <a:ext cx="7114626" cy="338554"/>
-          </a:xfrm>
-          <a:prstGeom prst="rect">
-            <a:avLst/>
-          </a:prstGeom>
-          <a:noFill/>
-        </p:spPr>
-        <p:txBody>
-          <a:bodyPr wrap="square" rtlCol="0">
-            <a:spAutoFit/>
-          </a:bodyPr>
-          <a:lstStyle/>
-          <a:p>
-            <a:pPr marL="342900" indent="-342900">
-              <a:buFont typeface="Arial" panose="020B0604020202020204" pitchFamily="34" charset="0"/>
-              <a:buChar char="•"/>
-            </a:pPr>
-            <a:r>
-              <a:rPr lang="en-US" altLang="ko-KR" sz="1600" dirty="0">
-                <a:latin typeface="Gothic A1 Black" pitchFamily="2" charset="-127"/>
-                <a:ea typeface="Gothic A1 Black" pitchFamily="2" charset="-127"/>
-                <a:cs typeface="Gothic A1 Black" pitchFamily="2" charset="-127"/>
-              </a:rPr>
-              <a:t>Accuracy &amp; Recall </a:t>
-            </a:r>
-          </a:p>
-        </p:txBody>
-      </p:sp>
-      <p:sp>
-        <p:nvSpPr>
-          <p:cNvPr id="17" name="TextBox 16">
-            <a:extLst>
-              <a:ext uri="{FF2B5EF4-FFF2-40B4-BE49-F238E27FC236}">
-                <a16:creationId xmlns:a16="http://schemas.microsoft.com/office/drawing/2014/main" id="{D76E143F-1408-41E5-88AE-1710A6174A81}"/>
-              </a:ext>
-            </a:extLst>
-          </p:cNvPr>
-          <p:cNvSpPr txBox="1"/>
-          <p:nvPr/>
-        </p:nvSpPr>
-        <p:spPr>
-          <a:xfrm>
-            <a:off x="1274958" y="2077458"/>
-            <a:ext cx="9202542" cy="1815882"/>
-          </a:xfrm>
-          <a:prstGeom prst="rect">
-            <a:avLst/>
-          </a:prstGeom>
-          <a:noFill/>
-        </p:spPr>
-        <p:txBody>
-          <a:bodyPr wrap="square">
-            <a:spAutoFit/>
-          </a:bodyPr>
-          <a:lstStyle/>
-          <a:p>
-            <a:pPr marL="285750" indent="-285750">
-              <a:buFontTx/>
-              <a:buChar char="-"/>
-            </a:pPr>
-            <a:r>
-              <a:rPr lang="en-US" altLang="ko-KR" sz="1400" dirty="0">
-                <a:latin typeface="Gothic A1 Light" pitchFamily="2" charset="-127"/>
-                <a:ea typeface="Gothic A1 Light" pitchFamily="2" charset="-127"/>
-                <a:cs typeface="Gothic A1 Light" pitchFamily="2" charset="-127"/>
-              </a:rPr>
-              <a:t>Recall(</a:t>
-            </a:r>
-            <a:r>
-              <a:rPr lang="ko-KR" altLang="en-US" sz="1400" dirty="0" err="1">
-                <a:latin typeface="Gothic A1 Light" pitchFamily="2" charset="-127"/>
-                <a:ea typeface="Gothic A1 Light" pitchFamily="2" charset="-127"/>
-                <a:cs typeface="Gothic A1 Light" pitchFamily="2" charset="-127"/>
-              </a:rPr>
-              <a:t>재현율</a:t>
-            </a:r>
-            <a:r>
-              <a:rPr lang="en-US" altLang="ko-KR" sz="1400" dirty="0">
-                <a:latin typeface="Gothic A1 Light" pitchFamily="2" charset="-127"/>
-                <a:ea typeface="Gothic A1 Light" pitchFamily="2" charset="-127"/>
-                <a:cs typeface="Gothic A1 Light" pitchFamily="2" charset="-127"/>
-              </a:rPr>
-              <a:t>) </a:t>
-            </a:r>
-            <a:r>
-              <a:rPr lang="ko-KR" altLang="en-US" sz="1400" dirty="0">
-                <a:latin typeface="Gothic A1 Light" pitchFamily="2" charset="-127"/>
-                <a:ea typeface="Gothic A1 Light" pitchFamily="2" charset="-127"/>
-                <a:cs typeface="Gothic A1 Light" pitchFamily="2" charset="-127"/>
-              </a:rPr>
-              <a:t>지표는 모델이 양성인 것 중 양성으로 잘 맞춘 것에 대한 비율이므로 해당 지표가 가장 중요 </a:t>
-            </a:r>
-            <a:endParaRPr lang="en-US" altLang="ko-KR" sz="1400" dirty="0">
-              <a:latin typeface="Gothic A1 Light" pitchFamily="2" charset="-127"/>
-              <a:ea typeface="Gothic A1 Light" pitchFamily="2" charset="-127"/>
-              <a:cs typeface="Gothic A1 Light" pitchFamily="2" charset="-127"/>
-            </a:endParaRPr>
-          </a:p>
-          <a:p>
-            <a:r>
-              <a:rPr lang="en-US" altLang="ko-KR" sz="1400" dirty="0">
-                <a:latin typeface="Gothic A1 Light" pitchFamily="2" charset="-127"/>
-                <a:ea typeface="Gothic A1 Light" pitchFamily="2" charset="-127"/>
-                <a:cs typeface="Gothic A1 Light" pitchFamily="2" charset="-127"/>
-              </a:rPr>
-              <a:t>      (Recall: Test data</a:t>
-            </a:r>
-            <a:r>
-              <a:rPr lang="ko-KR" altLang="en-US" sz="1400" dirty="0">
-                <a:latin typeface="Gothic A1 Light" pitchFamily="2" charset="-127"/>
-                <a:ea typeface="Gothic A1 Light" pitchFamily="2" charset="-127"/>
-                <a:cs typeface="Gothic A1 Light" pitchFamily="2" charset="-127"/>
-              </a:rPr>
-              <a:t>기준 </a:t>
-            </a:r>
-            <a:r>
-              <a:rPr lang="en-US" altLang="ko-KR" sz="1400" dirty="0">
-                <a:latin typeface="Gothic A1 Light" pitchFamily="2" charset="-127"/>
-                <a:ea typeface="Gothic A1 Light" pitchFamily="2" charset="-127"/>
-                <a:cs typeface="Gothic A1 Light" pitchFamily="2" charset="-127"/>
-              </a:rPr>
-              <a:t>Class 1 </a:t>
-            </a:r>
-            <a:r>
-              <a:rPr lang="ko-KR" altLang="en-US" sz="1400" dirty="0">
-                <a:latin typeface="Gothic A1 Light" pitchFamily="2" charset="-127"/>
-                <a:ea typeface="Gothic A1 Light" pitchFamily="2" charset="-127"/>
-                <a:cs typeface="Gothic A1 Light" pitchFamily="2" charset="-127"/>
-              </a:rPr>
-              <a:t>중에 </a:t>
-            </a:r>
-            <a:r>
-              <a:rPr lang="en-US" altLang="ko-KR" sz="1400" dirty="0">
-                <a:latin typeface="Gothic A1 Light" pitchFamily="2" charset="-127"/>
-                <a:ea typeface="Gothic A1 Light" pitchFamily="2" charset="-127"/>
-                <a:cs typeface="Gothic A1 Light" pitchFamily="2" charset="-127"/>
-              </a:rPr>
-              <a:t>Class 1</a:t>
-            </a:r>
-            <a:r>
-              <a:rPr lang="ko-KR" altLang="en-US" sz="1400" dirty="0">
-                <a:latin typeface="Gothic A1 Light" pitchFamily="2" charset="-127"/>
-                <a:ea typeface="Gothic A1 Light" pitchFamily="2" charset="-127"/>
-                <a:cs typeface="Gothic A1 Light" pitchFamily="2" charset="-127"/>
-              </a:rPr>
-              <a:t>으로 잘 맞춘 비율 </a:t>
-            </a:r>
-            <a:r>
-              <a:rPr lang="en-US" altLang="ko-KR" sz="1400" dirty="0">
-                <a:latin typeface="Gothic A1 Light" pitchFamily="2" charset="-127"/>
-                <a:ea typeface="Gothic A1 Light" pitchFamily="2" charset="-127"/>
-                <a:cs typeface="Gothic A1 Light" pitchFamily="2" charset="-127"/>
-              </a:rPr>
-              <a:t>– </a:t>
-            </a:r>
-            <a:r>
-              <a:rPr lang="ko-KR" altLang="en-US" sz="1400" dirty="0">
-                <a:latin typeface="Gothic A1 Light" pitchFamily="2" charset="-127"/>
-                <a:ea typeface="Gothic A1 Light" pitchFamily="2" charset="-127"/>
-                <a:cs typeface="Gothic A1 Light" pitchFamily="2" charset="-127"/>
-              </a:rPr>
-              <a:t>높을 수록 좋은 모델</a:t>
-            </a:r>
-            <a:r>
-              <a:rPr lang="en-US" altLang="ko-KR" sz="1400" dirty="0">
-                <a:latin typeface="Gothic A1 Light" pitchFamily="2" charset="-127"/>
-                <a:ea typeface="Gothic A1 Light" pitchFamily="2" charset="-127"/>
-                <a:cs typeface="Gothic A1 Light" pitchFamily="2" charset="-127"/>
-              </a:rPr>
-              <a:t>) </a:t>
-            </a:r>
-          </a:p>
-          <a:p>
-            <a:r>
-              <a:rPr lang="en-US" altLang="ko-KR" sz="1400" dirty="0">
-                <a:latin typeface="Gothic A1 Light" pitchFamily="2" charset="-127"/>
-                <a:ea typeface="Gothic A1 Light" pitchFamily="2" charset="-127"/>
-                <a:cs typeface="Gothic A1 Light" pitchFamily="2" charset="-127"/>
-              </a:rPr>
-              <a:t> </a:t>
-            </a:r>
-          </a:p>
-          <a:p>
-            <a:pPr marL="285750" indent="-285750">
-              <a:buFontTx/>
-              <a:buChar char="-"/>
-            </a:pPr>
-            <a:r>
-              <a:rPr lang="en-US" altLang="ko-KR" sz="1400" dirty="0">
-                <a:latin typeface="Gothic A1 Light" pitchFamily="2" charset="-127"/>
-                <a:ea typeface="Gothic A1 Light" pitchFamily="2" charset="-127"/>
-                <a:cs typeface="Gothic A1 Light" pitchFamily="2" charset="-127"/>
-              </a:rPr>
-              <a:t>Accuracy</a:t>
-            </a:r>
-            <a:r>
-              <a:rPr lang="ko-KR" altLang="en-US" sz="1400" dirty="0">
-                <a:latin typeface="Gothic A1 Light" pitchFamily="2" charset="-127"/>
-                <a:ea typeface="Gothic A1 Light" pitchFamily="2" charset="-127"/>
-                <a:cs typeface="Gothic A1 Light" pitchFamily="2" charset="-127"/>
-              </a:rPr>
-              <a:t>의 경우 </a:t>
-            </a:r>
-            <a:r>
-              <a:rPr lang="en-US" altLang="ko-KR" sz="1400" dirty="0">
-                <a:latin typeface="Gothic A1 Light" pitchFamily="2" charset="-127"/>
-                <a:ea typeface="Gothic A1 Light" pitchFamily="2" charset="-127"/>
-                <a:cs typeface="Gothic A1 Light" pitchFamily="2" charset="-127"/>
-              </a:rPr>
-              <a:t>Random Forest</a:t>
-            </a:r>
-            <a:r>
-              <a:rPr lang="ko-KR" altLang="en-US" sz="1400" dirty="0">
-                <a:latin typeface="Gothic A1 Light" pitchFamily="2" charset="-127"/>
-                <a:ea typeface="Gothic A1 Light" pitchFamily="2" charset="-127"/>
-                <a:cs typeface="Gothic A1 Light" pitchFamily="2" charset="-127"/>
-              </a:rPr>
-              <a:t>가 </a:t>
-            </a:r>
-            <a:r>
-              <a:rPr lang="en-US" altLang="ko-KR" sz="1400" dirty="0">
-                <a:latin typeface="Gothic A1 Light" pitchFamily="2" charset="-127"/>
-                <a:ea typeface="Gothic A1 Light" pitchFamily="2" charset="-127"/>
-                <a:cs typeface="Gothic A1 Light" pitchFamily="2" charset="-127"/>
-              </a:rPr>
-              <a:t>0.927</a:t>
-            </a:r>
-            <a:r>
-              <a:rPr lang="ko-KR" altLang="en-US" sz="1400" dirty="0">
-                <a:latin typeface="Gothic A1 Light" pitchFamily="2" charset="-127"/>
-                <a:ea typeface="Gothic A1 Light" pitchFamily="2" charset="-127"/>
-                <a:cs typeface="Gothic A1 Light" pitchFamily="2" charset="-127"/>
-              </a:rPr>
-              <a:t>로 가장 높게 측정되었으나 </a:t>
-            </a:r>
-            <a:r>
-              <a:rPr lang="en-US" altLang="ko-KR" sz="1400" dirty="0">
-                <a:latin typeface="Gothic A1 Medium" pitchFamily="2" charset="-127"/>
-                <a:ea typeface="Gothic A1 Medium" pitchFamily="2" charset="-127"/>
-                <a:cs typeface="Gothic A1 Medium" pitchFamily="2" charset="-127"/>
-              </a:rPr>
-              <a:t>Recall</a:t>
-            </a:r>
-            <a:r>
-              <a:rPr lang="ko-KR" altLang="en-US" sz="1400" dirty="0">
-                <a:latin typeface="Gothic A1 Medium" pitchFamily="2" charset="-127"/>
-                <a:ea typeface="Gothic A1 Medium" pitchFamily="2" charset="-127"/>
-                <a:cs typeface="Gothic A1 Medium" pitchFamily="2" charset="-127"/>
-              </a:rPr>
-              <a:t>값은 </a:t>
-            </a:r>
-            <a:r>
-              <a:rPr lang="en-US" altLang="ko-KR" sz="1400" dirty="0">
-                <a:latin typeface="Gothic A1 Medium" pitchFamily="2" charset="-127"/>
-                <a:ea typeface="Gothic A1 Medium" pitchFamily="2" charset="-127"/>
-                <a:cs typeface="Gothic A1 Medium" pitchFamily="2" charset="-127"/>
-              </a:rPr>
-              <a:t>Logistic Regression</a:t>
-            </a:r>
-            <a:r>
-              <a:rPr lang="ko-KR" altLang="en-US" sz="1400" dirty="0">
-                <a:latin typeface="Gothic A1 Medium" pitchFamily="2" charset="-127"/>
-                <a:ea typeface="Gothic A1 Medium" pitchFamily="2" charset="-127"/>
-                <a:cs typeface="Gothic A1 Medium" pitchFamily="2" charset="-127"/>
-              </a:rPr>
-              <a:t>이 </a:t>
-            </a:r>
-            <a:r>
-              <a:rPr lang="en-US" altLang="ko-KR" sz="1400" dirty="0">
-                <a:latin typeface="Gothic A1 Medium" pitchFamily="2" charset="-127"/>
-                <a:ea typeface="Gothic A1 Medium" pitchFamily="2" charset="-127"/>
-                <a:cs typeface="Gothic A1 Medium" pitchFamily="2" charset="-127"/>
-              </a:rPr>
-              <a:t>0.6</a:t>
-            </a:r>
-            <a:r>
-              <a:rPr lang="ko-KR" altLang="en-US" sz="1400" dirty="0">
-                <a:latin typeface="Gothic A1 Medium" pitchFamily="2" charset="-127"/>
-                <a:ea typeface="Gothic A1 Medium" pitchFamily="2" charset="-127"/>
-                <a:cs typeface="Gothic A1 Medium" pitchFamily="2" charset="-127"/>
-              </a:rPr>
-              <a:t>으로 가장 높게 측정</a:t>
-            </a:r>
-            <a:r>
-              <a:rPr lang="ko-KR" altLang="en-US" sz="1400" dirty="0">
-                <a:latin typeface="Gothic A1 Light" pitchFamily="2" charset="-127"/>
-                <a:ea typeface="Gothic A1 Light" pitchFamily="2" charset="-127"/>
-                <a:cs typeface="Gothic A1 Light" pitchFamily="2" charset="-127"/>
-              </a:rPr>
-              <a:t>됨 </a:t>
-            </a:r>
-            <a:endParaRPr lang="en-US" altLang="ko-KR" sz="1400" dirty="0">
-              <a:latin typeface="Gothic A1 Light" pitchFamily="2" charset="-127"/>
-              <a:ea typeface="Gothic A1 Light" pitchFamily="2" charset="-127"/>
-              <a:cs typeface="Gothic A1 Light" pitchFamily="2" charset="-127"/>
-            </a:endParaRPr>
-          </a:p>
-          <a:p>
-            <a:endParaRPr lang="en-US" altLang="ko-KR" sz="1400" dirty="0">
-              <a:latin typeface="Gothic A1 Light" pitchFamily="2" charset="-127"/>
-              <a:ea typeface="Gothic A1 Light" pitchFamily="2" charset="-127"/>
-              <a:cs typeface="Gothic A1 Light" pitchFamily="2" charset="-127"/>
-            </a:endParaRPr>
-          </a:p>
-          <a:p>
-            <a:pPr marL="285750" indent="-285750">
-              <a:buFontTx/>
-              <a:buChar char="-"/>
-            </a:pPr>
-            <a:r>
-              <a:rPr lang="ko-KR" altLang="en-US" sz="1400" dirty="0">
-                <a:latin typeface="Gothic A1 Light" pitchFamily="2" charset="-127"/>
-                <a:ea typeface="Gothic A1 Light" pitchFamily="2" charset="-127"/>
-                <a:cs typeface="Gothic A1 Light" pitchFamily="2" charset="-127"/>
-              </a:rPr>
-              <a:t>그러나 </a:t>
-            </a:r>
-            <a:r>
-              <a:rPr lang="en-US" altLang="ko-KR" sz="1400" dirty="0">
-                <a:latin typeface="Gothic A1 Light" pitchFamily="2" charset="-127"/>
-                <a:ea typeface="Gothic A1 Light" pitchFamily="2" charset="-127"/>
-                <a:cs typeface="Gothic A1 Light" pitchFamily="2" charset="-127"/>
-              </a:rPr>
-              <a:t>Logistic Regression </a:t>
-            </a:r>
-            <a:r>
-              <a:rPr lang="ko-KR" altLang="en-US" sz="1400" dirty="0">
-                <a:latin typeface="Gothic A1 Light" pitchFamily="2" charset="-127"/>
-                <a:ea typeface="Gothic A1 Light" pitchFamily="2" charset="-127"/>
-                <a:cs typeface="Gothic A1 Light" pitchFamily="2" charset="-127"/>
-              </a:rPr>
-              <a:t>모델의 경우 </a:t>
-            </a:r>
-            <a:r>
-              <a:rPr lang="en-US" altLang="ko-KR" sz="1400" dirty="0">
-                <a:latin typeface="Gothic A1 Light" pitchFamily="2" charset="-127"/>
-                <a:ea typeface="Gothic A1 Light" pitchFamily="2" charset="-127"/>
-                <a:cs typeface="Gothic A1 Light" pitchFamily="2" charset="-127"/>
-              </a:rPr>
-              <a:t>accuracy</a:t>
-            </a:r>
-            <a:r>
-              <a:rPr lang="ko-KR" altLang="en-US" sz="1400" dirty="0">
-                <a:latin typeface="Gothic A1 Light" pitchFamily="2" charset="-127"/>
-                <a:ea typeface="Gothic A1 Light" pitchFamily="2" charset="-127"/>
-                <a:cs typeface="Gothic A1 Light" pitchFamily="2" charset="-127"/>
-              </a:rPr>
-              <a:t>가 </a:t>
-            </a:r>
-            <a:r>
-              <a:rPr lang="en-US" altLang="ko-KR" sz="1400" dirty="0">
-                <a:latin typeface="Gothic A1 Light" pitchFamily="2" charset="-127"/>
-                <a:ea typeface="Gothic A1 Light" pitchFamily="2" charset="-127"/>
-                <a:cs typeface="Gothic A1 Light" pitchFamily="2" charset="-127"/>
-              </a:rPr>
-              <a:t>0.64</a:t>
-            </a:r>
-            <a:r>
-              <a:rPr lang="ko-KR" altLang="en-US" sz="1400" dirty="0">
-                <a:latin typeface="Gothic A1 Light" pitchFamily="2" charset="-127"/>
-                <a:ea typeface="Gothic A1 Light" pitchFamily="2" charset="-127"/>
-                <a:cs typeface="Gothic A1 Light" pitchFamily="2" charset="-127"/>
-              </a:rPr>
-              <a:t>로 신뢰성이 높은 모델이라고 판단하기 어려움 </a:t>
-            </a:r>
-            <a:endParaRPr lang="en-US" altLang="ko-KR" sz="1400" dirty="0">
-              <a:latin typeface="Gothic A1 Light" pitchFamily="2" charset="-127"/>
-              <a:ea typeface="Gothic A1 Light" pitchFamily="2" charset="-127"/>
-              <a:cs typeface="Gothic A1 Light" pitchFamily="2" charset="-127"/>
-            </a:endParaRPr>
-          </a:p>
-          <a:p>
-            <a:endParaRPr lang="ko-KR" altLang="en-US" sz="1400" dirty="0">
-              <a:latin typeface="Gothic A1 Light" pitchFamily="2" charset="-127"/>
-              <a:ea typeface="Gothic A1 Light" pitchFamily="2" charset="-127"/>
-              <a:cs typeface="Gothic A1 Light" pitchFamily="2" charset="-127"/>
-            </a:endParaRPr>
-          </a:p>
-        </p:txBody>
-      </p:sp>
-      <p:sp>
-        <p:nvSpPr>
-          <p:cNvPr id="18" name="TextBox 17">
-            <a:extLst>
-              <a:ext uri="{FF2B5EF4-FFF2-40B4-BE49-F238E27FC236}">
-                <a16:creationId xmlns:a16="http://schemas.microsoft.com/office/drawing/2014/main" id="{F7BC2422-A3F2-4AAB-BFA7-AD2E14DF8018}"/>
-              </a:ext>
-            </a:extLst>
-          </p:cNvPr>
-          <p:cNvSpPr txBox="1"/>
-          <p:nvPr/>
-        </p:nvSpPr>
-        <p:spPr>
-          <a:xfrm>
-            <a:off x="1084303" y="3999587"/>
-            <a:ext cx="7114626" cy="338554"/>
-          </a:xfrm>
-          <a:prstGeom prst="rect">
-            <a:avLst/>
-          </a:prstGeom>
-          <a:noFill/>
-        </p:spPr>
-        <p:txBody>
-          <a:bodyPr wrap="square" rtlCol="0">
-            <a:spAutoFit/>
-          </a:bodyPr>
-          <a:lstStyle/>
-          <a:p>
-            <a:pPr marL="342900" indent="-342900">
-              <a:buFont typeface="Arial" panose="020B0604020202020204" pitchFamily="34" charset="0"/>
-              <a:buChar char="•"/>
-            </a:pPr>
-            <a:r>
-              <a:rPr lang="en-US" altLang="ko-KR" sz="1600" dirty="0">
-                <a:latin typeface="Gothic A1 Black" pitchFamily="2" charset="-127"/>
-                <a:ea typeface="Gothic A1 Black" pitchFamily="2" charset="-127"/>
-                <a:cs typeface="Gothic A1 Black" pitchFamily="2" charset="-127"/>
-              </a:rPr>
-              <a:t>Evaluation</a:t>
-            </a:r>
-          </a:p>
-        </p:txBody>
-      </p:sp>
-      <p:sp>
-        <p:nvSpPr>
-          <p:cNvPr id="19" name="TextBox 18">
-            <a:extLst>
-              <a:ext uri="{FF2B5EF4-FFF2-40B4-BE49-F238E27FC236}">
-                <a16:creationId xmlns:a16="http://schemas.microsoft.com/office/drawing/2014/main" id="{2B13E999-73DE-4B57-9859-C0F775008399}"/>
-              </a:ext>
-            </a:extLst>
-          </p:cNvPr>
-          <p:cNvSpPr txBox="1"/>
-          <p:nvPr/>
-        </p:nvSpPr>
-        <p:spPr>
-          <a:xfrm>
-            <a:off x="1274958" y="4374701"/>
-            <a:ext cx="9202542" cy="1169551"/>
-          </a:xfrm>
-          <a:prstGeom prst="rect">
-            <a:avLst/>
-          </a:prstGeom>
-          <a:noFill/>
-        </p:spPr>
-        <p:txBody>
-          <a:bodyPr wrap="square">
-            <a:spAutoFit/>
-          </a:bodyPr>
-          <a:lstStyle/>
-          <a:p>
-            <a:pPr marL="285750" indent="-285750">
-              <a:buFontTx/>
-              <a:buChar char="-"/>
-            </a:pPr>
-            <a:r>
-              <a:rPr lang="en-US" altLang="ko-KR" sz="1400" dirty="0">
-                <a:latin typeface="Gothic A1 Light" pitchFamily="2" charset="-127"/>
-                <a:ea typeface="Gothic A1 Light" pitchFamily="2" charset="-127"/>
-                <a:cs typeface="Gothic A1 Light" pitchFamily="2" charset="-127"/>
-              </a:rPr>
-              <a:t>EDA</a:t>
-            </a:r>
-            <a:r>
-              <a:rPr lang="ko-KR" altLang="en-US" sz="1400" dirty="0">
-                <a:latin typeface="Gothic A1 Light" pitchFamily="2" charset="-127"/>
-                <a:ea typeface="Gothic A1 Light" pitchFamily="2" charset="-127"/>
-                <a:cs typeface="Gothic A1 Light" pitchFamily="2" charset="-127"/>
-              </a:rPr>
-              <a:t>를 통해 살펴 봤듯이 대출 상환 이행 여부에 따라 각 속성의 특징이 뚜렷한 것이 아니라 전체적인 양상이 비슷하게 나타나 분류를 잘 해내지 못 하는 것으로 해석 가능</a:t>
-            </a:r>
-            <a:endParaRPr lang="en-US" altLang="ko-KR" sz="1400" dirty="0">
-              <a:latin typeface="Gothic A1 Light" pitchFamily="2" charset="-127"/>
-              <a:ea typeface="Gothic A1 Light" pitchFamily="2" charset="-127"/>
-              <a:cs typeface="Gothic A1 Light" pitchFamily="2" charset="-127"/>
-            </a:endParaRPr>
-          </a:p>
-          <a:p>
-            <a:endParaRPr lang="en-US" altLang="ko-KR" sz="1400" dirty="0">
-              <a:latin typeface="Gothic A1 Light" pitchFamily="2" charset="-127"/>
-              <a:ea typeface="Gothic A1 Light" pitchFamily="2" charset="-127"/>
-              <a:cs typeface="Gothic A1 Light" pitchFamily="2" charset="-127"/>
-            </a:endParaRPr>
-          </a:p>
-          <a:p>
-            <a:pPr marL="285750" indent="-285750">
-              <a:buFontTx/>
-              <a:buChar char="-"/>
-            </a:pPr>
-            <a:r>
-              <a:rPr lang="ko-KR" altLang="en-US" sz="1400" dirty="0">
-                <a:latin typeface="Gothic A1 Light" pitchFamily="2" charset="-127"/>
-                <a:ea typeface="Gothic A1 Light" pitchFamily="2" charset="-127"/>
-                <a:cs typeface="Gothic A1 Light" pitchFamily="2" charset="-127"/>
-              </a:rPr>
-              <a:t>따라서 정확한 예측 모델을 만들기 위해서는 현재 변수 외 다른 변수들이 추가되어야 할 것으로 보이며</a:t>
-            </a:r>
-            <a:r>
-              <a:rPr lang="en-US" altLang="ko-KR" sz="1400" dirty="0">
-                <a:latin typeface="Gothic A1 Light" pitchFamily="2" charset="-127"/>
-                <a:ea typeface="Gothic A1 Light" pitchFamily="2" charset="-127"/>
-                <a:cs typeface="Gothic A1 Light" pitchFamily="2" charset="-127"/>
-              </a:rPr>
-              <a:t>, </a:t>
-            </a:r>
-            <a:r>
-              <a:rPr lang="ko-KR" altLang="en-US" sz="1400" dirty="0">
-                <a:latin typeface="Gothic A1 Light" pitchFamily="2" charset="-127"/>
-                <a:ea typeface="Gothic A1 Light" pitchFamily="2" charset="-127"/>
-                <a:cs typeface="Gothic A1 Light" pitchFamily="2" charset="-127"/>
-              </a:rPr>
-              <a:t>그 외 다양한 방식으로 변수 선택</a:t>
-            </a:r>
-            <a:r>
-              <a:rPr lang="en-US" altLang="ko-KR" sz="1400" dirty="0">
-                <a:latin typeface="Gothic A1 Light" pitchFamily="2" charset="-127"/>
-                <a:ea typeface="Gothic A1 Light" pitchFamily="2" charset="-127"/>
-                <a:cs typeface="Gothic A1 Light" pitchFamily="2" charset="-127"/>
-              </a:rPr>
-              <a:t>·</a:t>
-            </a:r>
-            <a:r>
-              <a:rPr lang="ko-KR" altLang="en-US" sz="1400" dirty="0">
-                <a:latin typeface="Gothic A1 Light" pitchFamily="2" charset="-127"/>
-                <a:ea typeface="Gothic A1 Light" pitchFamily="2" charset="-127"/>
-                <a:cs typeface="Gothic A1 Light" pitchFamily="2" charset="-127"/>
-              </a:rPr>
-              <a:t>파생 변수 생성 및 데이터 전처리를 통해  성능을 향상 시켜야 할 것으로 보임</a:t>
-            </a:r>
-            <a:endParaRPr lang="en-US" altLang="ko-KR" sz="1400" dirty="0">
-              <a:latin typeface="Gothic A1 Light" pitchFamily="2" charset="-127"/>
-              <a:ea typeface="Gothic A1 Light" pitchFamily="2" charset="-127"/>
-              <a:cs typeface="Gothic A1 Light" pitchFamily="2" charset="-127"/>
-            </a:endParaRPr>
-          </a:p>
-        </p:txBody>
-      </p:sp>
     </p:spTree>
     <p:extLst>
       <p:ext uri="{BB962C8B-B14F-4D97-AF65-F5344CB8AC3E}">
@@ -18613,7 +19552,7 @@
 </p:sld>
 </file>
 
-<file path=ppt/slides/slide24.xml><?xml version="1.0" encoding="utf-8"?>
+<file path=ppt/slides/slide25.xml><?xml version="1.0" encoding="utf-8"?>
 <p:sld xmlns:a="http://schemas.openxmlformats.org/drawingml/2006/main" xmlns:r="http://schemas.openxmlformats.org/officeDocument/2006/relationships" xmlns:p="http://schemas.openxmlformats.org/presentationml/2006/main">
   <p:cSld>
     <p:spTree>
@@ -18966,7 +19905,7 @@
                   <a:ea typeface="Gothic A1 Medium" pitchFamily="2" charset="-127"/>
                   <a:cs typeface="Gothic A1 Medium" pitchFamily="2" charset="-127"/>
                 </a:rPr>
-                <a:t>24</a:t>
+                <a:t>25</a:t>
               </a:r>
               <a:endParaRPr lang="ko-KR" altLang="en-US" sz="900" dirty="0">
                 <a:solidFill>
@@ -19766,7 +20705,7 @@
 </p:sld>
 </file>
 
-<file path=ppt/slides/slide25.xml><?xml version="1.0" encoding="utf-8"?>
+<file path=ppt/slides/slide26.xml><?xml version="1.0" encoding="utf-8"?>
 <p:sld xmlns:a="http://schemas.openxmlformats.org/drawingml/2006/main" xmlns:r="http://schemas.openxmlformats.org/officeDocument/2006/relationships" xmlns:p="http://schemas.openxmlformats.org/presentationml/2006/main">
   <p:cSld>
     <p:bg>
